--- a/20221112_JavaScript_Avanzado_Promo3.pptx
+++ b/20221112_JavaScript_Avanzado_Promo3.pptx
@@ -5,7 +5,7 @@
     <p:sldMasterId id="2147483660" r:id="rId1"/>
   </p:sldMasterIdLst>
   <p:notesMasterIdLst>
-    <p:notesMasterId r:id="rId13"/>
+    <p:notesMasterId r:id="rId25"/>
   </p:notesMasterIdLst>
   <p:sldIdLst>
     <p:sldId id="256" r:id="rId2"/>
@@ -19,19 +19,31 @@
     <p:sldId id="272" r:id="rId10"/>
     <p:sldId id="273" r:id="rId11"/>
     <p:sldId id="274" r:id="rId12"/>
+    <p:sldId id="275" r:id="rId13"/>
+    <p:sldId id="276" r:id="rId14"/>
+    <p:sldId id="277" r:id="rId15"/>
+    <p:sldId id="278" r:id="rId16"/>
+    <p:sldId id="279" r:id="rId17"/>
+    <p:sldId id="281" r:id="rId18"/>
+    <p:sldId id="282" r:id="rId19"/>
+    <p:sldId id="283" r:id="rId20"/>
+    <p:sldId id="284" r:id="rId21"/>
+    <p:sldId id="285" r:id="rId22"/>
+    <p:sldId id="287" r:id="rId23"/>
+    <p:sldId id="288" r:id="rId24"/>
   </p:sldIdLst>
   <p:sldSz cx="9144000" cy="5143500" type="screen16x9"/>
   <p:notesSz cx="6858000" cy="9144000"/>
   <p:embeddedFontLst>
     <p:embeddedFont>
       <p:font typeface="Readex Pro" panose="020B0604020202020204" charset="-78"/>
-      <p:regular r:id="rId14"/>
-      <p:bold r:id="rId15"/>
+      <p:regular r:id="rId26"/>
+      <p:bold r:id="rId27"/>
     </p:embeddedFont>
     <p:embeddedFont>
       <p:font typeface="Readex Pro SemiBold" panose="020B0604020202020204" charset="-78"/>
-      <p:regular r:id="rId16"/>
-      <p:bold r:id="rId17"/>
+      <p:regular r:id="rId28"/>
+      <p:bold r:id="rId29"/>
     </p:embeddedFont>
   </p:embeddedFontLst>
   <p:defaultTextStyle>
@@ -263,6 +275,11 @@
       </a:defRPr>
     </a:lvl9pPr>
   </p:defaultTextStyle>
+  <p:extLst>
+    <p:ext uri="{EFAFB233-063F-42B5-8137-9DF3F51BA10A}">
+      <p15:sldGuideLst xmlns:p15="http://schemas.microsoft.com/office/powerpoint/2012/main"/>
+    </p:ext>
+  </p:extLst>
 </p:presentation>
 </file>
 
@@ -1029,6 +1046,878 @@
 </p:notes>
 </file>
 
+<file path=ppt/notesSlides/notesSlide12.xml><?xml version="1.0" encoding="utf-8"?>
+<p:notes xmlns:a="http://schemas.openxmlformats.org/drawingml/2006/main" xmlns:r="http://schemas.openxmlformats.org/officeDocument/2006/relationships" xmlns:p="http://schemas.openxmlformats.org/presentationml/2006/main" showMasterSp="0" showMasterPhAnim="0">
+  <p:cSld>
+    <p:spTree>
+      <p:nvGrpSpPr>
+        <p:cNvPr id="1" name="Shape 65"/>
+        <p:cNvGrpSpPr/>
+        <p:nvPr/>
+      </p:nvGrpSpPr>
+      <p:grpSpPr>
+        <a:xfrm>
+          <a:off x="0" y="0"/>
+          <a:ext cx="0" cy="0"/>
+          <a:chOff x="0" y="0"/>
+          <a:chExt cx="0" cy="0"/>
+        </a:xfrm>
+      </p:grpSpPr>
+      <p:sp>
+        <p:nvSpPr>
+          <p:cNvPr id="66" name="Google Shape;66;g144efab17e8_0_180:notes"/>
+          <p:cNvSpPr>
+            <a:spLocks noGrp="1" noRot="1" noChangeAspect="1"/>
+          </p:cNvSpPr>
+          <p:nvPr>
+            <p:ph type="sldImg" idx="2"/>
+          </p:nvPr>
+        </p:nvSpPr>
+        <p:spPr>
+          <a:xfrm>
+            <a:off x="381000" y="685800"/>
+            <a:ext cx="6096000" cy="3429000"/>
+          </a:xfrm>
+          <a:custGeom>
+            <a:avLst/>
+            <a:gdLst/>
+            <a:ahLst/>
+            <a:cxnLst/>
+            <a:rect l="l" t="t" r="r" b="b"/>
+            <a:pathLst>
+              <a:path w="120000" h="120000" extrusionOk="0">
+                <a:moveTo>
+                  <a:pt x="0" y="0"/>
+                </a:moveTo>
+                <a:lnTo>
+                  <a:pt x="120000" y="0"/>
+                </a:lnTo>
+                <a:lnTo>
+                  <a:pt x="120000" y="120000"/>
+                </a:lnTo>
+                <a:lnTo>
+                  <a:pt x="0" y="120000"/>
+                </a:lnTo>
+                <a:close/>
+              </a:path>
+            </a:pathLst>
+          </a:custGeom>
+        </p:spPr>
+      </p:sp>
+      <p:sp>
+        <p:nvSpPr>
+          <p:cNvPr id="67" name="Google Shape;67;g144efab17e8_0_180:notes"/>
+          <p:cNvSpPr txBox="1">
+            <a:spLocks noGrp="1"/>
+          </p:cNvSpPr>
+          <p:nvPr>
+            <p:ph type="body" idx="1"/>
+          </p:nvPr>
+        </p:nvSpPr>
+        <p:spPr>
+          <a:xfrm>
+            <a:off x="685800" y="4343400"/>
+            <a:ext cx="5486400" cy="4114800"/>
+          </a:xfrm>
+          <a:prstGeom prst="rect">
+            <a:avLst/>
+          </a:prstGeom>
+        </p:spPr>
+        <p:txBody>
+          <a:bodyPr spcFirstLastPara="1" wrap="square" lIns="91425" tIns="91425" rIns="91425" bIns="91425" anchor="t" anchorCtr="0">
+            <a:noAutofit/>
+          </a:bodyPr>
+          <a:lstStyle/>
+          <a:p>
+            <a:pPr marL="0" lvl="0" indent="0" algn="l" rtl="0">
+              <a:spcBef>
+                <a:spcPts val="0"/>
+              </a:spcBef>
+              <a:spcAft>
+                <a:spcPts val="0"/>
+              </a:spcAft>
+              <a:buNone/>
+            </a:pPr>
+            <a:endParaRPr/>
+          </a:p>
+        </p:txBody>
+      </p:sp>
+    </p:spTree>
+    <p:extLst>
+      <p:ext uri="{BB962C8B-B14F-4D97-AF65-F5344CB8AC3E}">
+        <p14:creationId xmlns:p14="http://schemas.microsoft.com/office/powerpoint/2010/main" val="1990972342"/>
+      </p:ext>
+    </p:extLst>
+  </p:cSld>
+  <p:clrMapOvr>
+    <a:masterClrMapping/>
+  </p:clrMapOvr>
+</p:notes>
+</file>
+
+<file path=ppt/notesSlides/notesSlide13.xml><?xml version="1.0" encoding="utf-8"?>
+<p:notes xmlns:a="http://schemas.openxmlformats.org/drawingml/2006/main" xmlns:r="http://schemas.openxmlformats.org/officeDocument/2006/relationships" xmlns:p="http://schemas.openxmlformats.org/presentationml/2006/main" showMasterSp="0" showMasterPhAnim="0">
+  <p:cSld>
+    <p:spTree>
+      <p:nvGrpSpPr>
+        <p:cNvPr id="1" name="Shape 77"/>
+        <p:cNvGrpSpPr/>
+        <p:nvPr/>
+      </p:nvGrpSpPr>
+      <p:grpSpPr>
+        <a:xfrm>
+          <a:off x="0" y="0"/>
+          <a:ext cx="0" cy="0"/>
+          <a:chOff x="0" y="0"/>
+          <a:chExt cx="0" cy="0"/>
+        </a:xfrm>
+      </p:grpSpPr>
+      <p:sp>
+        <p:nvSpPr>
+          <p:cNvPr id="78" name="Google Shape;78;g144efab17e8_0_192:notes"/>
+          <p:cNvSpPr>
+            <a:spLocks noGrp="1" noRot="1" noChangeAspect="1"/>
+          </p:cNvSpPr>
+          <p:nvPr>
+            <p:ph type="sldImg" idx="2"/>
+          </p:nvPr>
+        </p:nvSpPr>
+        <p:spPr>
+          <a:xfrm>
+            <a:off x="381000" y="685800"/>
+            <a:ext cx="6096000" cy="3429000"/>
+          </a:xfrm>
+          <a:custGeom>
+            <a:avLst/>
+            <a:gdLst/>
+            <a:ahLst/>
+            <a:cxnLst/>
+            <a:rect l="l" t="t" r="r" b="b"/>
+            <a:pathLst>
+              <a:path w="120000" h="120000" extrusionOk="0">
+                <a:moveTo>
+                  <a:pt x="0" y="0"/>
+                </a:moveTo>
+                <a:lnTo>
+                  <a:pt x="120000" y="0"/>
+                </a:lnTo>
+                <a:lnTo>
+                  <a:pt x="120000" y="120000"/>
+                </a:lnTo>
+                <a:lnTo>
+                  <a:pt x="0" y="120000"/>
+                </a:lnTo>
+                <a:close/>
+              </a:path>
+            </a:pathLst>
+          </a:custGeom>
+        </p:spPr>
+      </p:sp>
+      <p:sp>
+        <p:nvSpPr>
+          <p:cNvPr id="79" name="Google Shape;79;g144efab17e8_0_192:notes"/>
+          <p:cNvSpPr txBox="1">
+            <a:spLocks noGrp="1"/>
+          </p:cNvSpPr>
+          <p:nvPr>
+            <p:ph type="body" idx="1"/>
+          </p:nvPr>
+        </p:nvSpPr>
+        <p:spPr>
+          <a:xfrm>
+            <a:off x="685800" y="4343400"/>
+            <a:ext cx="5486400" cy="4114800"/>
+          </a:xfrm>
+          <a:prstGeom prst="rect">
+            <a:avLst/>
+          </a:prstGeom>
+        </p:spPr>
+        <p:txBody>
+          <a:bodyPr spcFirstLastPara="1" wrap="square" lIns="91425" tIns="91425" rIns="91425" bIns="91425" anchor="t" anchorCtr="0">
+            <a:noAutofit/>
+          </a:bodyPr>
+          <a:lstStyle/>
+          <a:p>
+            <a:pPr marL="0" lvl="0" indent="0" algn="l" rtl="0">
+              <a:spcBef>
+                <a:spcPts val="0"/>
+              </a:spcBef>
+              <a:spcAft>
+                <a:spcPts val="0"/>
+              </a:spcAft>
+              <a:buNone/>
+            </a:pPr>
+            <a:endParaRPr/>
+          </a:p>
+        </p:txBody>
+      </p:sp>
+    </p:spTree>
+    <p:extLst>
+      <p:ext uri="{BB962C8B-B14F-4D97-AF65-F5344CB8AC3E}">
+        <p14:creationId xmlns:p14="http://schemas.microsoft.com/office/powerpoint/2010/main" val="1887503165"/>
+      </p:ext>
+    </p:extLst>
+  </p:cSld>
+  <p:clrMapOvr>
+    <a:masterClrMapping/>
+  </p:clrMapOvr>
+</p:notes>
+</file>
+
+<file path=ppt/notesSlides/notesSlide14.xml><?xml version="1.0" encoding="utf-8"?>
+<p:notes xmlns:a="http://schemas.openxmlformats.org/drawingml/2006/main" xmlns:r="http://schemas.openxmlformats.org/officeDocument/2006/relationships" xmlns:p="http://schemas.openxmlformats.org/presentationml/2006/main" showMasterSp="0" showMasterPhAnim="0">
+  <p:cSld>
+    <p:spTree>
+      <p:nvGrpSpPr>
+        <p:cNvPr id="1" name="Shape 103"/>
+        <p:cNvGrpSpPr/>
+        <p:nvPr/>
+      </p:nvGrpSpPr>
+      <p:grpSpPr>
+        <a:xfrm>
+          <a:off x="0" y="0"/>
+          <a:ext cx="0" cy="0"/>
+          <a:chOff x="0" y="0"/>
+          <a:chExt cx="0" cy="0"/>
+        </a:xfrm>
+      </p:grpSpPr>
+      <p:sp>
+        <p:nvSpPr>
+          <p:cNvPr id="104" name="Google Shape;104;g144efab17e8_0_198:notes"/>
+          <p:cNvSpPr>
+            <a:spLocks noGrp="1" noRot="1" noChangeAspect="1"/>
+          </p:cNvSpPr>
+          <p:nvPr>
+            <p:ph type="sldImg" idx="2"/>
+          </p:nvPr>
+        </p:nvSpPr>
+        <p:spPr>
+          <a:xfrm>
+            <a:off x="381000" y="685800"/>
+            <a:ext cx="6096000" cy="3429000"/>
+          </a:xfrm>
+          <a:custGeom>
+            <a:avLst/>
+            <a:gdLst/>
+            <a:ahLst/>
+            <a:cxnLst/>
+            <a:rect l="l" t="t" r="r" b="b"/>
+            <a:pathLst>
+              <a:path w="120000" h="120000" extrusionOk="0">
+                <a:moveTo>
+                  <a:pt x="0" y="0"/>
+                </a:moveTo>
+                <a:lnTo>
+                  <a:pt x="120000" y="0"/>
+                </a:lnTo>
+                <a:lnTo>
+                  <a:pt x="120000" y="120000"/>
+                </a:lnTo>
+                <a:lnTo>
+                  <a:pt x="0" y="120000"/>
+                </a:lnTo>
+                <a:close/>
+              </a:path>
+            </a:pathLst>
+          </a:custGeom>
+        </p:spPr>
+      </p:sp>
+      <p:sp>
+        <p:nvSpPr>
+          <p:cNvPr id="105" name="Google Shape;105;g144efab17e8_0_198:notes"/>
+          <p:cNvSpPr txBox="1">
+            <a:spLocks noGrp="1"/>
+          </p:cNvSpPr>
+          <p:nvPr>
+            <p:ph type="body" idx="1"/>
+          </p:nvPr>
+        </p:nvSpPr>
+        <p:spPr>
+          <a:xfrm>
+            <a:off x="685800" y="4343400"/>
+            <a:ext cx="5486400" cy="4114800"/>
+          </a:xfrm>
+          <a:prstGeom prst="rect">
+            <a:avLst/>
+          </a:prstGeom>
+        </p:spPr>
+        <p:txBody>
+          <a:bodyPr spcFirstLastPara="1" wrap="square" lIns="91425" tIns="91425" rIns="91425" bIns="91425" anchor="t" anchorCtr="0">
+            <a:noAutofit/>
+          </a:bodyPr>
+          <a:lstStyle/>
+          <a:p>
+            <a:pPr marL="0" lvl="0" indent="0" algn="l" rtl="0">
+              <a:spcBef>
+                <a:spcPts val="0"/>
+              </a:spcBef>
+              <a:spcAft>
+                <a:spcPts val="0"/>
+              </a:spcAft>
+              <a:buNone/>
+            </a:pPr>
+            <a:endParaRPr/>
+          </a:p>
+        </p:txBody>
+      </p:sp>
+    </p:spTree>
+    <p:extLst>
+      <p:ext uri="{BB962C8B-B14F-4D97-AF65-F5344CB8AC3E}">
+        <p14:creationId xmlns:p14="http://schemas.microsoft.com/office/powerpoint/2010/main" val="3705838512"/>
+      </p:ext>
+    </p:extLst>
+  </p:cSld>
+  <p:clrMapOvr>
+    <a:masterClrMapping/>
+  </p:clrMapOvr>
+</p:notes>
+</file>
+
+<file path=ppt/notesSlides/notesSlide15.xml><?xml version="1.0" encoding="utf-8"?>
+<p:notes xmlns:a="http://schemas.openxmlformats.org/drawingml/2006/main" xmlns:r="http://schemas.openxmlformats.org/officeDocument/2006/relationships" xmlns:p="http://schemas.openxmlformats.org/presentationml/2006/main" showMasterSp="0" showMasterPhAnim="0">
+  <p:cSld>
+    <p:spTree>
+      <p:nvGrpSpPr>
+        <p:cNvPr id="1" name="Shape 65"/>
+        <p:cNvGrpSpPr/>
+        <p:nvPr/>
+      </p:nvGrpSpPr>
+      <p:grpSpPr>
+        <a:xfrm>
+          <a:off x="0" y="0"/>
+          <a:ext cx="0" cy="0"/>
+          <a:chOff x="0" y="0"/>
+          <a:chExt cx="0" cy="0"/>
+        </a:xfrm>
+      </p:grpSpPr>
+      <p:sp>
+        <p:nvSpPr>
+          <p:cNvPr id="66" name="Google Shape;66;g144efab17e8_0_180:notes"/>
+          <p:cNvSpPr>
+            <a:spLocks noGrp="1" noRot="1" noChangeAspect="1"/>
+          </p:cNvSpPr>
+          <p:nvPr>
+            <p:ph type="sldImg" idx="2"/>
+          </p:nvPr>
+        </p:nvSpPr>
+        <p:spPr>
+          <a:xfrm>
+            <a:off x="381000" y="685800"/>
+            <a:ext cx="6096000" cy="3429000"/>
+          </a:xfrm>
+          <a:custGeom>
+            <a:avLst/>
+            <a:gdLst/>
+            <a:ahLst/>
+            <a:cxnLst/>
+            <a:rect l="l" t="t" r="r" b="b"/>
+            <a:pathLst>
+              <a:path w="120000" h="120000" extrusionOk="0">
+                <a:moveTo>
+                  <a:pt x="0" y="0"/>
+                </a:moveTo>
+                <a:lnTo>
+                  <a:pt x="120000" y="0"/>
+                </a:lnTo>
+                <a:lnTo>
+                  <a:pt x="120000" y="120000"/>
+                </a:lnTo>
+                <a:lnTo>
+                  <a:pt x="0" y="120000"/>
+                </a:lnTo>
+                <a:close/>
+              </a:path>
+            </a:pathLst>
+          </a:custGeom>
+        </p:spPr>
+      </p:sp>
+      <p:sp>
+        <p:nvSpPr>
+          <p:cNvPr id="67" name="Google Shape;67;g144efab17e8_0_180:notes"/>
+          <p:cNvSpPr txBox="1">
+            <a:spLocks noGrp="1"/>
+          </p:cNvSpPr>
+          <p:nvPr>
+            <p:ph type="body" idx="1"/>
+          </p:nvPr>
+        </p:nvSpPr>
+        <p:spPr>
+          <a:xfrm>
+            <a:off x="685800" y="4343400"/>
+            <a:ext cx="5486400" cy="4114800"/>
+          </a:xfrm>
+          <a:prstGeom prst="rect">
+            <a:avLst/>
+          </a:prstGeom>
+        </p:spPr>
+        <p:txBody>
+          <a:bodyPr spcFirstLastPara="1" wrap="square" lIns="91425" tIns="91425" rIns="91425" bIns="91425" anchor="t" anchorCtr="0">
+            <a:noAutofit/>
+          </a:bodyPr>
+          <a:lstStyle/>
+          <a:p>
+            <a:pPr marL="0" lvl="0" indent="0" algn="l" rtl="0">
+              <a:spcBef>
+                <a:spcPts val="0"/>
+              </a:spcBef>
+              <a:spcAft>
+                <a:spcPts val="0"/>
+              </a:spcAft>
+              <a:buNone/>
+            </a:pPr>
+            <a:endParaRPr/>
+          </a:p>
+        </p:txBody>
+      </p:sp>
+    </p:spTree>
+    <p:extLst>
+      <p:ext uri="{BB962C8B-B14F-4D97-AF65-F5344CB8AC3E}">
+        <p14:creationId xmlns:p14="http://schemas.microsoft.com/office/powerpoint/2010/main" val="965991481"/>
+      </p:ext>
+    </p:extLst>
+  </p:cSld>
+  <p:clrMapOvr>
+    <a:masterClrMapping/>
+  </p:clrMapOvr>
+</p:notes>
+</file>
+
+<file path=ppt/notesSlides/notesSlide16.xml><?xml version="1.0" encoding="utf-8"?>
+<p:notes xmlns:a="http://schemas.openxmlformats.org/drawingml/2006/main" xmlns:r="http://schemas.openxmlformats.org/officeDocument/2006/relationships" xmlns:p="http://schemas.openxmlformats.org/presentationml/2006/main" showMasterSp="0" showMasterPhAnim="0">
+  <p:cSld>
+    <p:spTree>
+      <p:nvGrpSpPr>
+        <p:cNvPr id="1" name="Shape 77"/>
+        <p:cNvGrpSpPr/>
+        <p:nvPr/>
+      </p:nvGrpSpPr>
+      <p:grpSpPr>
+        <a:xfrm>
+          <a:off x="0" y="0"/>
+          <a:ext cx="0" cy="0"/>
+          <a:chOff x="0" y="0"/>
+          <a:chExt cx="0" cy="0"/>
+        </a:xfrm>
+      </p:grpSpPr>
+      <p:sp>
+        <p:nvSpPr>
+          <p:cNvPr id="78" name="Google Shape;78;g144efab17e8_0_192:notes"/>
+          <p:cNvSpPr>
+            <a:spLocks noGrp="1" noRot="1" noChangeAspect="1"/>
+          </p:cNvSpPr>
+          <p:nvPr>
+            <p:ph type="sldImg" idx="2"/>
+          </p:nvPr>
+        </p:nvSpPr>
+        <p:spPr>
+          <a:xfrm>
+            <a:off x="381000" y="685800"/>
+            <a:ext cx="6096000" cy="3429000"/>
+          </a:xfrm>
+          <a:custGeom>
+            <a:avLst/>
+            <a:gdLst/>
+            <a:ahLst/>
+            <a:cxnLst/>
+            <a:rect l="l" t="t" r="r" b="b"/>
+            <a:pathLst>
+              <a:path w="120000" h="120000" extrusionOk="0">
+                <a:moveTo>
+                  <a:pt x="0" y="0"/>
+                </a:moveTo>
+                <a:lnTo>
+                  <a:pt x="120000" y="0"/>
+                </a:lnTo>
+                <a:lnTo>
+                  <a:pt x="120000" y="120000"/>
+                </a:lnTo>
+                <a:lnTo>
+                  <a:pt x="0" y="120000"/>
+                </a:lnTo>
+                <a:close/>
+              </a:path>
+            </a:pathLst>
+          </a:custGeom>
+        </p:spPr>
+      </p:sp>
+      <p:sp>
+        <p:nvSpPr>
+          <p:cNvPr id="79" name="Google Shape;79;g144efab17e8_0_192:notes"/>
+          <p:cNvSpPr txBox="1">
+            <a:spLocks noGrp="1"/>
+          </p:cNvSpPr>
+          <p:nvPr>
+            <p:ph type="body" idx="1"/>
+          </p:nvPr>
+        </p:nvSpPr>
+        <p:spPr>
+          <a:xfrm>
+            <a:off x="685800" y="4343400"/>
+            <a:ext cx="5486400" cy="4114800"/>
+          </a:xfrm>
+          <a:prstGeom prst="rect">
+            <a:avLst/>
+          </a:prstGeom>
+        </p:spPr>
+        <p:txBody>
+          <a:bodyPr spcFirstLastPara="1" wrap="square" lIns="91425" tIns="91425" rIns="91425" bIns="91425" anchor="t" anchorCtr="0">
+            <a:noAutofit/>
+          </a:bodyPr>
+          <a:lstStyle/>
+          <a:p>
+            <a:pPr marL="0" lvl="0" indent="0" algn="l" rtl="0">
+              <a:spcBef>
+                <a:spcPts val="0"/>
+              </a:spcBef>
+              <a:spcAft>
+                <a:spcPts val="0"/>
+              </a:spcAft>
+              <a:buNone/>
+            </a:pPr>
+            <a:endParaRPr/>
+          </a:p>
+        </p:txBody>
+      </p:sp>
+    </p:spTree>
+    <p:extLst>
+      <p:ext uri="{BB962C8B-B14F-4D97-AF65-F5344CB8AC3E}">
+        <p14:creationId xmlns:p14="http://schemas.microsoft.com/office/powerpoint/2010/main" val="4198570790"/>
+      </p:ext>
+    </p:extLst>
+  </p:cSld>
+  <p:clrMapOvr>
+    <a:masterClrMapping/>
+  </p:clrMapOvr>
+</p:notes>
+</file>
+
+<file path=ppt/notesSlides/notesSlide17.xml><?xml version="1.0" encoding="utf-8"?>
+<p:notes xmlns:a="http://schemas.openxmlformats.org/drawingml/2006/main" xmlns:r="http://schemas.openxmlformats.org/officeDocument/2006/relationships" xmlns:p="http://schemas.openxmlformats.org/presentationml/2006/main" showMasterSp="0" showMasterPhAnim="0">
+  <p:cSld>
+    <p:spTree>
+      <p:nvGrpSpPr>
+        <p:cNvPr id="1" name="Shape 65"/>
+        <p:cNvGrpSpPr/>
+        <p:nvPr/>
+      </p:nvGrpSpPr>
+      <p:grpSpPr>
+        <a:xfrm>
+          <a:off x="0" y="0"/>
+          <a:ext cx="0" cy="0"/>
+          <a:chOff x="0" y="0"/>
+          <a:chExt cx="0" cy="0"/>
+        </a:xfrm>
+      </p:grpSpPr>
+      <p:sp>
+        <p:nvSpPr>
+          <p:cNvPr id="66" name="Google Shape;66;g144efab17e8_0_180:notes"/>
+          <p:cNvSpPr>
+            <a:spLocks noGrp="1" noRot="1" noChangeAspect="1"/>
+          </p:cNvSpPr>
+          <p:nvPr>
+            <p:ph type="sldImg" idx="2"/>
+          </p:nvPr>
+        </p:nvSpPr>
+        <p:spPr>
+          <a:xfrm>
+            <a:off x="381000" y="685800"/>
+            <a:ext cx="6096000" cy="3429000"/>
+          </a:xfrm>
+          <a:custGeom>
+            <a:avLst/>
+            <a:gdLst/>
+            <a:ahLst/>
+            <a:cxnLst/>
+            <a:rect l="l" t="t" r="r" b="b"/>
+            <a:pathLst>
+              <a:path w="120000" h="120000" extrusionOk="0">
+                <a:moveTo>
+                  <a:pt x="0" y="0"/>
+                </a:moveTo>
+                <a:lnTo>
+                  <a:pt x="120000" y="0"/>
+                </a:lnTo>
+                <a:lnTo>
+                  <a:pt x="120000" y="120000"/>
+                </a:lnTo>
+                <a:lnTo>
+                  <a:pt x="0" y="120000"/>
+                </a:lnTo>
+                <a:close/>
+              </a:path>
+            </a:pathLst>
+          </a:custGeom>
+        </p:spPr>
+      </p:sp>
+      <p:sp>
+        <p:nvSpPr>
+          <p:cNvPr id="67" name="Google Shape;67;g144efab17e8_0_180:notes"/>
+          <p:cNvSpPr txBox="1">
+            <a:spLocks noGrp="1"/>
+          </p:cNvSpPr>
+          <p:nvPr>
+            <p:ph type="body" idx="1"/>
+          </p:nvPr>
+        </p:nvSpPr>
+        <p:spPr>
+          <a:xfrm>
+            <a:off x="685800" y="4343400"/>
+            <a:ext cx="5486400" cy="4114800"/>
+          </a:xfrm>
+          <a:prstGeom prst="rect">
+            <a:avLst/>
+          </a:prstGeom>
+        </p:spPr>
+        <p:txBody>
+          <a:bodyPr spcFirstLastPara="1" wrap="square" lIns="91425" tIns="91425" rIns="91425" bIns="91425" anchor="t" anchorCtr="0">
+            <a:noAutofit/>
+          </a:bodyPr>
+          <a:lstStyle/>
+          <a:p>
+            <a:pPr marL="0" lvl="0" indent="0" algn="l" rtl="0">
+              <a:spcBef>
+                <a:spcPts val="0"/>
+              </a:spcBef>
+              <a:spcAft>
+                <a:spcPts val="0"/>
+              </a:spcAft>
+              <a:buNone/>
+            </a:pPr>
+            <a:endParaRPr/>
+          </a:p>
+        </p:txBody>
+      </p:sp>
+    </p:spTree>
+    <p:extLst>
+      <p:ext uri="{BB962C8B-B14F-4D97-AF65-F5344CB8AC3E}">
+        <p14:creationId xmlns:p14="http://schemas.microsoft.com/office/powerpoint/2010/main" val="1931716166"/>
+      </p:ext>
+    </p:extLst>
+  </p:cSld>
+  <p:clrMapOvr>
+    <a:masterClrMapping/>
+  </p:clrMapOvr>
+</p:notes>
+</file>
+
+<file path=ppt/notesSlides/notesSlide18.xml><?xml version="1.0" encoding="utf-8"?>
+<p:notes xmlns:a="http://schemas.openxmlformats.org/drawingml/2006/main" xmlns:r="http://schemas.openxmlformats.org/officeDocument/2006/relationships" xmlns:p="http://schemas.openxmlformats.org/presentationml/2006/main" showMasterSp="0" showMasterPhAnim="0">
+  <p:cSld>
+    <p:spTree>
+      <p:nvGrpSpPr>
+        <p:cNvPr id="1" name="Shape 103"/>
+        <p:cNvGrpSpPr/>
+        <p:nvPr/>
+      </p:nvGrpSpPr>
+      <p:grpSpPr>
+        <a:xfrm>
+          <a:off x="0" y="0"/>
+          <a:ext cx="0" cy="0"/>
+          <a:chOff x="0" y="0"/>
+          <a:chExt cx="0" cy="0"/>
+        </a:xfrm>
+      </p:grpSpPr>
+      <p:sp>
+        <p:nvSpPr>
+          <p:cNvPr id="104" name="Google Shape;104;g144efab17e8_0_198:notes"/>
+          <p:cNvSpPr>
+            <a:spLocks noGrp="1" noRot="1" noChangeAspect="1"/>
+          </p:cNvSpPr>
+          <p:nvPr>
+            <p:ph type="sldImg" idx="2"/>
+          </p:nvPr>
+        </p:nvSpPr>
+        <p:spPr>
+          <a:xfrm>
+            <a:off x="381000" y="685800"/>
+            <a:ext cx="6096000" cy="3429000"/>
+          </a:xfrm>
+          <a:custGeom>
+            <a:avLst/>
+            <a:gdLst/>
+            <a:ahLst/>
+            <a:cxnLst/>
+            <a:rect l="l" t="t" r="r" b="b"/>
+            <a:pathLst>
+              <a:path w="120000" h="120000" extrusionOk="0">
+                <a:moveTo>
+                  <a:pt x="0" y="0"/>
+                </a:moveTo>
+                <a:lnTo>
+                  <a:pt x="120000" y="0"/>
+                </a:lnTo>
+                <a:lnTo>
+                  <a:pt x="120000" y="120000"/>
+                </a:lnTo>
+                <a:lnTo>
+                  <a:pt x="0" y="120000"/>
+                </a:lnTo>
+                <a:close/>
+              </a:path>
+            </a:pathLst>
+          </a:custGeom>
+        </p:spPr>
+      </p:sp>
+      <p:sp>
+        <p:nvSpPr>
+          <p:cNvPr id="105" name="Google Shape;105;g144efab17e8_0_198:notes"/>
+          <p:cNvSpPr txBox="1">
+            <a:spLocks noGrp="1"/>
+          </p:cNvSpPr>
+          <p:nvPr>
+            <p:ph type="body" idx="1"/>
+          </p:nvPr>
+        </p:nvSpPr>
+        <p:spPr>
+          <a:xfrm>
+            <a:off x="685800" y="4343400"/>
+            <a:ext cx="5486400" cy="4114800"/>
+          </a:xfrm>
+          <a:prstGeom prst="rect">
+            <a:avLst/>
+          </a:prstGeom>
+        </p:spPr>
+        <p:txBody>
+          <a:bodyPr spcFirstLastPara="1" wrap="square" lIns="91425" tIns="91425" rIns="91425" bIns="91425" anchor="t" anchorCtr="0">
+            <a:noAutofit/>
+          </a:bodyPr>
+          <a:lstStyle/>
+          <a:p>
+            <a:pPr marL="0" lvl="0" indent="0" algn="l" rtl="0">
+              <a:spcBef>
+                <a:spcPts val="0"/>
+              </a:spcBef>
+              <a:spcAft>
+                <a:spcPts val="0"/>
+              </a:spcAft>
+              <a:buNone/>
+            </a:pPr>
+            <a:endParaRPr/>
+          </a:p>
+        </p:txBody>
+      </p:sp>
+    </p:spTree>
+    <p:extLst>
+      <p:ext uri="{BB962C8B-B14F-4D97-AF65-F5344CB8AC3E}">
+        <p14:creationId xmlns:p14="http://schemas.microsoft.com/office/powerpoint/2010/main" val="59453422"/>
+      </p:ext>
+    </p:extLst>
+  </p:cSld>
+  <p:clrMapOvr>
+    <a:masterClrMapping/>
+  </p:clrMapOvr>
+</p:notes>
+</file>
+
+<file path=ppt/notesSlides/notesSlide19.xml><?xml version="1.0" encoding="utf-8"?>
+<p:notes xmlns:a="http://schemas.openxmlformats.org/drawingml/2006/main" xmlns:r="http://schemas.openxmlformats.org/officeDocument/2006/relationships" xmlns:p="http://schemas.openxmlformats.org/presentationml/2006/main" showMasterSp="0" showMasterPhAnim="0">
+  <p:cSld>
+    <p:spTree>
+      <p:nvGrpSpPr>
+        <p:cNvPr id="1" name="Shape 77"/>
+        <p:cNvGrpSpPr/>
+        <p:nvPr/>
+      </p:nvGrpSpPr>
+      <p:grpSpPr>
+        <a:xfrm>
+          <a:off x="0" y="0"/>
+          <a:ext cx="0" cy="0"/>
+          <a:chOff x="0" y="0"/>
+          <a:chExt cx="0" cy="0"/>
+        </a:xfrm>
+      </p:grpSpPr>
+      <p:sp>
+        <p:nvSpPr>
+          <p:cNvPr id="78" name="Google Shape;78;g144efab17e8_0_192:notes"/>
+          <p:cNvSpPr>
+            <a:spLocks noGrp="1" noRot="1" noChangeAspect="1"/>
+          </p:cNvSpPr>
+          <p:nvPr>
+            <p:ph type="sldImg" idx="2"/>
+          </p:nvPr>
+        </p:nvSpPr>
+        <p:spPr>
+          <a:xfrm>
+            <a:off x="381000" y="685800"/>
+            <a:ext cx="6096000" cy="3429000"/>
+          </a:xfrm>
+          <a:custGeom>
+            <a:avLst/>
+            <a:gdLst/>
+            <a:ahLst/>
+            <a:cxnLst/>
+            <a:rect l="l" t="t" r="r" b="b"/>
+            <a:pathLst>
+              <a:path w="120000" h="120000" extrusionOk="0">
+                <a:moveTo>
+                  <a:pt x="0" y="0"/>
+                </a:moveTo>
+                <a:lnTo>
+                  <a:pt x="120000" y="0"/>
+                </a:lnTo>
+                <a:lnTo>
+                  <a:pt x="120000" y="120000"/>
+                </a:lnTo>
+                <a:lnTo>
+                  <a:pt x="0" y="120000"/>
+                </a:lnTo>
+                <a:close/>
+              </a:path>
+            </a:pathLst>
+          </a:custGeom>
+        </p:spPr>
+      </p:sp>
+      <p:sp>
+        <p:nvSpPr>
+          <p:cNvPr id="79" name="Google Shape;79;g144efab17e8_0_192:notes"/>
+          <p:cNvSpPr txBox="1">
+            <a:spLocks noGrp="1"/>
+          </p:cNvSpPr>
+          <p:nvPr>
+            <p:ph type="body" idx="1"/>
+          </p:nvPr>
+        </p:nvSpPr>
+        <p:spPr>
+          <a:xfrm>
+            <a:off x="685800" y="4343400"/>
+            <a:ext cx="5486400" cy="4114800"/>
+          </a:xfrm>
+          <a:prstGeom prst="rect">
+            <a:avLst/>
+          </a:prstGeom>
+        </p:spPr>
+        <p:txBody>
+          <a:bodyPr spcFirstLastPara="1" wrap="square" lIns="91425" tIns="91425" rIns="91425" bIns="91425" anchor="t" anchorCtr="0">
+            <a:noAutofit/>
+          </a:bodyPr>
+          <a:lstStyle/>
+          <a:p>
+            <a:pPr marL="0" lvl="0" indent="0" algn="l" rtl="0">
+              <a:spcBef>
+                <a:spcPts val="0"/>
+              </a:spcBef>
+              <a:spcAft>
+                <a:spcPts val="0"/>
+              </a:spcAft>
+              <a:buNone/>
+            </a:pPr>
+            <a:endParaRPr/>
+          </a:p>
+        </p:txBody>
+      </p:sp>
+    </p:spTree>
+    <p:extLst>
+      <p:ext uri="{BB962C8B-B14F-4D97-AF65-F5344CB8AC3E}">
+        <p14:creationId xmlns:p14="http://schemas.microsoft.com/office/powerpoint/2010/main" val="3773809032"/>
+      </p:ext>
+    </p:extLst>
+  </p:cSld>
+  <p:clrMapOvr>
+    <a:masterClrMapping/>
+  </p:clrMapOvr>
+</p:notes>
+</file>
+
 <file path=ppt/notesSlides/notesSlide2.xml><?xml version="1.0" encoding="utf-8"?>
 <p:notes xmlns:a="http://schemas.openxmlformats.org/drawingml/2006/main" xmlns:r="http://schemas.openxmlformats.org/officeDocument/2006/relationships" xmlns:p="http://schemas.openxmlformats.org/presentationml/2006/main" showMasterSp="0" showMasterPhAnim="0">
   <p:cSld>
@@ -1126,6 +2015,442 @@
         </p:txBody>
       </p:sp>
     </p:spTree>
+  </p:cSld>
+  <p:clrMapOvr>
+    <a:masterClrMapping/>
+  </p:clrMapOvr>
+</p:notes>
+</file>
+
+<file path=ppt/notesSlides/notesSlide20.xml><?xml version="1.0" encoding="utf-8"?>
+<p:notes xmlns:a="http://schemas.openxmlformats.org/drawingml/2006/main" xmlns:r="http://schemas.openxmlformats.org/officeDocument/2006/relationships" xmlns:p="http://schemas.openxmlformats.org/presentationml/2006/main" showMasterSp="0" showMasterPhAnim="0">
+  <p:cSld>
+    <p:spTree>
+      <p:nvGrpSpPr>
+        <p:cNvPr id="1" name="Shape 77"/>
+        <p:cNvGrpSpPr/>
+        <p:nvPr/>
+      </p:nvGrpSpPr>
+      <p:grpSpPr>
+        <a:xfrm>
+          <a:off x="0" y="0"/>
+          <a:ext cx="0" cy="0"/>
+          <a:chOff x="0" y="0"/>
+          <a:chExt cx="0" cy="0"/>
+        </a:xfrm>
+      </p:grpSpPr>
+      <p:sp>
+        <p:nvSpPr>
+          <p:cNvPr id="78" name="Google Shape;78;g144efab17e8_0_192:notes"/>
+          <p:cNvSpPr>
+            <a:spLocks noGrp="1" noRot="1" noChangeAspect="1"/>
+          </p:cNvSpPr>
+          <p:nvPr>
+            <p:ph type="sldImg" idx="2"/>
+          </p:nvPr>
+        </p:nvSpPr>
+        <p:spPr>
+          <a:xfrm>
+            <a:off x="381000" y="685800"/>
+            <a:ext cx="6096000" cy="3429000"/>
+          </a:xfrm>
+          <a:custGeom>
+            <a:avLst/>
+            <a:gdLst/>
+            <a:ahLst/>
+            <a:cxnLst/>
+            <a:rect l="l" t="t" r="r" b="b"/>
+            <a:pathLst>
+              <a:path w="120000" h="120000" extrusionOk="0">
+                <a:moveTo>
+                  <a:pt x="0" y="0"/>
+                </a:moveTo>
+                <a:lnTo>
+                  <a:pt x="120000" y="0"/>
+                </a:lnTo>
+                <a:lnTo>
+                  <a:pt x="120000" y="120000"/>
+                </a:lnTo>
+                <a:lnTo>
+                  <a:pt x="0" y="120000"/>
+                </a:lnTo>
+                <a:close/>
+              </a:path>
+            </a:pathLst>
+          </a:custGeom>
+        </p:spPr>
+      </p:sp>
+      <p:sp>
+        <p:nvSpPr>
+          <p:cNvPr id="79" name="Google Shape;79;g144efab17e8_0_192:notes"/>
+          <p:cNvSpPr txBox="1">
+            <a:spLocks noGrp="1"/>
+          </p:cNvSpPr>
+          <p:nvPr>
+            <p:ph type="body" idx="1"/>
+          </p:nvPr>
+        </p:nvSpPr>
+        <p:spPr>
+          <a:xfrm>
+            <a:off x="685800" y="4343400"/>
+            <a:ext cx="5486400" cy="4114800"/>
+          </a:xfrm>
+          <a:prstGeom prst="rect">
+            <a:avLst/>
+          </a:prstGeom>
+        </p:spPr>
+        <p:txBody>
+          <a:bodyPr spcFirstLastPara="1" wrap="square" lIns="91425" tIns="91425" rIns="91425" bIns="91425" anchor="t" anchorCtr="0">
+            <a:noAutofit/>
+          </a:bodyPr>
+          <a:lstStyle/>
+          <a:p>
+            <a:pPr marL="0" lvl="0" indent="0" algn="l" rtl="0">
+              <a:spcBef>
+                <a:spcPts val="0"/>
+              </a:spcBef>
+              <a:spcAft>
+                <a:spcPts val="0"/>
+              </a:spcAft>
+              <a:buNone/>
+            </a:pPr>
+            <a:endParaRPr/>
+          </a:p>
+        </p:txBody>
+      </p:sp>
+    </p:spTree>
+    <p:extLst>
+      <p:ext uri="{BB962C8B-B14F-4D97-AF65-F5344CB8AC3E}">
+        <p14:creationId xmlns:p14="http://schemas.microsoft.com/office/powerpoint/2010/main" val="1801839587"/>
+      </p:ext>
+    </p:extLst>
+  </p:cSld>
+  <p:clrMapOvr>
+    <a:masterClrMapping/>
+  </p:clrMapOvr>
+</p:notes>
+</file>
+
+<file path=ppt/notesSlides/notesSlide21.xml><?xml version="1.0" encoding="utf-8"?>
+<p:notes xmlns:a="http://schemas.openxmlformats.org/drawingml/2006/main" xmlns:r="http://schemas.openxmlformats.org/officeDocument/2006/relationships" xmlns:p="http://schemas.openxmlformats.org/presentationml/2006/main" showMasterSp="0" showMasterPhAnim="0">
+  <p:cSld>
+    <p:spTree>
+      <p:nvGrpSpPr>
+        <p:cNvPr id="1" name="Shape 65"/>
+        <p:cNvGrpSpPr/>
+        <p:nvPr/>
+      </p:nvGrpSpPr>
+      <p:grpSpPr>
+        <a:xfrm>
+          <a:off x="0" y="0"/>
+          <a:ext cx="0" cy="0"/>
+          <a:chOff x="0" y="0"/>
+          <a:chExt cx="0" cy="0"/>
+        </a:xfrm>
+      </p:grpSpPr>
+      <p:sp>
+        <p:nvSpPr>
+          <p:cNvPr id="66" name="Google Shape;66;g144efab17e8_0_180:notes"/>
+          <p:cNvSpPr>
+            <a:spLocks noGrp="1" noRot="1" noChangeAspect="1"/>
+          </p:cNvSpPr>
+          <p:nvPr>
+            <p:ph type="sldImg" idx="2"/>
+          </p:nvPr>
+        </p:nvSpPr>
+        <p:spPr>
+          <a:xfrm>
+            <a:off x="381000" y="685800"/>
+            <a:ext cx="6096000" cy="3429000"/>
+          </a:xfrm>
+          <a:custGeom>
+            <a:avLst/>
+            <a:gdLst/>
+            <a:ahLst/>
+            <a:cxnLst/>
+            <a:rect l="l" t="t" r="r" b="b"/>
+            <a:pathLst>
+              <a:path w="120000" h="120000" extrusionOk="0">
+                <a:moveTo>
+                  <a:pt x="0" y="0"/>
+                </a:moveTo>
+                <a:lnTo>
+                  <a:pt x="120000" y="0"/>
+                </a:lnTo>
+                <a:lnTo>
+                  <a:pt x="120000" y="120000"/>
+                </a:lnTo>
+                <a:lnTo>
+                  <a:pt x="0" y="120000"/>
+                </a:lnTo>
+                <a:close/>
+              </a:path>
+            </a:pathLst>
+          </a:custGeom>
+        </p:spPr>
+      </p:sp>
+      <p:sp>
+        <p:nvSpPr>
+          <p:cNvPr id="67" name="Google Shape;67;g144efab17e8_0_180:notes"/>
+          <p:cNvSpPr txBox="1">
+            <a:spLocks noGrp="1"/>
+          </p:cNvSpPr>
+          <p:nvPr>
+            <p:ph type="body" idx="1"/>
+          </p:nvPr>
+        </p:nvSpPr>
+        <p:spPr>
+          <a:xfrm>
+            <a:off x="685800" y="4343400"/>
+            <a:ext cx="5486400" cy="4114800"/>
+          </a:xfrm>
+          <a:prstGeom prst="rect">
+            <a:avLst/>
+          </a:prstGeom>
+        </p:spPr>
+        <p:txBody>
+          <a:bodyPr spcFirstLastPara="1" wrap="square" lIns="91425" tIns="91425" rIns="91425" bIns="91425" anchor="t" anchorCtr="0">
+            <a:noAutofit/>
+          </a:bodyPr>
+          <a:lstStyle/>
+          <a:p>
+            <a:pPr marL="0" lvl="0" indent="0" algn="l" rtl="0">
+              <a:spcBef>
+                <a:spcPts val="0"/>
+              </a:spcBef>
+              <a:spcAft>
+                <a:spcPts val="0"/>
+              </a:spcAft>
+              <a:buNone/>
+            </a:pPr>
+            <a:endParaRPr/>
+          </a:p>
+        </p:txBody>
+      </p:sp>
+    </p:spTree>
+    <p:extLst>
+      <p:ext uri="{BB962C8B-B14F-4D97-AF65-F5344CB8AC3E}">
+        <p14:creationId xmlns:p14="http://schemas.microsoft.com/office/powerpoint/2010/main" val="1543813793"/>
+      </p:ext>
+    </p:extLst>
+  </p:cSld>
+  <p:clrMapOvr>
+    <a:masterClrMapping/>
+  </p:clrMapOvr>
+</p:notes>
+</file>
+
+<file path=ppt/notesSlides/notesSlide22.xml><?xml version="1.0" encoding="utf-8"?>
+<p:notes xmlns:a="http://schemas.openxmlformats.org/drawingml/2006/main" xmlns:r="http://schemas.openxmlformats.org/officeDocument/2006/relationships" xmlns:p="http://schemas.openxmlformats.org/presentationml/2006/main" showMasterSp="0" showMasterPhAnim="0">
+  <p:cSld>
+    <p:spTree>
+      <p:nvGrpSpPr>
+        <p:cNvPr id="1" name="Shape 103"/>
+        <p:cNvGrpSpPr/>
+        <p:nvPr/>
+      </p:nvGrpSpPr>
+      <p:grpSpPr>
+        <a:xfrm>
+          <a:off x="0" y="0"/>
+          <a:ext cx="0" cy="0"/>
+          <a:chOff x="0" y="0"/>
+          <a:chExt cx="0" cy="0"/>
+        </a:xfrm>
+      </p:grpSpPr>
+      <p:sp>
+        <p:nvSpPr>
+          <p:cNvPr id="104" name="Google Shape;104;g144efab17e8_0_198:notes"/>
+          <p:cNvSpPr>
+            <a:spLocks noGrp="1" noRot="1" noChangeAspect="1"/>
+          </p:cNvSpPr>
+          <p:nvPr>
+            <p:ph type="sldImg" idx="2"/>
+          </p:nvPr>
+        </p:nvSpPr>
+        <p:spPr>
+          <a:xfrm>
+            <a:off x="381000" y="685800"/>
+            <a:ext cx="6096000" cy="3429000"/>
+          </a:xfrm>
+          <a:custGeom>
+            <a:avLst/>
+            <a:gdLst/>
+            <a:ahLst/>
+            <a:cxnLst/>
+            <a:rect l="l" t="t" r="r" b="b"/>
+            <a:pathLst>
+              <a:path w="120000" h="120000" extrusionOk="0">
+                <a:moveTo>
+                  <a:pt x="0" y="0"/>
+                </a:moveTo>
+                <a:lnTo>
+                  <a:pt x="120000" y="0"/>
+                </a:lnTo>
+                <a:lnTo>
+                  <a:pt x="120000" y="120000"/>
+                </a:lnTo>
+                <a:lnTo>
+                  <a:pt x="0" y="120000"/>
+                </a:lnTo>
+                <a:close/>
+              </a:path>
+            </a:pathLst>
+          </a:custGeom>
+        </p:spPr>
+      </p:sp>
+      <p:sp>
+        <p:nvSpPr>
+          <p:cNvPr id="105" name="Google Shape;105;g144efab17e8_0_198:notes"/>
+          <p:cNvSpPr txBox="1">
+            <a:spLocks noGrp="1"/>
+          </p:cNvSpPr>
+          <p:nvPr>
+            <p:ph type="body" idx="1"/>
+          </p:nvPr>
+        </p:nvSpPr>
+        <p:spPr>
+          <a:xfrm>
+            <a:off x="685800" y="4343400"/>
+            <a:ext cx="5486400" cy="4114800"/>
+          </a:xfrm>
+          <a:prstGeom prst="rect">
+            <a:avLst/>
+          </a:prstGeom>
+        </p:spPr>
+        <p:txBody>
+          <a:bodyPr spcFirstLastPara="1" wrap="square" lIns="91425" tIns="91425" rIns="91425" bIns="91425" anchor="t" anchorCtr="0">
+            <a:noAutofit/>
+          </a:bodyPr>
+          <a:lstStyle/>
+          <a:p>
+            <a:pPr marL="0" lvl="0" indent="0" algn="l" rtl="0">
+              <a:spcBef>
+                <a:spcPts val="0"/>
+              </a:spcBef>
+              <a:spcAft>
+                <a:spcPts val="0"/>
+              </a:spcAft>
+              <a:buNone/>
+            </a:pPr>
+            <a:endParaRPr/>
+          </a:p>
+        </p:txBody>
+      </p:sp>
+    </p:spTree>
+    <p:extLst>
+      <p:ext uri="{BB962C8B-B14F-4D97-AF65-F5344CB8AC3E}">
+        <p14:creationId xmlns:p14="http://schemas.microsoft.com/office/powerpoint/2010/main" val="918617358"/>
+      </p:ext>
+    </p:extLst>
+  </p:cSld>
+  <p:clrMapOvr>
+    <a:masterClrMapping/>
+  </p:clrMapOvr>
+</p:notes>
+</file>
+
+<file path=ppt/notesSlides/notesSlide23.xml><?xml version="1.0" encoding="utf-8"?>
+<p:notes xmlns:a="http://schemas.openxmlformats.org/drawingml/2006/main" xmlns:r="http://schemas.openxmlformats.org/officeDocument/2006/relationships" xmlns:p="http://schemas.openxmlformats.org/presentationml/2006/main" showMasterSp="0" showMasterPhAnim="0">
+  <p:cSld>
+    <p:spTree>
+      <p:nvGrpSpPr>
+        <p:cNvPr id="1" name="Shape 65"/>
+        <p:cNvGrpSpPr/>
+        <p:nvPr/>
+      </p:nvGrpSpPr>
+      <p:grpSpPr>
+        <a:xfrm>
+          <a:off x="0" y="0"/>
+          <a:ext cx="0" cy="0"/>
+          <a:chOff x="0" y="0"/>
+          <a:chExt cx="0" cy="0"/>
+        </a:xfrm>
+      </p:grpSpPr>
+      <p:sp>
+        <p:nvSpPr>
+          <p:cNvPr id="66" name="Google Shape;66;g144efab17e8_0_180:notes"/>
+          <p:cNvSpPr>
+            <a:spLocks noGrp="1" noRot="1" noChangeAspect="1"/>
+          </p:cNvSpPr>
+          <p:nvPr>
+            <p:ph type="sldImg" idx="2"/>
+          </p:nvPr>
+        </p:nvSpPr>
+        <p:spPr>
+          <a:xfrm>
+            <a:off x="381000" y="685800"/>
+            <a:ext cx="6096000" cy="3429000"/>
+          </a:xfrm>
+          <a:custGeom>
+            <a:avLst/>
+            <a:gdLst/>
+            <a:ahLst/>
+            <a:cxnLst/>
+            <a:rect l="l" t="t" r="r" b="b"/>
+            <a:pathLst>
+              <a:path w="120000" h="120000" extrusionOk="0">
+                <a:moveTo>
+                  <a:pt x="0" y="0"/>
+                </a:moveTo>
+                <a:lnTo>
+                  <a:pt x="120000" y="0"/>
+                </a:lnTo>
+                <a:lnTo>
+                  <a:pt x="120000" y="120000"/>
+                </a:lnTo>
+                <a:lnTo>
+                  <a:pt x="0" y="120000"/>
+                </a:lnTo>
+                <a:close/>
+              </a:path>
+            </a:pathLst>
+          </a:custGeom>
+        </p:spPr>
+      </p:sp>
+      <p:sp>
+        <p:nvSpPr>
+          <p:cNvPr id="67" name="Google Shape;67;g144efab17e8_0_180:notes"/>
+          <p:cNvSpPr txBox="1">
+            <a:spLocks noGrp="1"/>
+          </p:cNvSpPr>
+          <p:nvPr>
+            <p:ph type="body" idx="1"/>
+          </p:nvPr>
+        </p:nvSpPr>
+        <p:spPr>
+          <a:xfrm>
+            <a:off x="685800" y="4343400"/>
+            <a:ext cx="5486400" cy="4114800"/>
+          </a:xfrm>
+          <a:prstGeom prst="rect">
+            <a:avLst/>
+          </a:prstGeom>
+        </p:spPr>
+        <p:txBody>
+          <a:bodyPr spcFirstLastPara="1" wrap="square" lIns="91425" tIns="91425" rIns="91425" bIns="91425" anchor="t" anchorCtr="0">
+            <a:noAutofit/>
+          </a:bodyPr>
+          <a:lstStyle/>
+          <a:p>
+            <a:pPr marL="0" lvl="0" indent="0" algn="l" rtl="0">
+              <a:spcBef>
+                <a:spcPts val="0"/>
+              </a:spcBef>
+              <a:spcAft>
+                <a:spcPts val="0"/>
+              </a:spcAft>
+              <a:buNone/>
+            </a:pPr>
+            <a:endParaRPr/>
+          </a:p>
+        </p:txBody>
+      </p:sp>
+    </p:spTree>
+    <p:extLst>
+      <p:ext uri="{BB962C8B-B14F-4D97-AF65-F5344CB8AC3E}">
+        <p14:creationId xmlns:p14="http://schemas.microsoft.com/office/powerpoint/2010/main" val="64905438"/>
+      </p:ext>
+    </p:extLst>
   </p:cSld>
   <p:clrMapOvr>
     <a:masterClrMapping/>
@@ -6434,6 +7759,4334 @@
 </p:sld>
 </file>
 
+<file path=ppt/slides/slide12.xml><?xml version="1.0" encoding="utf-8"?>
+<p:sld xmlns:a="http://schemas.openxmlformats.org/drawingml/2006/main" xmlns:r="http://schemas.openxmlformats.org/officeDocument/2006/relationships" xmlns:p="http://schemas.openxmlformats.org/presentationml/2006/main">
+  <p:cSld>
+    <p:spTree>
+      <p:nvGrpSpPr>
+        <p:cNvPr id="1" name="Shape 68"/>
+        <p:cNvGrpSpPr/>
+        <p:nvPr/>
+      </p:nvGrpSpPr>
+      <p:grpSpPr>
+        <a:xfrm>
+          <a:off x="0" y="0"/>
+          <a:ext cx="0" cy="0"/>
+          <a:chOff x="0" y="0"/>
+          <a:chExt cx="0" cy="0"/>
+        </a:xfrm>
+      </p:grpSpPr>
+      <p:sp>
+        <p:nvSpPr>
+          <p:cNvPr id="70" name="Google Shape;70;p15"/>
+          <p:cNvSpPr txBox="1">
+            <a:spLocks noGrp="1"/>
+          </p:cNvSpPr>
+          <p:nvPr>
+            <p:ph type="body" idx="1"/>
+          </p:nvPr>
+        </p:nvSpPr>
+        <p:spPr>
+          <a:xfrm>
+            <a:off x="311700" y="1806050"/>
+            <a:ext cx="3999900" cy="2762700"/>
+          </a:xfrm>
+          <a:prstGeom prst="rect">
+            <a:avLst/>
+          </a:prstGeom>
+        </p:spPr>
+        <p:txBody>
+          <a:bodyPr spcFirstLastPara="1" wrap="square" lIns="91425" tIns="91425" rIns="91425" bIns="91425" anchor="t" anchorCtr="0">
+            <a:normAutofit fontScale="85000" lnSpcReduction="20000"/>
+          </a:bodyPr>
+          <a:lstStyle/>
+          <a:p>
+            <a:pPr marL="285750" indent="-285750">
+              <a:spcAft>
+                <a:spcPts val="1200"/>
+              </a:spcAft>
+            </a:pPr>
+            <a:r>
+              <a:rPr lang="es-ES" dirty="0"/>
+              <a:t>Paradigma programación orientada a objetos</a:t>
+            </a:r>
+          </a:p>
+          <a:p>
+            <a:pPr marL="285750" indent="-285750">
+              <a:spcAft>
+                <a:spcPts val="1200"/>
+              </a:spcAft>
+            </a:pPr>
+            <a:r>
+              <a:rPr lang="es-ES" dirty="0"/>
+              <a:t>Clase motor en JavaScript:</a:t>
+            </a:r>
+          </a:p>
+          <a:p>
+            <a:pPr marL="0" indent="0">
+              <a:buNone/>
+            </a:pPr>
+            <a:r>
+              <a:rPr lang="es-ES" i="1" dirty="0" err="1"/>
+              <a:t>function</a:t>
+            </a:r>
+            <a:r>
+              <a:rPr lang="es-ES" i="1" dirty="0"/>
+              <a:t> motor(potencia, </a:t>
+            </a:r>
+            <a:r>
+              <a:rPr lang="es-ES" i="1" dirty="0" err="1"/>
+              <a:t>valvulas</a:t>
+            </a:r>
+            <a:r>
+              <a:rPr lang="es-ES" i="1" dirty="0"/>
+              <a:t>) {</a:t>
+            </a:r>
+          </a:p>
+          <a:p>
+            <a:pPr marL="0" indent="0">
+              <a:buNone/>
+            </a:pPr>
+            <a:r>
+              <a:rPr lang="es-ES" i="1" dirty="0"/>
+              <a:t>    </a:t>
+            </a:r>
+            <a:r>
+              <a:rPr lang="es-ES" i="1" dirty="0" err="1"/>
+              <a:t>this.potencia</a:t>
+            </a:r>
+            <a:r>
+              <a:rPr lang="es-ES" i="1" dirty="0"/>
+              <a:t> = potencia;</a:t>
+            </a:r>
+          </a:p>
+          <a:p>
+            <a:pPr marL="0" indent="0">
+              <a:buNone/>
+            </a:pPr>
+            <a:r>
+              <a:rPr lang="es-ES" i="1" dirty="0"/>
+              <a:t>    </a:t>
+            </a:r>
+            <a:r>
+              <a:rPr lang="es-ES" i="1" dirty="0" err="1"/>
+              <a:t>this.valvulas</a:t>
+            </a:r>
+            <a:r>
+              <a:rPr lang="es-ES" i="1" dirty="0"/>
+              <a:t> = </a:t>
+            </a:r>
+            <a:r>
+              <a:rPr lang="es-ES" i="1" dirty="0" err="1"/>
+              <a:t>valvulas</a:t>
+            </a:r>
+            <a:r>
+              <a:rPr lang="es-ES" i="1" dirty="0"/>
+              <a:t>;</a:t>
+            </a:r>
+          </a:p>
+          <a:p>
+            <a:pPr marL="0" indent="0">
+              <a:buNone/>
+            </a:pPr>
+            <a:r>
+              <a:rPr lang="es-ES" i="1" dirty="0"/>
+              <a:t>    </a:t>
+            </a:r>
+            <a:r>
+              <a:rPr lang="es-ES" i="1" dirty="0" err="1"/>
+              <a:t>this.encendido</a:t>
+            </a:r>
+            <a:r>
+              <a:rPr lang="es-ES" i="1" dirty="0"/>
+              <a:t> = false;</a:t>
+            </a:r>
+          </a:p>
+          <a:p>
+            <a:pPr marL="0" indent="0">
+              <a:buNone/>
+            </a:pPr>
+            <a:r>
+              <a:rPr lang="es-ES" i="1" dirty="0"/>
+              <a:t>    </a:t>
+            </a:r>
+            <a:r>
+              <a:rPr lang="es-ES" i="1" dirty="0" err="1"/>
+              <a:t>this.encender</a:t>
+            </a:r>
+            <a:r>
+              <a:rPr lang="es-ES" i="1" dirty="0"/>
+              <a:t> = </a:t>
+            </a:r>
+            <a:r>
+              <a:rPr lang="es-ES" i="1" dirty="0" err="1"/>
+              <a:t>function</a:t>
+            </a:r>
+            <a:r>
+              <a:rPr lang="es-ES" i="1" dirty="0"/>
+              <a:t>() {</a:t>
+            </a:r>
+          </a:p>
+          <a:p>
+            <a:pPr marL="0" indent="0">
+              <a:buNone/>
+            </a:pPr>
+            <a:r>
+              <a:rPr lang="es-ES" i="1" dirty="0"/>
+              <a:t>        </a:t>
+            </a:r>
+            <a:r>
+              <a:rPr lang="es-ES" i="1" dirty="0" err="1"/>
+              <a:t>this.encendido</a:t>
+            </a:r>
+            <a:r>
+              <a:rPr lang="es-ES" i="1" dirty="0"/>
+              <a:t> = true;</a:t>
+            </a:r>
+          </a:p>
+          <a:p>
+            <a:pPr marL="0" indent="0">
+              <a:buNone/>
+            </a:pPr>
+            <a:r>
+              <a:rPr lang="es-ES" i="1" dirty="0"/>
+              <a:t>    }</a:t>
+            </a:r>
+          </a:p>
+          <a:p>
+            <a:pPr marL="0" indent="0">
+              <a:buNone/>
+            </a:pPr>
+            <a:r>
+              <a:rPr lang="es-ES" i="1" dirty="0"/>
+              <a:t>    </a:t>
+            </a:r>
+            <a:r>
+              <a:rPr lang="es-ES" i="1" dirty="0" err="1"/>
+              <a:t>this.apagar</a:t>
+            </a:r>
+            <a:r>
+              <a:rPr lang="es-ES" i="1" dirty="0"/>
+              <a:t> = </a:t>
+            </a:r>
+            <a:r>
+              <a:rPr lang="es-ES" i="1" dirty="0" err="1"/>
+              <a:t>function</a:t>
+            </a:r>
+            <a:r>
+              <a:rPr lang="es-ES" i="1" dirty="0"/>
+              <a:t>() {</a:t>
+            </a:r>
+          </a:p>
+          <a:p>
+            <a:pPr marL="0" indent="0">
+              <a:buNone/>
+            </a:pPr>
+            <a:r>
+              <a:rPr lang="es-ES" i="1" dirty="0"/>
+              <a:t>        </a:t>
+            </a:r>
+            <a:r>
+              <a:rPr lang="es-ES" i="1" dirty="0" err="1"/>
+              <a:t>this.encendido</a:t>
+            </a:r>
+            <a:r>
+              <a:rPr lang="es-ES" i="1" dirty="0"/>
+              <a:t> = false;</a:t>
+            </a:r>
+          </a:p>
+          <a:p>
+            <a:pPr marL="0" indent="0">
+              <a:buNone/>
+            </a:pPr>
+            <a:r>
+              <a:rPr lang="es-ES" i="1" dirty="0"/>
+              <a:t>    }</a:t>
+            </a:r>
+          </a:p>
+          <a:p>
+            <a:pPr marL="0" indent="0">
+              <a:buNone/>
+            </a:pPr>
+            <a:r>
+              <a:rPr lang="es-ES" i="1" dirty="0"/>
+              <a:t>}</a:t>
+            </a:r>
+            <a:endParaRPr lang="es" i="1" dirty="0"/>
+          </a:p>
+        </p:txBody>
+      </p:sp>
+      <p:sp>
+        <p:nvSpPr>
+          <p:cNvPr id="71" name="Google Shape;71;p15"/>
+          <p:cNvSpPr txBox="1">
+            <a:spLocks noGrp="1"/>
+          </p:cNvSpPr>
+          <p:nvPr>
+            <p:ph type="body" idx="2"/>
+          </p:nvPr>
+        </p:nvSpPr>
+        <p:spPr>
+          <a:xfrm>
+            <a:off x="4832400" y="1806175"/>
+            <a:ext cx="3999900" cy="2762700"/>
+          </a:xfrm>
+          <a:prstGeom prst="rect">
+            <a:avLst/>
+          </a:prstGeom>
+        </p:spPr>
+        <p:txBody>
+          <a:bodyPr spcFirstLastPara="1" wrap="square" lIns="91425" tIns="91425" rIns="91425" bIns="91425" anchor="t" anchorCtr="0">
+            <a:normAutofit/>
+          </a:bodyPr>
+          <a:lstStyle/>
+          <a:p>
+            <a:pPr marL="0" indent="0">
+              <a:buNone/>
+            </a:pPr>
+            <a:r>
+              <a:rPr lang="es-ES" i="1" dirty="0" err="1"/>
+              <a:t>let</a:t>
+            </a:r>
+            <a:r>
+              <a:rPr lang="es-ES" i="1" dirty="0"/>
+              <a:t> </a:t>
+            </a:r>
+            <a:r>
+              <a:rPr lang="es-ES" i="1" dirty="0" err="1"/>
+              <a:t>motorCuatroV</a:t>
+            </a:r>
+            <a:r>
+              <a:rPr lang="es-ES" i="1" dirty="0"/>
+              <a:t> = new motor(1500, 4);</a:t>
+            </a:r>
+          </a:p>
+          <a:p>
+            <a:pPr marL="0" indent="0">
+              <a:buNone/>
+            </a:pPr>
+            <a:r>
+              <a:rPr lang="es-ES" i="1" dirty="0" err="1"/>
+              <a:t>let</a:t>
+            </a:r>
+            <a:r>
+              <a:rPr lang="es-ES" i="1" dirty="0"/>
+              <a:t> </a:t>
+            </a:r>
+            <a:r>
+              <a:rPr lang="es-ES" i="1" dirty="0" err="1"/>
+              <a:t>motorSeisV</a:t>
+            </a:r>
+            <a:r>
+              <a:rPr lang="es-ES" i="1" dirty="0"/>
+              <a:t> = new motor(3000, 6);</a:t>
+            </a:r>
+          </a:p>
+          <a:p>
+            <a:pPr marL="0" indent="0">
+              <a:buNone/>
+            </a:pPr>
+            <a:endParaRPr lang="es-ES" i="1" dirty="0"/>
+          </a:p>
+          <a:p>
+            <a:pPr marL="0" indent="0">
+              <a:buNone/>
+            </a:pPr>
+            <a:r>
+              <a:rPr lang="es-ES" i="1" dirty="0" err="1"/>
+              <a:t>motorCuatroV.encender</a:t>
+            </a:r>
+            <a:r>
+              <a:rPr lang="es-ES" i="1" dirty="0"/>
+              <a:t>();</a:t>
+            </a:r>
+          </a:p>
+          <a:p>
+            <a:pPr marL="0" indent="0">
+              <a:buNone/>
+            </a:pPr>
+            <a:r>
+              <a:rPr lang="es-ES" i="1" dirty="0" err="1"/>
+              <a:t>motorSeisV.encender</a:t>
+            </a:r>
+            <a:r>
+              <a:rPr lang="es-ES" i="1" dirty="0"/>
+              <a:t>();</a:t>
+            </a:r>
+          </a:p>
+          <a:p>
+            <a:pPr marL="0" indent="0">
+              <a:buNone/>
+            </a:pPr>
+            <a:endParaRPr lang="es-ES" i="1" dirty="0"/>
+          </a:p>
+          <a:p>
+            <a:pPr marL="0" indent="0">
+              <a:buNone/>
+            </a:pPr>
+            <a:r>
+              <a:rPr lang="es-ES" i="1" dirty="0"/>
+              <a:t>//…</a:t>
+            </a:r>
+          </a:p>
+          <a:p>
+            <a:pPr marL="0" indent="0">
+              <a:buNone/>
+            </a:pPr>
+            <a:endParaRPr lang="es-ES" i="1" dirty="0"/>
+          </a:p>
+          <a:p>
+            <a:pPr marL="0" indent="0">
+              <a:buNone/>
+            </a:pPr>
+            <a:r>
+              <a:rPr lang="es-ES" i="1" dirty="0" err="1"/>
+              <a:t>motorCuatroV.apagar</a:t>
+            </a:r>
+            <a:r>
+              <a:rPr lang="es-ES" i="1" dirty="0"/>
+              <a:t>();</a:t>
+            </a:r>
+          </a:p>
+          <a:p>
+            <a:pPr marL="0" indent="0">
+              <a:buNone/>
+            </a:pPr>
+            <a:r>
+              <a:rPr lang="es-ES" i="1" dirty="0" err="1"/>
+              <a:t>motorSeisV.apagar</a:t>
+            </a:r>
+            <a:r>
+              <a:rPr lang="es-ES" i="1" dirty="0"/>
+              <a:t>();</a:t>
+            </a:r>
+          </a:p>
+          <a:p>
+            <a:pPr marL="0" lvl="0" indent="0" algn="l" rtl="0">
+              <a:spcBef>
+                <a:spcPts val="0"/>
+              </a:spcBef>
+              <a:spcAft>
+                <a:spcPts val="1200"/>
+              </a:spcAft>
+              <a:buNone/>
+            </a:pPr>
+            <a:endParaRPr lang="en-GB" i="1" dirty="0"/>
+          </a:p>
+          <a:p>
+            <a:pPr marL="0" lvl="0" indent="0" algn="l" rtl="0">
+              <a:spcBef>
+                <a:spcPts val="0"/>
+              </a:spcBef>
+              <a:spcAft>
+                <a:spcPts val="1200"/>
+              </a:spcAft>
+              <a:buNone/>
+            </a:pPr>
+            <a:endParaRPr dirty="0"/>
+          </a:p>
+        </p:txBody>
+      </p:sp>
+      <p:sp>
+        <p:nvSpPr>
+          <p:cNvPr id="5" name="Google Shape;82;p17">
+            <a:extLst>
+              <a:ext uri="{FF2B5EF4-FFF2-40B4-BE49-F238E27FC236}">
+                <a16:creationId xmlns:a16="http://schemas.microsoft.com/office/drawing/2014/main" id="{77626D82-BD96-9F95-8B8E-2CF303EE0FE9}"/>
+              </a:ext>
+            </a:extLst>
+          </p:cNvPr>
+          <p:cNvSpPr txBox="1">
+            <a:spLocks/>
+          </p:cNvSpPr>
+          <p:nvPr/>
+        </p:nvSpPr>
+        <p:spPr>
+          <a:xfrm>
+            <a:off x="410312" y="634483"/>
+            <a:ext cx="5944800" cy="720000"/>
+          </a:xfrm>
+          <a:prstGeom prst="rect">
+            <a:avLst/>
+          </a:prstGeom>
+          <a:noFill/>
+          <a:ln>
+            <a:noFill/>
+          </a:ln>
+        </p:spPr>
+        <p:txBody>
+          <a:bodyPr spcFirstLastPara="1" wrap="square" lIns="91425" tIns="91425" rIns="91425" bIns="91425" anchor="t" anchorCtr="0">
+            <a:normAutofit fontScale="97500"/>
+          </a:bodyPr>
+          <a:lstStyle>
+            <a:defPPr marR="0" lvl="0" algn="l" rtl="0">
+              <a:lnSpc>
+                <a:spcPct val="100000"/>
+              </a:lnSpc>
+              <a:spcBef>
+                <a:spcPts val="0"/>
+              </a:spcBef>
+              <a:spcAft>
+                <a:spcPts val="0"/>
+              </a:spcAft>
+            </a:defPPr>
+            <a:lvl1pPr marR="0" lvl="0" algn="l" rtl="0">
+              <a:lnSpc>
+                <a:spcPct val="100000"/>
+              </a:lnSpc>
+              <a:spcBef>
+                <a:spcPts val="0"/>
+              </a:spcBef>
+              <a:spcAft>
+                <a:spcPts val="0"/>
+              </a:spcAft>
+              <a:buClr>
+                <a:srgbClr val="2A60A9"/>
+              </a:buClr>
+              <a:buSzPts val="2800"/>
+              <a:buFont typeface="Readex Pro SemiBold"/>
+              <a:buNone/>
+              <a:defRPr sz="2800" b="0" i="0" u="none" strike="noStrike" cap="none">
+                <a:solidFill>
+                  <a:srgbClr val="2A60A9"/>
+                </a:solidFill>
+                <a:latin typeface="Readex Pro SemiBold"/>
+                <a:ea typeface="Readex Pro SemiBold"/>
+                <a:cs typeface="Readex Pro SemiBold"/>
+                <a:sym typeface="Readex Pro SemiBold"/>
+              </a:defRPr>
+            </a:lvl1pPr>
+            <a:lvl2pPr marR="0" lvl="1" algn="l" rtl="0">
+              <a:lnSpc>
+                <a:spcPct val="100000"/>
+              </a:lnSpc>
+              <a:spcBef>
+                <a:spcPts val="0"/>
+              </a:spcBef>
+              <a:spcAft>
+                <a:spcPts val="0"/>
+              </a:spcAft>
+              <a:buClr>
+                <a:schemeClr val="dk1"/>
+              </a:buClr>
+              <a:buSzPts val="2800"/>
+              <a:buFont typeface="Arial"/>
+              <a:buNone/>
+              <a:defRPr sz="2800" b="0" i="0" u="none" strike="noStrike" cap="none">
+                <a:solidFill>
+                  <a:schemeClr val="dk1"/>
+                </a:solidFill>
+                <a:latin typeface="Arial"/>
+                <a:ea typeface="Arial"/>
+                <a:cs typeface="Arial"/>
+                <a:sym typeface="Arial"/>
+              </a:defRPr>
+            </a:lvl2pPr>
+            <a:lvl3pPr marR="0" lvl="2" algn="l" rtl="0">
+              <a:lnSpc>
+                <a:spcPct val="100000"/>
+              </a:lnSpc>
+              <a:spcBef>
+                <a:spcPts val="0"/>
+              </a:spcBef>
+              <a:spcAft>
+                <a:spcPts val="0"/>
+              </a:spcAft>
+              <a:buClr>
+                <a:schemeClr val="dk1"/>
+              </a:buClr>
+              <a:buSzPts val="2800"/>
+              <a:buFont typeface="Arial"/>
+              <a:buNone/>
+              <a:defRPr sz="2800" b="0" i="0" u="none" strike="noStrike" cap="none">
+                <a:solidFill>
+                  <a:schemeClr val="dk1"/>
+                </a:solidFill>
+                <a:latin typeface="Arial"/>
+                <a:ea typeface="Arial"/>
+                <a:cs typeface="Arial"/>
+                <a:sym typeface="Arial"/>
+              </a:defRPr>
+            </a:lvl3pPr>
+            <a:lvl4pPr marR="0" lvl="3" algn="l" rtl="0">
+              <a:lnSpc>
+                <a:spcPct val="100000"/>
+              </a:lnSpc>
+              <a:spcBef>
+                <a:spcPts val="0"/>
+              </a:spcBef>
+              <a:spcAft>
+                <a:spcPts val="0"/>
+              </a:spcAft>
+              <a:buClr>
+                <a:schemeClr val="dk1"/>
+              </a:buClr>
+              <a:buSzPts val="2800"/>
+              <a:buFont typeface="Arial"/>
+              <a:buNone/>
+              <a:defRPr sz="2800" b="0" i="0" u="none" strike="noStrike" cap="none">
+                <a:solidFill>
+                  <a:schemeClr val="dk1"/>
+                </a:solidFill>
+                <a:latin typeface="Arial"/>
+                <a:ea typeface="Arial"/>
+                <a:cs typeface="Arial"/>
+                <a:sym typeface="Arial"/>
+              </a:defRPr>
+            </a:lvl4pPr>
+            <a:lvl5pPr marR="0" lvl="4" algn="l" rtl="0">
+              <a:lnSpc>
+                <a:spcPct val="100000"/>
+              </a:lnSpc>
+              <a:spcBef>
+                <a:spcPts val="0"/>
+              </a:spcBef>
+              <a:spcAft>
+                <a:spcPts val="0"/>
+              </a:spcAft>
+              <a:buClr>
+                <a:schemeClr val="dk1"/>
+              </a:buClr>
+              <a:buSzPts val="2800"/>
+              <a:buFont typeface="Arial"/>
+              <a:buNone/>
+              <a:defRPr sz="2800" b="0" i="0" u="none" strike="noStrike" cap="none">
+                <a:solidFill>
+                  <a:schemeClr val="dk1"/>
+                </a:solidFill>
+                <a:latin typeface="Arial"/>
+                <a:ea typeface="Arial"/>
+                <a:cs typeface="Arial"/>
+                <a:sym typeface="Arial"/>
+              </a:defRPr>
+            </a:lvl5pPr>
+            <a:lvl6pPr marR="0" lvl="5" algn="l" rtl="0">
+              <a:lnSpc>
+                <a:spcPct val="100000"/>
+              </a:lnSpc>
+              <a:spcBef>
+                <a:spcPts val="0"/>
+              </a:spcBef>
+              <a:spcAft>
+                <a:spcPts val="0"/>
+              </a:spcAft>
+              <a:buClr>
+                <a:schemeClr val="dk1"/>
+              </a:buClr>
+              <a:buSzPts val="2800"/>
+              <a:buFont typeface="Arial"/>
+              <a:buNone/>
+              <a:defRPr sz="2800" b="0" i="0" u="none" strike="noStrike" cap="none">
+                <a:solidFill>
+                  <a:schemeClr val="dk1"/>
+                </a:solidFill>
+                <a:latin typeface="Arial"/>
+                <a:ea typeface="Arial"/>
+                <a:cs typeface="Arial"/>
+                <a:sym typeface="Arial"/>
+              </a:defRPr>
+            </a:lvl6pPr>
+            <a:lvl7pPr marR="0" lvl="6" algn="l" rtl="0">
+              <a:lnSpc>
+                <a:spcPct val="100000"/>
+              </a:lnSpc>
+              <a:spcBef>
+                <a:spcPts val="0"/>
+              </a:spcBef>
+              <a:spcAft>
+                <a:spcPts val="0"/>
+              </a:spcAft>
+              <a:buClr>
+                <a:schemeClr val="dk1"/>
+              </a:buClr>
+              <a:buSzPts val="2800"/>
+              <a:buFont typeface="Arial"/>
+              <a:buNone/>
+              <a:defRPr sz="2800" b="0" i="0" u="none" strike="noStrike" cap="none">
+                <a:solidFill>
+                  <a:schemeClr val="dk1"/>
+                </a:solidFill>
+                <a:latin typeface="Arial"/>
+                <a:ea typeface="Arial"/>
+                <a:cs typeface="Arial"/>
+                <a:sym typeface="Arial"/>
+              </a:defRPr>
+            </a:lvl7pPr>
+            <a:lvl8pPr marR="0" lvl="7" algn="l" rtl="0">
+              <a:lnSpc>
+                <a:spcPct val="100000"/>
+              </a:lnSpc>
+              <a:spcBef>
+                <a:spcPts val="0"/>
+              </a:spcBef>
+              <a:spcAft>
+                <a:spcPts val="0"/>
+              </a:spcAft>
+              <a:buClr>
+                <a:schemeClr val="dk1"/>
+              </a:buClr>
+              <a:buSzPts val="2800"/>
+              <a:buFont typeface="Arial"/>
+              <a:buNone/>
+              <a:defRPr sz="2800" b="0" i="0" u="none" strike="noStrike" cap="none">
+                <a:solidFill>
+                  <a:schemeClr val="dk1"/>
+                </a:solidFill>
+                <a:latin typeface="Arial"/>
+                <a:ea typeface="Arial"/>
+                <a:cs typeface="Arial"/>
+                <a:sym typeface="Arial"/>
+              </a:defRPr>
+            </a:lvl8pPr>
+            <a:lvl9pPr marR="0" lvl="8" algn="l" rtl="0">
+              <a:lnSpc>
+                <a:spcPct val="100000"/>
+              </a:lnSpc>
+              <a:spcBef>
+                <a:spcPts val="0"/>
+              </a:spcBef>
+              <a:spcAft>
+                <a:spcPts val="0"/>
+              </a:spcAft>
+              <a:buClr>
+                <a:schemeClr val="dk1"/>
+              </a:buClr>
+              <a:buSzPts val="2800"/>
+              <a:buFont typeface="Arial"/>
+              <a:buNone/>
+              <a:defRPr sz="2800" b="0" i="0" u="none" strike="noStrike" cap="none">
+                <a:solidFill>
+                  <a:schemeClr val="dk1"/>
+                </a:solidFill>
+                <a:latin typeface="Arial"/>
+                <a:ea typeface="Arial"/>
+                <a:cs typeface="Arial"/>
+                <a:sym typeface="Arial"/>
+              </a:defRPr>
+            </a:lvl9pPr>
+          </a:lstStyle>
+          <a:p>
+            <a:pPr>
+              <a:buClr>
+                <a:schemeClr val="dk1"/>
+              </a:buClr>
+              <a:buSzPct val="39285"/>
+              <a:buFont typeface="Arial"/>
+              <a:buNone/>
+            </a:pPr>
+            <a:r>
+              <a:rPr lang="en-GB" dirty="0" err="1"/>
+              <a:t>Objetos</a:t>
+            </a:r>
+            <a:r>
+              <a:rPr lang="en-GB" dirty="0"/>
+              <a:t> y classes en JavaScript</a:t>
+            </a:r>
+          </a:p>
+          <a:p>
+            <a:pPr>
+              <a:buClr>
+                <a:schemeClr val="dk1"/>
+              </a:buClr>
+              <a:buSzPct val="39285"/>
+              <a:buFont typeface="Arial"/>
+              <a:buNone/>
+            </a:pPr>
+            <a:endParaRPr lang="en-GB" dirty="0"/>
+          </a:p>
+          <a:p>
+            <a:endParaRPr lang="en-GB" dirty="0"/>
+          </a:p>
+        </p:txBody>
+      </p:sp>
+    </p:spTree>
+    <p:extLst>
+      <p:ext uri="{BB962C8B-B14F-4D97-AF65-F5344CB8AC3E}">
+        <p14:creationId xmlns:p14="http://schemas.microsoft.com/office/powerpoint/2010/main" val="2711337964"/>
+      </p:ext>
+    </p:extLst>
+  </p:cSld>
+  <p:clrMapOvr>
+    <a:masterClrMapping/>
+  </p:clrMapOvr>
+</p:sld>
+</file>
+
+<file path=ppt/slides/slide13.xml><?xml version="1.0" encoding="utf-8"?>
+<p:sld xmlns:a="http://schemas.openxmlformats.org/drawingml/2006/main" xmlns:r="http://schemas.openxmlformats.org/officeDocument/2006/relationships" xmlns:p="http://schemas.openxmlformats.org/presentationml/2006/main">
+  <p:cSld>
+    <p:spTree>
+      <p:nvGrpSpPr>
+        <p:cNvPr id="1" name="Shape 80"/>
+        <p:cNvGrpSpPr/>
+        <p:nvPr/>
+      </p:nvGrpSpPr>
+      <p:grpSpPr>
+        <a:xfrm>
+          <a:off x="0" y="0"/>
+          <a:ext cx="0" cy="0"/>
+          <a:chOff x="0" y="0"/>
+          <a:chExt cx="0" cy="0"/>
+        </a:xfrm>
+      </p:grpSpPr>
+      <p:pic>
+        <p:nvPicPr>
+          <p:cNvPr id="81" name="Google Shape;81;p17"/>
+          <p:cNvPicPr preferRelativeResize="0">
+            <a:picLocks noGrp="1"/>
+          </p:cNvPicPr>
+          <p:nvPr>
+            <p:ph type="pic" idx="2"/>
+          </p:nvPr>
+        </p:nvPicPr>
+        <p:blipFill rotWithShape="1">
+          <a:blip r:embed="rId3">
+            <a:alphaModFix/>
+          </a:blip>
+          <a:srcRect l="34572" r="34569"/>
+          <a:stretch/>
+        </p:blipFill>
+        <p:spPr>
+          <a:xfrm>
+            <a:off x="6737750" y="-75550"/>
+            <a:ext cx="2450700" cy="5294699"/>
+          </a:xfrm>
+          <a:prstGeom prst="rect">
+            <a:avLst/>
+          </a:prstGeom>
+        </p:spPr>
+      </p:pic>
+      <p:sp>
+        <p:nvSpPr>
+          <p:cNvPr id="82" name="Google Shape;82;p17"/>
+          <p:cNvSpPr txBox="1">
+            <a:spLocks noGrp="1"/>
+          </p:cNvSpPr>
+          <p:nvPr>
+            <p:ph type="title"/>
+          </p:nvPr>
+        </p:nvSpPr>
+        <p:spPr>
+          <a:xfrm>
+            <a:off x="484095" y="208429"/>
+            <a:ext cx="5997388" cy="720000"/>
+          </a:xfrm>
+          <a:prstGeom prst="rect">
+            <a:avLst/>
+          </a:prstGeom>
+        </p:spPr>
+        <p:txBody>
+          <a:bodyPr spcFirstLastPara="1" wrap="square" lIns="91425" tIns="91425" rIns="91425" bIns="91425" anchor="t" anchorCtr="0">
+            <a:normAutofit/>
+          </a:bodyPr>
+          <a:lstStyle/>
+          <a:p>
+            <a:pPr marL="0" lvl="0" indent="0" algn="l" rtl="0">
+              <a:spcBef>
+                <a:spcPts val="0"/>
+              </a:spcBef>
+              <a:spcAft>
+                <a:spcPts val="0"/>
+              </a:spcAft>
+              <a:buClr>
+                <a:schemeClr val="dk1"/>
+              </a:buClr>
+              <a:buSzPct val="39285"/>
+              <a:buFont typeface="Arial"/>
+              <a:buNone/>
+            </a:pPr>
+            <a:r>
+              <a:rPr lang="en-GB" dirty="0" err="1"/>
+              <a:t>Objetos</a:t>
+            </a:r>
+            <a:r>
+              <a:rPr lang="en-GB" dirty="0"/>
+              <a:t> y </a:t>
+            </a:r>
+            <a:r>
+              <a:rPr lang="en-GB" dirty="0" err="1"/>
+              <a:t>clases</a:t>
+            </a:r>
+            <a:r>
+              <a:rPr lang="en-GB" dirty="0"/>
+              <a:t> - This</a:t>
+            </a:r>
+            <a:endParaRPr dirty="0"/>
+          </a:p>
+          <a:p>
+            <a:pPr marL="0" lvl="0" indent="0" algn="l" rtl="0">
+              <a:spcBef>
+                <a:spcPts val="0"/>
+              </a:spcBef>
+              <a:spcAft>
+                <a:spcPts val="0"/>
+              </a:spcAft>
+              <a:buClr>
+                <a:schemeClr val="dk1"/>
+              </a:buClr>
+              <a:buSzPct val="39285"/>
+              <a:buFont typeface="Arial"/>
+              <a:buNone/>
+            </a:pPr>
+            <a:endParaRPr dirty="0"/>
+          </a:p>
+          <a:p>
+            <a:pPr marL="0" lvl="0" indent="0" algn="l" rtl="0">
+              <a:spcBef>
+                <a:spcPts val="0"/>
+              </a:spcBef>
+              <a:spcAft>
+                <a:spcPts val="0"/>
+              </a:spcAft>
+              <a:buNone/>
+            </a:pPr>
+            <a:endParaRPr dirty="0"/>
+          </a:p>
+        </p:txBody>
+      </p:sp>
+      <p:sp>
+        <p:nvSpPr>
+          <p:cNvPr id="83" name="Google Shape;83;p17"/>
+          <p:cNvSpPr txBox="1">
+            <a:spLocks noGrp="1"/>
+          </p:cNvSpPr>
+          <p:nvPr>
+            <p:ph type="body" idx="1"/>
+          </p:nvPr>
+        </p:nvSpPr>
+        <p:spPr>
+          <a:xfrm>
+            <a:off x="345317" y="928429"/>
+            <a:ext cx="5497429" cy="4006642"/>
+          </a:xfrm>
+          <a:prstGeom prst="rect">
+            <a:avLst/>
+          </a:prstGeom>
+        </p:spPr>
+        <p:txBody>
+          <a:bodyPr spcFirstLastPara="1" wrap="square" lIns="91425" tIns="91425" rIns="91425" bIns="91425" anchor="t" anchorCtr="0">
+            <a:normAutofit fontScale="92500" lnSpcReduction="20000"/>
+          </a:bodyPr>
+          <a:lstStyle/>
+          <a:p>
+            <a:pPr>
+              <a:buFontTx/>
+              <a:buChar char="-"/>
+            </a:pPr>
+            <a:r>
+              <a:rPr lang="es-ES" dirty="0"/>
+              <a:t>En JavaScript </a:t>
+            </a:r>
+            <a:r>
+              <a:rPr lang="es-ES" i="1" dirty="0" err="1"/>
+              <a:t>This</a:t>
+            </a:r>
+            <a:r>
+              <a:rPr lang="es-ES" dirty="0"/>
+              <a:t> se refiere al objeto al que pertenece</a:t>
+            </a:r>
+          </a:p>
+          <a:p>
+            <a:pPr lvl="1">
+              <a:buFontTx/>
+              <a:buChar char="-"/>
+            </a:pPr>
+            <a:r>
+              <a:rPr lang="en-GB" dirty="0"/>
+              <a:t>En un </a:t>
+            </a:r>
+            <a:r>
+              <a:rPr lang="en-GB" dirty="0" err="1"/>
+              <a:t>metodo</a:t>
+            </a:r>
+            <a:r>
+              <a:rPr lang="en-GB" dirty="0"/>
+              <a:t>, this ser </a:t>
+            </a:r>
+            <a:r>
+              <a:rPr lang="en-GB" dirty="0" err="1"/>
+              <a:t>refiere</a:t>
+            </a:r>
+            <a:r>
+              <a:rPr lang="en-GB" dirty="0"/>
+              <a:t> al </a:t>
+            </a:r>
+            <a:r>
+              <a:rPr lang="en-GB" dirty="0" err="1"/>
+              <a:t>objeto</a:t>
+            </a:r>
+            <a:r>
+              <a:rPr lang="en-GB" dirty="0"/>
+              <a:t> que lo </a:t>
+            </a:r>
+            <a:r>
+              <a:rPr lang="en-GB" dirty="0" err="1"/>
+              <a:t>contiene</a:t>
+            </a:r>
+            <a:endParaRPr lang="en-GB" dirty="0"/>
+          </a:p>
+          <a:p>
+            <a:pPr lvl="1">
+              <a:buFontTx/>
+              <a:buChar char="-"/>
+            </a:pPr>
+            <a:endParaRPr lang="en-GB" dirty="0"/>
+          </a:p>
+          <a:p>
+            <a:pPr marL="457200" lvl="1" indent="0">
+              <a:buNone/>
+            </a:pPr>
+            <a:r>
+              <a:rPr lang="en-GB" i="1" dirty="0"/>
+              <a:t>let </a:t>
+            </a:r>
+            <a:r>
+              <a:rPr lang="en-GB" i="1" dirty="0" err="1"/>
+              <a:t>obj</a:t>
+            </a:r>
+            <a:r>
+              <a:rPr lang="en-GB" i="1" dirty="0"/>
+              <a:t> = { </a:t>
+            </a:r>
+          </a:p>
+          <a:p>
+            <a:pPr marL="457200" lvl="1" indent="0">
+              <a:buNone/>
+            </a:pPr>
+            <a:r>
+              <a:rPr lang="en-GB" i="1" dirty="0"/>
+              <a:t>	param: “</a:t>
+            </a:r>
+            <a:r>
+              <a:rPr lang="en-GB" i="1" dirty="0" err="1"/>
+              <a:t>estoesunavariable</a:t>
+            </a:r>
+            <a:r>
+              <a:rPr lang="en-GB" i="1" dirty="0"/>
+              <a:t>”,</a:t>
+            </a:r>
+          </a:p>
+          <a:p>
+            <a:pPr marL="457200" lvl="1" indent="0">
+              <a:buNone/>
+            </a:pPr>
+            <a:r>
+              <a:rPr lang="en-GB" i="1" dirty="0"/>
+              <a:t>	</a:t>
+            </a:r>
+            <a:r>
+              <a:rPr lang="en-GB" i="1" dirty="0" err="1"/>
+              <a:t>doSomething</a:t>
+            </a:r>
+            <a:r>
+              <a:rPr lang="en-GB" i="1" dirty="0"/>
+              <a:t>: function() { </a:t>
+            </a:r>
+          </a:p>
+          <a:p>
+            <a:pPr marL="457200" lvl="1" indent="0">
+              <a:buNone/>
+            </a:pPr>
+            <a:r>
+              <a:rPr lang="en-GB" i="1" dirty="0"/>
+              <a:t>		</a:t>
+            </a:r>
+            <a:r>
+              <a:rPr lang="en-GB" i="1" dirty="0" err="1"/>
+              <a:t>this.param</a:t>
+            </a:r>
+            <a:r>
+              <a:rPr lang="en-GB" i="1" dirty="0"/>
+              <a:t> = “</a:t>
+            </a:r>
+            <a:r>
+              <a:rPr lang="en-GB" i="1" dirty="0" err="1"/>
+              <a:t>otro</a:t>
+            </a:r>
+            <a:r>
+              <a:rPr lang="en-GB" i="1" dirty="0"/>
+              <a:t> </a:t>
+            </a:r>
+            <a:r>
+              <a:rPr lang="en-GB" i="1" dirty="0" err="1"/>
+              <a:t>valor</a:t>
+            </a:r>
+            <a:r>
+              <a:rPr lang="en-GB" i="1" dirty="0"/>
+              <a:t>”;</a:t>
+            </a:r>
+          </a:p>
+          <a:p>
+            <a:pPr marL="457200" lvl="1" indent="0">
+              <a:buNone/>
+            </a:pPr>
+            <a:r>
+              <a:rPr lang="en-GB" i="1" dirty="0"/>
+              <a:t>	}</a:t>
+            </a:r>
+          </a:p>
+          <a:p>
+            <a:pPr marL="457200" lvl="1" indent="0">
+              <a:buNone/>
+            </a:pPr>
+            <a:r>
+              <a:rPr lang="en-GB" i="1" dirty="0"/>
+              <a:t>}</a:t>
+            </a:r>
+          </a:p>
+          <a:p>
+            <a:pPr marL="457200" lvl="1" indent="0">
+              <a:buNone/>
+            </a:pPr>
+            <a:endParaRPr lang="en-GB" i="1" dirty="0"/>
+          </a:p>
+          <a:p>
+            <a:pPr marL="457200" lvl="1" indent="0">
+              <a:buNone/>
+            </a:pPr>
+            <a:r>
+              <a:rPr lang="en-GB" i="1" dirty="0"/>
+              <a:t>-       </a:t>
+            </a:r>
+            <a:r>
+              <a:rPr lang="en-GB" dirty="0"/>
+              <a:t>En un </a:t>
+            </a:r>
+            <a:r>
+              <a:rPr lang="en-GB" dirty="0" err="1"/>
+              <a:t>evento</a:t>
+            </a:r>
+            <a:r>
+              <a:rPr lang="en-GB" dirty="0"/>
+              <a:t>, this se </a:t>
+            </a:r>
+            <a:r>
+              <a:rPr lang="en-GB" dirty="0" err="1"/>
+              <a:t>refiere</a:t>
+            </a:r>
+            <a:r>
+              <a:rPr lang="en-GB" dirty="0"/>
+              <a:t> al </a:t>
+            </a:r>
+            <a:r>
+              <a:rPr lang="en-GB" dirty="0" err="1"/>
+              <a:t>elemento</a:t>
+            </a:r>
+            <a:r>
+              <a:rPr lang="en-GB" dirty="0"/>
+              <a:t> que </a:t>
+            </a:r>
+            <a:r>
+              <a:rPr lang="en-GB" dirty="0" err="1"/>
+              <a:t>recibe</a:t>
+            </a:r>
+            <a:r>
+              <a:rPr lang="en-GB" dirty="0"/>
+              <a:t> </a:t>
+            </a:r>
+            <a:r>
+              <a:rPr lang="en-GB" dirty="0" err="1"/>
+              <a:t>el</a:t>
+            </a:r>
+            <a:r>
+              <a:rPr lang="en-GB" dirty="0"/>
+              <a:t> </a:t>
+            </a:r>
+            <a:r>
+              <a:rPr lang="en-GB" i="1" dirty="0" err="1"/>
+              <a:t>evento</a:t>
+            </a:r>
+            <a:endParaRPr lang="en-GB" i="1" dirty="0"/>
+          </a:p>
+          <a:p>
+            <a:pPr marL="457200" lvl="1" indent="0">
+              <a:buNone/>
+            </a:pPr>
+            <a:r>
+              <a:rPr lang="en-GB" i="1" dirty="0"/>
+              <a:t>&lt;button </a:t>
+            </a:r>
+            <a:r>
+              <a:rPr lang="en-GB" i="1" dirty="0" err="1"/>
+              <a:t>onClick</a:t>
+            </a:r>
+            <a:r>
+              <a:rPr lang="en-GB" i="1" dirty="0"/>
+              <a:t>=“function(e) {</a:t>
+            </a:r>
+          </a:p>
+          <a:p>
+            <a:pPr marL="457200" lvl="1" indent="0">
+              <a:buNone/>
+            </a:pPr>
+            <a:r>
+              <a:rPr lang="en-GB" i="1" dirty="0"/>
+              <a:t>		</a:t>
+            </a:r>
+            <a:r>
+              <a:rPr lang="en-GB" i="1" dirty="0" err="1"/>
+              <a:t>this.innerText</a:t>
+            </a:r>
+            <a:r>
+              <a:rPr lang="en-GB" i="1" dirty="0"/>
+              <a:t> = ‘</a:t>
+            </a:r>
+            <a:r>
+              <a:rPr lang="en-GB" i="1" dirty="0" err="1"/>
+              <a:t>pulsado</a:t>
+            </a:r>
+            <a:r>
+              <a:rPr lang="en-GB" i="1" dirty="0"/>
+              <a:t>’;</a:t>
+            </a:r>
+          </a:p>
+          <a:p>
+            <a:pPr marL="457200" lvl="1" indent="0">
+              <a:buNone/>
+            </a:pPr>
+            <a:r>
+              <a:rPr lang="en-GB" i="1" dirty="0"/>
+              <a:t>		</a:t>
+            </a:r>
+            <a:r>
+              <a:rPr lang="en-GB" i="1" dirty="0" err="1"/>
+              <a:t>this.state</a:t>
+            </a:r>
+            <a:r>
+              <a:rPr lang="en-GB" i="1" dirty="0"/>
+              <a:t> = false;</a:t>
+            </a:r>
+          </a:p>
+          <a:p>
+            <a:pPr marL="457200" lvl="1" indent="0">
+              <a:buNone/>
+            </a:pPr>
+            <a:r>
+              <a:rPr lang="en-GB" i="1" dirty="0"/>
+              <a:t>	}”</a:t>
+            </a:r>
+          </a:p>
+          <a:p>
+            <a:pPr marL="457200" lvl="1" indent="0">
+              <a:buNone/>
+            </a:pPr>
+            <a:r>
+              <a:rPr lang="en-GB" i="1" dirty="0"/>
+              <a:t>&lt;/button&gt;</a:t>
+            </a:r>
+          </a:p>
+          <a:p>
+            <a:pPr marL="457200" lvl="1" indent="0">
+              <a:buNone/>
+            </a:pPr>
+            <a:endParaRPr lang="en-GB" i="1" dirty="0"/>
+          </a:p>
+          <a:p>
+            <a:pPr marL="285750" indent="-285750">
+              <a:spcAft>
+                <a:spcPts val="1200"/>
+              </a:spcAft>
+            </a:pPr>
+            <a:endParaRPr lang="en-GB" dirty="0"/>
+          </a:p>
+          <a:p>
+            <a:pPr marL="0" lvl="0" indent="0" algn="l" rtl="0">
+              <a:spcBef>
+                <a:spcPts val="0"/>
+              </a:spcBef>
+              <a:spcAft>
+                <a:spcPts val="1200"/>
+              </a:spcAft>
+              <a:buNone/>
+            </a:pPr>
+            <a:endParaRPr dirty="0"/>
+          </a:p>
+        </p:txBody>
+      </p:sp>
+      <p:pic>
+        <p:nvPicPr>
+          <p:cNvPr id="84" name="Google Shape;84;p17"/>
+          <p:cNvPicPr preferRelativeResize="0"/>
+          <p:nvPr/>
+        </p:nvPicPr>
+        <p:blipFill>
+          <a:blip r:embed="rId4">
+            <a:alphaModFix/>
+          </a:blip>
+          <a:stretch>
+            <a:fillRect/>
+          </a:stretch>
+        </p:blipFill>
+        <p:spPr>
+          <a:xfrm>
+            <a:off x="7777826" y="399725"/>
+            <a:ext cx="1054474" cy="271899"/>
+          </a:xfrm>
+          <a:prstGeom prst="rect">
+            <a:avLst/>
+          </a:prstGeom>
+          <a:noFill/>
+          <a:ln>
+            <a:noFill/>
+          </a:ln>
+        </p:spPr>
+      </p:pic>
+    </p:spTree>
+    <p:extLst>
+      <p:ext uri="{BB962C8B-B14F-4D97-AF65-F5344CB8AC3E}">
+        <p14:creationId xmlns:p14="http://schemas.microsoft.com/office/powerpoint/2010/main" val="4039857482"/>
+      </p:ext>
+    </p:extLst>
+  </p:cSld>
+  <p:clrMapOvr>
+    <a:masterClrMapping/>
+  </p:clrMapOvr>
+</p:sld>
+</file>
+
+<file path=ppt/slides/slide14.xml><?xml version="1.0" encoding="utf-8"?>
+<p:sld xmlns:a="http://schemas.openxmlformats.org/drawingml/2006/main" xmlns:r="http://schemas.openxmlformats.org/officeDocument/2006/relationships" xmlns:p="http://schemas.openxmlformats.org/presentationml/2006/main">
+  <p:cSld>
+    <p:spTree>
+      <p:nvGrpSpPr>
+        <p:cNvPr id="1" name="Shape 106"/>
+        <p:cNvGrpSpPr/>
+        <p:nvPr/>
+      </p:nvGrpSpPr>
+      <p:grpSpPr>
+        <a:xfrm>
+          <a:off x="0" y="0"/>
+          <a:ext cx="0" cy="0"/>
+          <a:chOff x="0" y="0"/>
+          <a:chExt cx="0" cy="0"/>
+        </a:xfrm>
+      </p:grpSpPr>
+      <p:sp>
+        <p:nvSpPr>
+          <p:cNvPr id="107" name="Google Shape;107;p21"/>
+          <p:cNvSpPr txBox="1">
+            <a:spLocks noGrp="1"/>
+          </p:cNvSpPr>
+          <p:nvPr>
+            <p:ph type="title"/>
+          </p:nvPr>
+        </p:nvSpPr>
+        <p:spPr>
+          <a:xfrm>
+            <a:off x="311700" y="630000"/>
+            <a:ext cx="3204706" cy="720000"/>
+          </a:xfrm>
+          <a:prstGeom prst="rect">
+            <a:avLst/>
+          </a:prstGeom>
+        </p:spPr>
+        <p:txBody>
+          <a:bodyPr spcFirstLastPara="1" wrap="square" lIns="91425" tIns="91425" rIns="91425" bIns="91425" anchor="b" anchorCtr="0">
+            <a:normAutofit fontScale="90000"/>
+          </a:bodyPr>
+          <a:lstStyle/>
+          <a:p>
+            <a:pPr marL="0" lvl="0" indent="0" algn="l" rtl="0">
+              <a:spcBef>
+                <a:spcPts val="0"/>
+              </a:spcBef>
+              <a:spcAft>
+                <a:spcPts val="0"/>
+              </a:spcAft>
+              <a:buNone/>
+            </a:pPr>
+            <a:r>
+              <a:rPr lang="en-GB" dirty="0" err="1"/>
+              <a:t>Objetos</a:t>
+            </a:r>
+            <a:r>
+              <a:rPr lang="en-GB" dirty="0"/>
+              <a:t> y </a:t>
+            </a:r>
+            <a:r>
+              <a:rPr lang="en-GB" dirty="0" err="1"/>
+              <a:t>clases</a:t>
+            </a:r>
+            <a:r>
+              <a:rPr lang="en-GB" dirty="0"/>
+              <a:t> - </a:t>
+            </a:r>
+            <a:r>
+              <a:rPr lang="en-GB" dirty="0" err="1"/>
+              <a:t>Ejercicio</a:t>
+            </a:r>
+            <a:endParaRPr dirty="0"/>
+          </a:p>
+        </p:txBody>
+      </p:sp>
+      <p:sp>
+        <p:nvSpPr>
+          <p:cNvPr id="108" name="Google Shape;108;p21"/>
+          <p:cNvSpPr txBox="1">
+            <a:spLocks noGrp="1"/>
+          </p:cNvSpPr>
+          <p:nvPr>
+            <p:ph type="body" idx="1"/>
+          </p:nvPr>
+        </p:nvSpPr>
+        <p:spPr>
+          <a:xfrm>
+            <a:off x="311700" y="1350000"/>
+            <a:ext cx="3682076" cy="3219000"/>
+          </a:xfrm>
+          <a:prstGeom prst="rect">
+            <a:avLst/>
+          </a:prstGeom>
+        </p:spPr>
+        <p:txBody>
+          <a:bodyPr spcFirstLastPara="1" wrap="square" lIns="91425" tIns="91425" rIns="91425" bIns="91425" anchor="t" anchorCtr="0">
+            <a:normAutofit/>
+          </a:bodyPr>
+          <a:lstStyle/>
+          <a:p>
+            <a:pPr marL="171450" indent="-171450">
+              <a:spcAft>
+                <a:spcPts val="1200"/>
+              </a:spcAft>
+            </a:pPr>
+            <a:r>
+              <a:rPr lang="es-ES" dirty="0"/>
+              <a:t>Crear un script que defina un objeto llamado </a:t>
+            </a:r>
+            <a:r>
+              <a:rPr lang="es-ES" dirty="0" err="1"/>
+              <a:t>ProductoAlimenticio</a:t>
+            </a:r>
+            <a:r>
+              <a:rPr lang="es-ES" dirty="0"/>
+              <a:t>.</a:t>
+            </a:r>
+          </a:p>
+          <a:p>
+            <a:pPr marL="171450" indent="-171450">
+              <a:spcAft>
+                <a:spcPts val="1200"/>
+              </a:spcAft>
+            </a:pPr>
+            <a:r>
+              <a:rPr lang="es-ES" dirty="0"/>
+              <a:t>Este objeto debe presentar las propiedades código, nombre y precio, además del método </a:t>
+            </a:r>
+            <a:r>
+              <a:rPr lang="es-ES" dirty="0" err="1"/>
+              <a:t>imprimeDatos</a:t>
+            </a:r>
+            <a:r>
+              <a:rPr lang="es-ES" dirty="0"/>
+              <a:t>, el cual escribe por pantalla los valores de sus propiedades.</a:t>
+            </a:r>
+          </a:p>
+          <a:p>
+            <a:pPr marL="171450" indent="-171450">
+              <a:spcAft>
+                <a:spcPts val="1200"/>
+              </a:spcAft>
+            </a:pPr>
+            <a:r>
+              <a:rPr lang="es-ES" dirty="0"/>
+              <a:t>Posteriormente, cree tres instancias de este objeto y guárdelas en un array.</a:t>
+            </a:r>
+          </a:p>
+          <a:p>
+            <a:pPr marL="171450" indent="-171450">
+              <a:spcAft>
+                <a:spcPts val="1200"/>
+              </a:spcAft>
+            </a:pPr>
+            <a:r>
+              <a:rPr lang="es-ES" dirty="0"/>
+              <a:t>Posteriormente, utilice el método </a:t>
+            </a:r>
+            <a:r>
+              <a:rPr lang="es-ES" dirty="0" err="1"/>
+              <a:t>imprimeDatos</a:t>
+            </a:r>
+            <a:r>
+              <a:rPr lang="es-ES" dirty="0"/>
+              <a:t> para mostrar por pantalla los valores de los tres objetos instanciados.</a:t>
+            </a:r>
+          </a:p>
+        </p:txBody>
+      </p:sp>
+      <p:pic>
+        <p:nvPicPr>
+          <p:cNvPr id="109" name="Google Shape;109;p21"/>
+          <p:cNvPicPr preferRelativeResize="0">
+            <a:picLocks noGrp="1"/>
+          </p:cNvPicPr>
+          <p:nvPr>
+            <p:ph type="pic" idx="3"/>
+          </p:nvPr>
+        </p:nvPicPr>
+        <p:blipFill rotWithShape="1">
+          <a:blip r:embed="rId3">
+            <a:alphaModFix/>
+          </a:blip>
+          <a:srcRect l="26854" r="26859"/>
+          <a:stretch/>
+        </p:blipFill>
+        <p:spPr>
+          <a:xfrm>
+            <a:off x="6737750" y="-75550"/>
+            <a:ext cx="2450700" cy="5294700"/>
+          </a:xfrm>
+          <a:prstGeom prst="rect">
+            <a:avLst/>
+          </a:prstGeom>
+        </p:spPr>
+      </p:pic>
+      <p:pic>
+        <p:nvPicPr>
+          <p:cNvPr id="110" name="Google Shape;110;p21"/>
+          <p:cNvPicPr preferRelativeResize="0">
+            <a:picLocks noGrp="1"/>
+          </p:cNvPicPr>
+          <p:nvPr>
+            <p:ph type="pic" idx="4"/>
+          </p:nvPr>
+        </p:nvPicPr>
+        <p:blipFill rotWithShape="1">
+          <a:blip r:embed="rId4">
+            <a:alphaModFix/>
+          </a:blip>
+          <a:srcRect l="36980" r="36983"/>
+          <a:stretch/>
+        </p:blipFill>
+        <p:spPr>
+          <a:xfrm>
+            <a:off x="4287050" y="-75550"/>
+            <a:ext cx="2450701" cy="5294699"/>
+          </a:xfrm>
+          <a:prstGeom prst="rect">
+            <a:avLst/>
+          </a:prstGeom>
+        </p:spPr>
+      </p:pic>
+      <p:pic>
+        <p:nvPicPr>
+          <p:cNvPr id="111" name="Google Shape;111;p21"/>
+          <p:cNvPicPr preferRelativeResize="0"/>
+          <p:nvPr/>
+        </p:nvPicPr>
+        <p:blipFill>
+          <a:blip r:embed="rId5">
+            <a:alphaModFix/>
+          </a:blip>
+          <a:stretch>
+            <a:fillRect/>
+          </a:stretch>
+        </p:blipFill>
+        <p:spPr>
+          <a:xfrm>
+            <a:off x="7777826" y="399725"/>
+            <a:ext cx="1054474" cy="271899"/>
+          </a:xfrm>
+          <a:prstGeom prst="rect">
+            <a:avLst/>
+          </a:prstGeom>
+          <a:noFill/>
+          <a:ln>
+            <a:noFill/>
+          </a:ln>
+        </p:spPr>
+      </p:pic>
+    </p:spTree>
+    <p:extLst>
+      <p:ext uri="{BB962C8B-B14F-4D97-AF65-F5344CB8AC3E}">
+        <p14:creationId xmlns:p14="http://schemas.microsoft.com/office/powerpoint/2010/main" val="3679246509"/>
+      </p:ext>
+    </p:extLst>
+  </p:cSld>
+  <p:clrMapOvr>
+    <a:masterClrMapping/>
+  </p:clrMapOvr>
+</p:sld>
+</file>
+
+<file path=ppt/slides/slide15.xml><?xml version="1.0" encoding="utf-8"?>
+<p:sld xmlns:a="http://schemas.openxmlformats.org/drawingml/2006/main" xmlns:r="http://schemas.openxmlformats.org/officeDocument/2006/relationships" xmlns:p="http://schemas.openxmlformats.org/presentationml/2006/main">
+  <p:cSld>
+    <p:spTree>
+      <p:nvGrpSpPr>
+        <p:cNvPr id="1" name="Shape 68"/>
+        <p:cNvGrpSpPr/>
+        <p:nvPr/>
+      </p:nvGrpSpPr>
+      <p:grpSpPr>
+        <a:xfrm>
+          <a:off x="0" y="0"/>
+          <a:ext cx="0" cy="0"/>
+          <a:chOff x="0" y="0"/>
+          <a:chExt cx="0" cy="0"/>
+        </a:xfrm>
+      </p:grpSpPr>
+      <p:sp>
+        <p:nvSpPr>
+          <p:cNvPr id="70" name="Google Shape;70;p15"/>
+          <p:cNvSpPr txBox="1">
+            <a:spLocks noGrp="1"/>
+          </p:cNvSpPr>
+          <p:nvPr>
+            <p:ph type="body" idx="1"/>
+          </p:nvPr>
+        </p:nvSpPr>
+        <p:spPr>
+          <a:xfrm>
+            <a:off x="311700" y="1806050"/>
+            <a:ext cx="3999900" cy="2762700"/>
+          </a:xfrm>
+          <a:prstGeom prst="rect">
+            <a:avLst/>
+          </a:prstGeom>
+        </p:spPr>
+        <p:txBody>
+          <a:bodyPr spcFirstLastPara="1" wrap="square" lIns="91425" tIns="91425" rIns="91425" bIns="91425" anchor="t" anchorCtr="0">
+            <a:normAutofit fontScale="62500" lnSpcReduction="20000"/>
+          </a:bodyPr>
+          <a:lstStyle/>
+          <a:p>
+            <a:pPr marL="285750" indent="-285750">
+              <a:spcAft>
+                <a:spcPts val="1200"/>
+              </a:spcAft>
+            </a:pPr>
+            <a:r>
+              <a:rPr lang="es-ES" dirty="0"/>
+              <a:t>Crear un nuevo proyecto</a:t>
+            </a:r>
+          </a:p>
+          <a:p>
+            <a:pPr marL="285750" indent="-285750">
+              <a:spcAft>
+                <a:spcPts val="1200"/>
+              </a:spcAft>
+            </a:pPr>
+            <a:r>
+              <a:rPr lang="es-ES" dirty="0"/>
+              <a:t>Instalar la librería MySQL. </a:t>
+            </a:r>
+            <a:r>
+              <a:rPr lang="es-ES" i="1" dirty="0" err="1"/>
+              <a:t>npm</a:t>
+            </a:r>
+            <a:r>
+              <a:rPr lang="es-ES" i="1" dirty="0"/>
+              <a:t> </a:t>
+            </a:r>
+            <a:r>
+              <a:rPr lang="es-ES" i="1" dirty="0" err="1"/>
+              <a:t>install</a:t>
+            </a:r>
+            <a:r>
+              <a:rPr lang="es-ES" i="1" dirty="0"/>
+              <a:t> </a:t>
+            </a:r>
+            <a:r>
+              <a:rPr lang="es-ES" i="1" dirty="0" err="1"/>
+              <a:t>mysql</a:t>
+            </a:r>
+            <a:endParaRPr lang="es-ES" i="1" dirty="0"/>
+          </a:p>
+          <a:p>
+            <a:pPr marL="285750" indent="-285750">
+              <a:spcAft>
+                <a:spcPts val="1200"/>
+              </a:spcAft>
+            </a:pPr>
+            <a:r>
+              <a:rPr lang="es-ES" dirty="0"/>
+              <a:t>Importar librería. </a:t>
+            </a:r>
+            <a:r>
+              <a:rPr lang="es-ES" i="1" dirty="0" err="1"/>
+              <a:t>let</a:t>
+            </a:r>
+            <a:r>
+              <a:rPr lang="es-ES" i="1" dirty="0"/>
+              <a:t> </a:t>
+            </a:r>
+            <a:r>
+              <a:rPr lang="es-ES" i="1" dirty="0" err="1"/>
+              <a:t>mysql</a:t>
+            </a:r>
+            <a:r>
+              <a:rPr lang="es-ES" i="1" dirty="0"/>
+              <a:t> = </a:t>
+            </a:r>
+            <a:r>
+              <a:rPr lang="es-ES" i="1" dirty="0" err="1"/>
+              <a:t>require</a:t>
+            </a:r>
+            <a:r>
+              <a:rPr lang="es-ES" i="1" dirty="0"/>
+              <a:t>(“</a:t>
+            </a:r>
+            <a:r>
+              <a:rPr lang="es-ES" i="1" dirty="0" err="1"/>
+              <a:t>mysql</a:t>
+            </a:r>
+            <a:r>
+              <a:rPr lang="es-ES" i="1" dirty="0"/>
+              <a:t>”);</a:t>
+            </a:r>
+            <a:endParaRPr lang="es" i="1" dirty="0"/>
+          </a:p>
+          <a:p>
+            <a:pPr marL="285750" indent="-285750">
+              <a:spcAft>
+                <a:spcPts val="1200"/>
+              </a:spcAft>
+            </a:pPr>
+            <a:r>
+              <a:rPr lang="es" dirty="0"/>
+              <a:t>Crear conexi</a:t>
+            </a:r>
+            <a:r>
+              <a:rPr lang="en-GB" dirty="0"/>
+              <a:t>ó</a:t>
+            </a:r>
+            <a:r>
+              <a:rPr lang="es" dirty="0"/>
+              <a:t>n a MySQL</a:t>
+            </a:r>
+            <a:endParaRPr lang="es-ES" dirty="0"/>
+          </a:p>
+          <a:p>
+            <a:pPr marL="0" indent="0">
+              <a:spcAft>
+                <a:spcPts val="1200"/>
+              </a:spcAft>
+              <a:buNone/>
+            </a:pPr>
+            <a:r>
+              <a:rPr lang="en-GB" i="1" dirty="0"/>
+              <a:t>let connection = </a:t>
+            </a:r>
+            <a:r>
+              <a:rPr lang="en-GB" i="1" dirty="0" err="1"/>
+              <a:t>mysql.createConnection</a:t>
+            </a:r>
+            <a:r>
+              <a:rPr lang="en-GB" i="1" dirty="0"/>
+              <a:t>({</a:t>
+            </a:r>
+          </a:p>
+          <a:p>
+            <a:pPr marL="0" indent="0">
+              <a:spcAft>
+                <a:spcPts val="1200"/>
+              </a:spcAft>
+              <a:buNone/>
+            </a:pPr>
+            <a:r>
+              <a:rPr lang="en-GB" i="1" dirty="0"/>
+              <a:t>    host: 'localhost’,</a:t>
+            </a:r>
+          </a:p>
+          <a:p>
+            <a:pPr marL="0" indent="0">
+              <a:spcAft>
+                <a:spcPts val="1200"/>
+              </a:spcAft>
+              <a:buNone/>
+            </a:pPr>
+            <a:r>
+              <a:rPr lang="en-GB" i="1" dirty="0"/>
+              <a:t>    user: 'root’,			</a:t>
+            </a:r>
+          </a:p>
+          <a:p>
+            <a:pPr marL="0" indent="0">
+              <a:spcAft>
+                <a:spcPts val="1200"/>
+              </a:spcAft>
+              <a:buNone/>
+            </a:pPr>
+            <a:r>
+              <a:rPr lang="en-GB" i="1" dirty="0"/>
+              <a:t>    password: ‘’,</a:t>
+            </a:r>
+          </a:p>
+          <a:p>
+            <a:pPr marL="0" indent="0">
+              <a:spcAft>
+                <a:spcPts val="1200"/>
+              </a:spcAft>
+              <a:buNone/>
+            </a:pPr>
+            <a:r>
+              <a:rPr lang="en-GB" i="1" dirty="0"/>
+              <a:t>    database: '</a:t>
+            </a:r>
+            <a:r>
+              <a:rPr lang="en-GB" i="1" dirty="0" err="1"/>
+              <a:t>todoapp</a:t>
+            </a:r>
+            <a:r>
+              <a:rPr lang="en-GB" i="1" dirty="0"/>
+              <a:t>’});</a:t>
+            </a:r>
+          </a:p>
+          <a:p>
+            <a:pPr marL="0" indent="0">
+              <a:spcAft>
+                <a:spcPts val="1200"/>
+              </a:spcAft>
+              <a:buNone/>
+            </a:pPr>
+            <a:endParaRPr lang="es" dirty="0"/>
+          </a:p>
+        </p:txBody>
+      </p:sp>
+      <p:sp>
+        <p:nvSpPr>
+          <p:cNvPr id="71" name="Google Shape;71;p15"/>
+          <p:cNvSpPr txBox="1">
+            <a:spLocks noGrp="1"/>
+          </p:cNvSpPr>
+          <p:nvPr>
+            <p:ph type="body" idx="2"/>
+          </p:nvPr>
+        </p:nvSpPr>
+        <p:spPr>
+          <a:xfrm>
+            <a:off x="4832400" y="1806175"/>
+            <a:ext cx="3999900" cy="2762700"/>
+          </a:xfrm>
+          <a:prstGeom prst="rect">
+            <a:avLst/>
+          </a:prstGeom>
+        </p:spPr>
+        <p:txBody>
+          <a:bodyPr spcFirstLastPara="1" wrap="square" lIns="91425" tIns="91425" rIns="91425" bIns="91425" anchor="t" anchorCtr="0">
+            <a:normAutofit/>
+          </a:bodyPr>
+          <a:lstStyle/>
+          <a:p>
+            <a:pPr marL="0" indent="0">
+              <a:buNone/>
+            </a:pPr>
+            <a:r>
+              <a:rPr lang="es-ES" dirty="0"/>
+              <a:t>Conectar a la base de datos:</a:t>
+            </a:r>
+          </a:p>
+          <a:p>
+            <a:pPr marL="0" indent="0">
+              <a:buNone/>
+            </a:pPr>
+            <a:endParaRPr lang="es-ES" dirty="0"/>
+          </a:p>
+          <a:p>
+            <a:pPr marL="0" indent="0">
+              <a:buNone/>
+            </a:pPr>
+            <a:r>
+              <a:rPr lang="es-ES" i="1" dirty="0" err="1"/>
+              <a:t>connection.connect</a:t>
+            </a:r>
+            <a:r>
+              <a:rPr lang="es-ES" i="1" dirty="0"/>
+              <a:t>(</a:t>
+            </a:r>
+            <a:r>
+              <a:rPr lang="es-ES" i="1" dirty="0" err="1"/>
+              <a:t>function</a:t>
+            </a:r>
+            <a:r>
+              <a:rPr lang="es-ES" i="1" dirty="0"/>
+              <a:t>(</a:t>
+            </a:r>
+            <a:r>
+              <a:rPr lang="es-ES" i="1" dirty="0" err="1"/>
+              <a:t>err</a:t>
+            </a:r>
+            <a:r>
+              <a:rPr lang="es-ES" i="1" dirty="0"/>
+              <a:t>) { </a:t>
+            </a:r>
+          </a:p>
+          <a:p>
+            <a:pPr marL="0" indent="0">
+              <a:buNone/>
+            </a:pPr>
+            <a:r>
+              <a:rPr lang="es-ES" i="1" dirty="0"/>
+              <a:t>    </a:t>
+            </a:r>
+            <a:r>
+              <a:rPr lang="es-ES" i="1" dirty="0" err="1"/>
+              <a:t>if</a:t>
+            </a:r>
+            <a:r>
+              <a:rPr lang="es-ES" i="1" dirty="0"/>
+              <a:t> (</a:t>
+            </a:r>
+            <a:r>
+              <a:rPr lang="es-ES" i="1" dirty="0" err="1"/>
+              <a:t>err</a:t>
+            </a:r>
+            <a:r>
+              <a:rPr lang="es-ES" i="1" dirty="0"/>
+              <a:t>) {</a:t>
+            </a:r>
+          </a:p>
+          <a:p>
+            <a:pPr marL="0" indent="0">
+              <a:buNone/>
+            </a:pPr>
+            <a:r>
+              <a:rPr lang="es-ES" i="1" dirty="0"/>
+              <a:t>        </a:t>
+            </a:r>
+            <a:r>
+              <a:rPr lang="es-ES" i="1" dirty="0" err="1"/>
+              <a:t>return</a:t>
+            </a:r>
+            <a:r>
+              <a:rPr lang="es-ES" i="1" dirty="0"/>
+              <a:t> </a:t>
+            </a:r>
+            <a:r>
+              <a:rPr lang="es-ES" i="1" dirty="0" err="1"/>
+              <a:t>console.error</a:t>
+            </a:r>
+            <a:r>
+              <a:rPr lang="es-ES" i="1" dirty="0"/>
+              <a:t>('error: ' + </a:t>
+            </a:r>
+            <a:r>
+              <a:rPr lang="es-ES" i="1" dirty="0" err="1"/>
+              <a:t>err.message</a:t>
+            </a:r>
+            <a:r>
+              <a:rPr lang="es-ES" i="1" dirty="0"/>
+              <a:t>);</a:t>
+            </a:r>
+          </a:p>
+          <a:p>
+            <a:pPr marL="0" indent="0">
+              <a:buNone/>
+            </a:pPr>
+            <a:r>
+              <a:rPr lang="es-ES" i="1" dirty="0"/>
+              <a:t>    }	</a:t>
+            </a:r>
+          </a:p>
+          <a:p>
+            <a:pPr marL="0" indent="0">
+              <a:buNone/>
+            </a:pPr>
+            <a:r>
+              <a:rPr lang="es-ES" i="1" dirty="0"/>
+              <a:t>    console.log('</a:t>
+            </a:r>
+            <a:r>
+              <a:rPr lang="es-ES" i="1" dirty="0" err="1"/>
+              <a:t>Connected</a:t>
+            </a:r>
+            <a:r>
+              <a:rPr lang="es-ES" i="1" dirty="0"/>
+              <a:t> </a:t>
+            </a:r>
+            <a:r>
+              <a:rPr lang="es-ES" i="1" dirty="0" err="1"/>
+              <a:t>to</a:t>
+            </a:r>
+            <a:r>
+              <a:rPr lang="es-ES" i="1" dirty="0"/>
+              <a:t> </a:t>
+            </a:r>
+            <a:r>
+              <a:rPr lang="es-ES" i="1" dirty="0" err="1"/>
+              <a:t>the</a:t>
+            </a:r>
+            <a:r>
+              <a:rPr lang="es-ES" i="1" dirty="0"/>
+              <a:t> MySQL server.’);</a:t>
+            </a:r>
+          </a:p>
+          <a:p>
+            <a:pPr marL="0" indent="0">
+              <a:buNone/>
+            </a:pPr>
+            <a:r>
+              <a:rPr lang="es-ES" i="1" dirty="0"/>
+              <a:t>});</a:t>
+            </a:r>
+          </a:p>
+        </p:txBody>
+      </p:sp>
+      <p:sp>
+        <p:nvSpPr>
+          <p:cNvPr id="5" name="Google Shape;82;p17">
+            <a:extLst>
+              <a:ext uri="{FF2B5EF4-FFF2-40B4-BE49-F238E27FC236}">
+                <a16:creationId xmlns:a16="http://schemas.microsoft.com/office/drawing/2014/main" id="{77626D82-BD96-9F95-8B8E-2CF303EE0FE9}"/>
+              </a:ext>
+            </a:extLst>
+          </p:cNvPr>
+          <p:cNvSpPr txBox="1">
+            <a:spLocks/>
+          </p:cNvSpPr>
+          <p:nvPr/>
+        </p:nvSpPr>
+        <p:spPr>
+          <a:xfrm>
+            <a:off x="410312" y="634483"/>
+            <a:ext cx="5944800" cy="720000"/>
+          </a:xfrm>
+          <a:prstGeom prst="rect">
+            <a:avLst/>
+          </a:prstGeom>
+          <a:noFill/>
+          <a:ln>
+            <a:noFill/>
+          </a:ln>
+        </p:spPr>
+        <p:txBody>
+          <a:bodyPr spcFirstLastPara="1" wrap="square" lIns="91425" tIns="91425" rIns="91425" bIns="91425" anchor="t" anchorCtr="0">
+            <a:normAutofit fontScale="97500"/>
+          </a:bodyPr>
+          <a:lstStyle>
+            <a:defPPr marR="0" lvl="0" algn="l" rtl="0">
+              <a:lnSpc>
+                <a:spcPct val="100000"/>
+              </a:lnSpc>
+              <a:spcBef>
+                <a:spcPts val="0"/>
+              </a:spcBef>
+              <a:spcAft>
+                <a:spcPts val="0"/>
+              </a:spcAft>
+            </a:defPPr>
+            <a:lvl1pPr marR="0" lvl="0" algn="l" rtl="0">
+              <a:lnSpc>
+                <a:spcPct val="100000"/>
+              </a:lnSpc>
+              <a:spcBef>
+                <a:spcPts val="0"/>
+              </a:spcBef>
+              <a:spcAft>
+                <a:spcPts val="0"/>
+              </a:spcAft>
+              <a:buClr>
+                <a:srgbClr val="2A60A9"/>
+              </a:buClr>
+              <a:buSzPts val="2800"/>
+              <a:buFont typeface="Readex Pro SemiBold"/>
+              <a:buNone/>
+              <a:defRPr sz="2800" b="0" i="0" u="none" strike="noStrike" cap="none">
+                <a:solidFill>
+                  <a:srgbClr val="2A60A9"/>
+                </a:solidFill>
+                <a:latin typeface="Readex Pro SemiBold"/>
+                <a:ea typeface="Readex Pro SemiBold"/>
+                <a:cs typeface="Readex Pro SemiBold"/>
+                <a:sym typeface="Readex Pro SemiBold"/>
+              </a:defRPr>
+            </a:lvl1pPr>
+            <a:lvl2pPr marR="0" lvl="1" algn="l" rtl="0">
+              <a:lnSpc>
+                <a:spcPct val="100000"/>
+              </a:lnSpc>
+              <a:spcBef>
+                <a:spcPts val="0"/>
+              </a:spcBef>
+              <a:spcAft>
+                <a:spcPts val="0"/>
+              </a:spcAft>
+              <a:buClr>
+                <a:schemeClr val="dk1"/>
+              </a:buClr>
+              <a:buSzPts val="2800"/>
+              <a:buFont typeface="Arial"/>
+              <a:buNone/>
+              <a:defRPr sz="2800" b="0" i="0" u="none" strike="noStrike" cap="none">
+                <a:solidFill>
+                  <a:schemeClr val="dk1"/>
+                </a:solidFill>
+                <a:latin typeface="Arial"/>
+                <a:ea typeface="Arial"/>
+                <a:cs typeface="Arial"/>
+                <a:sym typeface="Arial"/>
+              </a:defRPr>
+            </a:lvl2pPr>
+            <a:lvl3pPr marR="0" lvl="2" algn="l" rtl="0">
+              <a:lnSpc>
+                <a:spcPct val="100000"/>
+              </a:lnSpc>
+              <a:spcBef>
+                <a:spcPts val="0"/>
+              </a:spcBef>
+              <a:spcAft>
+                <a:spcPts val="0"/>
+              </a:spcAft>
+              <a:buClr>
+                <a:schemeClr val="dk1"/>
+              </a:buClr>
+              <a:buSzPts val="2800"/>
+              <a:buFont typeface="Arial"/>
+              <a:buNone/>
+              <a:defRPr sz="2800" b="0" i="0" u="none" strike="noStrike" cap="none">
+                <a:solidFill>
+                  <a:schemeClr val="dk1"/>
+                </a:solidFill>
+                <a:latin typeface="Arial"/>
+                <a:ea typeface="Arial"/>
+                <a:cs typeface="Arial"/>
+                <a:sym typeface="Arial"/>
+              </a:defRPr>
+            </a:lvl3pPr>
+            <a:lvl4pPr marR="0" lvl="3" algn="l" rtl="0">
+              <a:lnSpc>
+                <a:spcPct val="100000"/>
+              </a:lnSpc>
+              <a:spcBef>
+                <a:spcPts val="0"/>
+              </a:spcBef>
+              <a:spcAft>
+                <a:spcPts val="0"/>
+              </a:spcAft>
+              <a:buClr>
+                <a:schemeClr val="dk1"/>
+              </a:buClr>
+              <a:buSzPts val="2800"/>
+              <a:buFont typeface="Arial"/>
+              <a:buNone/>
+              <a:defRPr sz="2800" b="0" i="0" u="none" strike="noStrike" cap="none">
+                <a:solidFill>
+                  <a:schemeClr val="dk1"/>
+                </a:solidFill>
+                <a:latin typeface="Arial"/>
+                <a:ea typeface="Arial"/>
+                <a:cs typeface="Arial"/>
+                <a:sym typeface="Arial"/>
+              </a:defRPr>
+            </a:lvl4pPr>
+            <a:lvl5pPr marR="0" lvl="4" algn="l" rtl="0">
+              <a:lnSpc>
+                <a:spcPct val="100000"/>
+              </a:lnSpc>
+              <a:spcBef>
+                <a:spcPts val="0"/>
+              </a:spcBef>
+              <a:spcAft>
+                <a:spcPts val="0"/>
+              </a:spcAft>
+              <a:buClr>
+                <a:schemeClr val="dk1"/>
+              </a:buClr>
+              <a:buSzPts val="2800"/>
+              <a:buFont typeface="Arial"/>
+              <a:buNone/>
+              <a:defRPr sz="2800" b="0" i="0" u="none" strike="noStrike" cap="none">
+                <a:solidFill>
+                  <a:schemeClr val="dk1"/>
+                </a:solidFill>
+                <a:latin typeface="Arial"/>
+                <a:ea typeface="Arial"/>
+                <a:cs typeface="Arial"/>
+                <a:sym typeface="Arial"/>
+              </a:defRPr>
+            </a:lvl5pPr>
+            <a:lvl6pPr marR="0" lvl="5" algn="l" rtl="0">
+              <a:lnSpc>
+                <a:spcPct val="100000"/>
+              </a:lnSpc>
+              <a:spcBef>
+                <a:spcPts val="0"/>
+              </a:spcBef>
+              <a:spcAft>
+                <a:spcPts val="0"/>
+              </a:spcAft>
+              <a:buClr>
+                <a:schemeClr val="dk1"/>
+              </a:buClr>
+              <a:buSzPts val="2800"/>
+              <a:buFont typeface="Arial"/>
+              <a:buNone/>
+              <a:defRPr sz="2800" b="0" i="0" u="none" strike="noStrike" cap="none">
+                <a:solidFill>
+                  <a:schemeClr val="dk1"/>
+                </a:solidFill>
+                <a:latin typeface="Arial"/>
+                <a:ea typeface="Arial"/>
+                <a:cs typeface="Arial"/>
+                <a:sym typeface="Arial"/>
+              </a:defRPr>
+            </a:lvl6pPr>
+            <a:lvl7pPr marR="0" lvl="6" algn="l" rtl="0">
+              <a:lnSpc>
+                <a:spcPct val="100000"/>
+              </a:lnSpc>
+              <a:spcBef>
+                <a:spcPts val="0"/>
+              </a:spcBef>
+              <a:spcAft>
+                <a:spcPts val="0"/>
+              </a:spcAft>
+              <a:buClr>
+                <a:schemeClr val="dk1"/>
+              </a:buClr>
+              <a:buSzPts val="2800"/>
+              <a:buFont typeface="Arial"/>
+              <a:buNone/>
+              <a:defRPr sz="2800" b="0" i="0" u="none" strike="noStrike" cap="none">
+                <a:solidFill>
+                  <a:schemeClr val="dk1"/>
+                </a:solidFill>
+                <a:latin typeface="Arial"/>
+                <a:ea typeface="Arial"/>
+                <a:cs typeface="Arial"/>
+                <a:sym typeface="Arial"/>
+              </a:defRPr>
+            </a:lvl7pPr>
+            <a:lvl8pPr marR="0" lvl="7" algn="l" rtl="0">
+              <a:lnSpc>
+                <a:spcPct val="100000"/>
+              </a:lnSpc>
+              <a:spcBef>
+                <a:spcPts val="0"/>
+              </a:spcBef>
+              <a:spcAft>
+                <a:spcPts val="0"/>
+              </a:spcAft>
+              <a:buClr>
+                <a:schemeClr val="dk1"/>
+              </a:buClr>
+              <a:buSzPts val="2800"/>
+              <a:buFont typeface="Arial"/>
+              <a:buNone/>
+              <a:defRPr sz="2800" b="0" i="0" u="none" strike="noStrike" cap="none">
+                <a:solidFill>
+                  <a:schemeClr val="dk1"/>
+                </a:solidFill>
+                <a:latin typeface="Arial"/>
+                <a:ea typeface="Arial"/>
+                <a:cs typeface="Arial"/>
+                <a:sym typeface="Arial"/>
+              </a:defRPr>
+            </a:lvl8pPr>
+            <a:lvl9pPr marR="0" lvl="8" algn="l" rtl="0">
+              <a:lnSpc>
+                <a:spcPct val="100000"/>
+              </a:lnSpc>
+              <a:spcBef>
+                <a:spcPts val="0"/>
+              </a:spcBef>
+              <a:spcAft>
+                <a:spcPts val="0"/>
+              </a:spcAft>
+              <a:buClr>
+                <a:schemeClr val="dk1"/>
+              </a:buClr>
+              <a:buSzPts val="2800"/>
+              <a:buFont typeface="Arial"/>
+              <a:buNone/>
+              <a:defRPr sz="2800" b="0" i="0" u="none" strike="noStrike" cap="none">
+                <a:solidFill>
+                  <a:schemeClr val="dk1"/>
+                </a:solidFill>
+                <a:latin typeface="Arial"/>
+                <a:ea typeface="Arial"/>
+                <a:cs typeface="Arial"/>
+                <a:sym typeface="Arial"/>
+              </a:defRPr>
+            </a:lvl9pPr>
+          </a:lstStyle>
+          <a:p>
+            <a:pPr>
+              <a:buClr>
+                <a:schemeClr val="dk1"/>
+              </a:buClr>
+              <a:buSzPct val="39285"/>
+              <a:buFont typeface="Arial"/>
+              <a:buNone/>
+            </a:pPr>
+            <a:r>
+              <a:rPr lang="en-GB" dirty="0"/>
+              <a:t>JavaScript - MySQL</a:t>
+            </a:r>
+          </a:p>
+          <a:p>
+            <a:pPr>
+              <a:buClr>
+                <a:schemeClr val="dk1"/>
+              </a:buClr>
+              <a:buSzPct val="39285"/>
+              <a:buFont typeface="Arial"/>
+              <a:buNone/>
+            </a:pPr>
+            <a:endParaRPr lang="en-GB" dirty="0"/>
+          </a:p>
+          <a:p>
+            <a:endParaRPr lang="en-GB" dirty="0"/>
+          </a:p>
+        </p:txBody>
+      </p:sp>
+    </p:spTree>
+    <p:extLst>
+      <p:ext uri="{BB962C8B-B14F-4D97-AF65-F5344CB8AC3E}">
+        <p14:creationId xmlns:p14="http://schemas.microsoft.com/office/powerpoint/2010/main" val="1283083189"/>
+      </p:ext>
+    </p:extLst>
+  </p:cSld>
+  <p:clrMapOvr>
+    <a:masterClrMapping/>
+  </p:clrMapOvr>
+</p:sld>
+</file>
+
+<file path=ppt/slides/slide16.xml><?xml version="1.0" encoding="utf-8"?>
+<p:sld xmlns:a="http://schemas.openxmlformats.org/drawingml/2006/main" xmlns:r="http://schemas.openxmlformats.org/officeDocument/2006/relationships" xmlns:p="http://schemas.openxmlformats.org/presentationml/2006/main">
+  <p:cSld>
+    <p:spTree>
+      <p:nvGrpSpPr>
+        <p:cNvPr id="1" name="Shape 80"/>
+        <p:cNvGrpSpPr/>
+        <p:nvPr/>
+      </p:nvGrpSpPr>
+      <p:grpSpPr>
+        <a:xfrm>
+          <a:off x="0" y="0"/>
+          <a:ext cx="0" cy="0"/>
+          <a:chOff x="0" y="0"/>
+          <a:chExt cx="0" cy="0"/>
+        </a:xfrm>
+      </p:grpSpPr>
+      <p:pic>
+        <p:nvPicPr>
+          <p:cNvPr id="81" name="Google Shape;81;p17"/>
+          <p:cNvPicPr preferRelativeResize="0">
+            <a:picLocks noGrp="1"/>
+          </p:cNvPicPr>
+          <p:nvPr>
+            <p:ph type="pic" idx="2"/>
+          </p:nvPr>
+        </p:nvPicPr>
+        <p:blipFill rotWithShape="1">
+          <a:blip r:embed="rId3">
+            <a:alphaModFix/>
+          </a:blip>
+          <a:srcRect l="34572" r="34569"/>
+          <a:stretch/>
+        </p:blipFill>
+        <p:spPr>
+          <a:xfrm>
+            <a:off x="6737750" y="-75550"/>
+            <a:ext cx="2450700" cy="5294699"/>
+          </a:xfrm>
+          <a:prstGeom prst="rect">
+            <a:avLst/>
+          </a:prstGeom>
+        </p:spPr>
+      </p:pic>
+      <p:sp>
+        <p:nvSpPr>
+          <p:cNvPr id="82" name="Google Shape;82;p17"/>
+          <p:cNvSpPr txBox="1">
+            <a:spLocks noGrp="1"/>
+          </p:cNvSpPr>
+          <p:nvPr>
+            <p:ph type="title"/>
+          </p:nvPr>
+        </p:nvSpPr>
+        <p:spPr>
+          <a:xfrm>
+            <a:off x="484095" y="208429"/>
+            <a:ext cx="5997388" cy="720000"/>
+          </a:xfrm>
+          <a:prstGeom prst="rect">
+            <a:avLst/>
+          </a:prstGeom>
+        </p:spPr>
+        <p:txBody>
+          <a:bodyPr spcFirstLastPara="1" wrap="square" lIns="91425" tIns="91425" rIns="91425" bIns="91425" anchor="t" anchorCtr="0">
+            <a:normAutofit/>
+          </a:bodyPr>
+          <a:lstStyle/>
+          <a:p>
+            <a:pPr marL="0" lvl="0" indent="0" algn="l" rtl="0">
+              <a:spcBef>
+                <a:spcPts val="0"/>
+              </a:spcBef>
+              <a:spcAft>
+                <a:spcPts val="0"/>
+              </a:spcAft>
+              <a:buClr>
+                <a:schemeClr val="dk1"/>
+              </a:buClr>
+              <a:buSzPct val="39285"/>
+              <a:buFont typeface="Arial"/>
+              <a:buNone/>
+            </a:pPr>
+            <a:r>
+              <a:rPr lang="en-GB" dirty="0"/>
+              <a:t>JavaScript – MySQL (II)</a:t>
+            </a:r>
+            <a:endParaRPr dirty="0"/>
+          </a:p>
+          <a:p>
+            <a:pPr marL="0" lvl="0" indent="0" algn="l" rtl="0">
+              <a:spcBef>
+                <a:spcPts val="0"/>
+              </a:spcBef>
+              <a:spcAft>
+                <a:spcPts val="0"/>
+              </a:spcAft>
+              <a:buClr>
+                <a:schemeClr val="dk1"/>
+              </a:buClr>
+              <a:buSzPct val="39285"/>
+              <a:buFont typeface="Arial"/>
+              <a:buNone/>
+            </a:pPr>
+            <a:endParaRPr dirty="0"/>
+          </a:p>
+          <a:p>
+            <a:pPr marL="0" lvl="0" indent="0" algn="l" rtl="0">
+              <a:spcBef>
+                <a:spcPts val="0"/>
+              </a:spcBef>
+              <a:spcAft>
+                <a:spcPts val="0"/>
+              </a:spcAft>
+              <a:buNone/>
+            </a:pPr>
+            <a:endParaRPr dirty="0"/>
+          </a:p>
+        </p:txBody>
+      </p:sp>
+      <p:sp>
+        <p:nvSpPr>
+          <p:cNvPr id="83" name="Google Shape;83;p17"/>
+          <p:cNvSpPr txBox="1">
+            <a:spLocks noGrp="1"/>
+          </p:cNvSpPr>
+          <p:nvPr>
+            <p:ph type="body" idx="1"/>
+          </p:nvPr>
+        </p:nvSpPr>
+        <p:spPr>
+          <a:xfrm>
+            <a:off x="345317" y="928429"/>
+            <a:ext cx="5497429" cy="4006642"/>
+          </a:xfrm>
+          <a:prstGeom prst="rect">
+            <a:avLst/>
+          </a:prstGeom>
+        </p:spPr>
+        <p:txBody>
+          <a:bodyPr spcFirstLastPara="1" wrap="square" lIns="91425" tIns="91425" rIns="91425" bIns="91425" anchor="t" anchorCtr="0">
+            <a:normAutofit fontScale="92500" lnSpcReduction="20000"/>
+          </a:bodyPr>
+          <a:lstStyle/>
+          <a:p>
+            <a:pPr>
+              <a:buFontTx/>
+              <a:buChar char="-"/>
+            </a:pPr>
+            <a:r>
+              <a:rPr lang="en-GB" dirty="0" err="1"/>
+              <a:t>Ejecutar</a:t>
+            </a:r>
+            <a:r>
+              <a:rPr lang="en-GB" dirty="0"/>
+              <a:t> </a:t>
+            </a:r>
+            <a:r>
+              <a:rPr lang="en-GB" dirty="0" err="1"/>
+              <a:t>una</a:t>
+            </a:r>
+            <a:r>
+              <a:rPr lang="en-GB" dirty="0"/>
+              <a:t> </a:t>
+            </a:r>
+            <a:r>
+              <a:rPr lang="en-GB" dirty="0" err="1"/>
+              <a:t>sentencia</a:t>
+            </a:r>
+            <a:endParaRPr lang="en-GB" dirty="0"/>
+          </a:p>
+          <a:p>
+            <a:pPr>
+              <a:buFontTx/>
+              <a:buChar char="-"/>
+            </a:pPr>
+            <a:endParaRPr lang="en-GB" dirty="0"/>
+          </a:p>
+          <a:p>
+            <a:pPr marL="0" indent="0">
+              <a:buNone/>
+            </a:pPr>
+            <a:r>
+              <a:rPr lang="es-ES" i="1" dirty="0" err="1"/>
+              <a:t>connection.query</a:t>
+            </a:r>
+            <a:r>
+              <a:rPr lang="es-ES" i="1" dirty="0"/>
+              <a:t>(‘SELECT * FROM `</a:t>
+            </a:r>
+            <a:r>
+              <a:rPr lang="es-ES" i="1" dirty="0" err="1"/>
+              <a:t>Books</a:t>
+            </a:r>
+            <a:r>
+              <a:rPr lang="es-ES" i="1" dirty="0"/>
+              <a:t>` WHERE `</a:t>
+            </a:r>
+            <a:r>
+              <a:rPr lang="es-ES" i="1" dirty="0" err="1"/>
+              <a:t>title</a:t>
+            </a:r>
+            <a:r>
+              <a:rPr lang="es-ES" i="1" dirty="0"/>
+              <a:t>`= ?’, [‘</a:t>
+            </a:r>
+            <a:r>
+              <a:rPr lang="es-ES" i="1" dirty="0" err="1"/>
+              <a:t>book_title</a:t>
+            </a:r>
+            <a:r>
+              <a:rPr lang="es-ES" i="1" dirty="0"/>
+              <a:t>’], </a:t>
+            </a:r>
+            <a:r>
+              <a:rPr lang="es-ES" i="1" dirty="0" err="1"/>
+              <a:t>function</a:t>
+            </a:r>
+            <a:r>
+              <a:rPr lang="es-ES" i="1" dirty="0"/>
+              <a:t>(error, </a:t>
+            </a:r>
+            <a:r>
+              <a:rPr lang="es-ES" i="1" dirty="0" err="1"/>
+              <a:t>results</a:t>
+            </a:r>
+            <a:r>
+              <a:rPr lang="es-ES" i="1" dirty="0"/>
+              <a:t>, </a:t>
+            </a:r>
+            <a:r>
+              <a:rPr lang="es-ES" i="1" dirty="0" err="1"/>
+              <a:t>fields</a:t>
+            </a:r>
+            <a:r>
+              <a:rPr lang="es-ES" i="1" dirty="0"/>
+              <a:t>) {</a:t>
+            </a:r>
+          </a:p>
+          <a:p>
+            <a:pPr marL="0" indent="0">
+              <a:buNone/>
+            </a:pPr>
+            <a:r>
+              <a:rPr lang="es-ES" i="1" dirty="0"/>
+              <a:t>	// Gestionar error y resultados</a:t>
+            </a:r>
+          </a:p>
+          <a:p>
+            <a:pPr marL="0" indent="0">
+              <a:buNone/>
+            </a:pPr>
+            <a:r>
+              <a:rPr lang="es-ES" i="1" dirty="0"/>
+              <a:t>});</a:t>
+            </a:r>
+          </a:p>
+          <a:p>
+            <a:pPr>
+              <a:buFontTx/>
+              <a:buChar char="-"/>
+            </a:pPr>
+            <a:r>
+              <a:rPr lang="en-GB" dirty="0" err="1"/>
+              <a:t>Cerrar</a:t>
+            </a:r>
+            <a:r>
+              <a:rPr lang="en-GB" dirty="0"/>
+              <a:t> </a:t>
+            </a:r>
+            <a:r>
+              <a:rPr lang="en-GB" dirty="0" err="1"/>
+              <a:t>conexion</a:t>
+            </a:r>
+            <a:endParaRPr lang="en-GB" dirty="0"/>
+          </a:p>
+          <a:p>
+            <a:pPr>
+              <a:buFontTx/>
+              <a:buChar char="-"/>
+            </a:pPr>
+            <a:endParaRPr lang="en-GB" dirty="0"/>
+          </a:p>
+          <a:p>
+            <a:pPr marL="0" indent="0">
+              <a:buNone/>
+            </a:pPr>
+            <a:r>
+              <a:rPr lang="es-ES" i="1" dirty="0" err="1"/>
+              <a:t>connection.end</a:t>
+            </a:r>
+            <a:r>
+              <a:rPr lang="es-ES" i="1" dirty="0"/>
+              <a:t>(</a:t>
+            </a:r>
+            <a:r>
+              <a:rPr lang="es-ES" i="1" dirty="0" err="1"/>
+              <a:t>function</a:t>
+            </a:r>
+            <a:r>
+              <a:rPr lang="es-ES" i="1" dirty="0"/>
+              <a:t>(</a:t>
+            </a:r>
+            <a:r>
+              <a:rPr lang="es-ES" i="1" dirty="0" err="1"/>
+              <a:t>err</a:t>
+            </a:r>
+            <a:r>
+              <a:rPr lang="es-ES" i="1" dirty="0"/>
+              <a:t>) {  </a:t>
+            </a:r>
+          </a:p>
+          <a:p>
+            <a:pPr marL="0" indent="0">
+              <a:buNone/>
+            </a:pPr>
+            <a:r>
+              <a:rPr lang="es-ES" i="1" dirty="0"/>
+              <a:t>    </a:t>
+            </a:r>
+            <a:r>
+              <a:rPr lang="es-ES" i="1" dirty="0" err="1"/>
+              <a:t>if</a:t>
+            </a:r>
+            <a:r>
+              <a:rPr lang="es-ES" i="1" dirty="0"/>
+              <a:t> (</a:t>
+            </a:r>
+            <a:r>
+              <a:rPr lang="es-ES" i="1" dirty="0" err="1"/>
+              <a:t>err</a:t>
+            </a:r>
+            <a:r>
+              <a:rPr lang="es-ES" i="1" dirty="0"/>
+              <a:t>) {</a:t>
+            </a:r>
+          </a:p>
+          <a:p>
+            <a:pPr marL="0" indent="0">
+              <a:buNone/>
+            </a:pPr>
+            <a:r>
+              <a:rPr lang="es-ES" i="1" dirty="0"/>
+              <a:t>        </a:t>
+            </a:r>
+            <a:r>
+              <a:rPr lang="es-ES" i="1" dirty="0" err="1"/>
+              <a:t>return</a:t>
+            </a:r>
+            <a:r>
+              <a:rPr lang="es-ES" i="1" dirty="0"/>
+              <a:t> console.log('error:' + </a:t>
+            </a:r>
+            <a:r>
+              <a:rPr lang="es-ES" i="1" dirty="0" err="1"/>
+              <a:t>err.message</a:t>
+            </a:r>
+            <a:r>
+              <a:rPr lang="es-ES" i="1" dirty="0"/>
+              <a:t>);</a:t>
+            </a:r>
+          </a:p>
+          <a:p>
+            <a:pPr marL="0" indent="0">
+              <a:buNone/>
+            </a:pPr>
+            <a:r>
+              <a:rPr lang="es-ES" i="1" dirty="0"/>
+              <a:t>    }</a:t>
+            </a:r>
+          </a:p>
+          <a:p>
+            <a:pPr marL="0" indent="0">
+              <a:buNone/>
+            </a:pPr>
+            <a:r>
+              <a:rPr lang="es-ES" i="1" dirty="0"/>
+              <a:t>    console.log('</a:t>
+            </a:r>
+            <a:r>
+              <a:rPr lang="es-ES" i="1" dirty="0" err="1"/>
+              <a:t>Close</a:t>
+            </a:r>
+            <a:r>
+              <a:rPr lang="es-ES" i="1" dirty="0"/>
+              <a:t> </a:t>
+            </a:r>
+            <a:r>
+              <a:rPr lang="es-ES" i="1" dirty="0" err="1"/>
+              <a:t>the</a:t>
+            </a:r>
+            <a:r>
+              <a:rPr lang="es-ES" i="1" dirty="0"/>
+              <a:t> </a:t>
+            </a:r>
+            <a:r>
+              <a:rPr lang="es-ES" i="1" dirty="0" err="1"/>
+              <a:t>database</a:t>
+            </a:r>
+            <a:r>
+              <a:rPr lang="es-ES" i="1" dirty="0"/>
+              <a:t> </a:t>
+            </a:r>
+            <a:r>
+              <a:rPr lang="es-ES" i="1" dirty="0" err="1"/>
+              <a:t>connection</a:t>
+            </a:r>
+            <a:r>
+              <a:rPr lang="es-ES" i="1" dirty="0"/>
+              <a:t>.’);</a:t>
+            </a:r>
+          </a:p>
+          <a:p>
+            <a:pPr marL="0" indent="0">
+              <a:buNone/>
+            </a:pPr>
+            <a:r>
+              <a:rPr lang="es-ES" i="1" dirty="0"/>
+              <a:t>});</a:t>
+            </a:r>
+          </a:p>
+          <a:p>
+            <a:pPr marL="0" indent="0">
+              <a:buNone/>
+            </a:pPr>
+            <a:endParaRPr lang="es-ES" i="1" dirty="0"/>
+          </a:p>
+          <a:p>
+            <a:pPr marL="0" indent="0">
+              <a:buNone/>
+            </a:pPr>
+            <a:endParaRPr lang="es-ES" dirty="0"/>
+          </a:p>
+        </p:txBody>
+      </p:sp>
+      <p:pic>
+        <p:nvPicPr>
+          <p:cNvPr id="84" name="Google Shape;84;p17"/>
+          <p:cNvPicPr preferRelativeResize="0"/>
+          <p:nvPr/>
+        </p:nvPicPr>
+        <p:blipFill>
+          <a:blip r:embed="rId4">
+            <a:alphaModFix/>
+          </a:blip>
+          <a:stretch>
+            <a:fillRect/>
+          </a:stretch>
+        </p:blipFill>
+        <p:spPr>
+          <a:xfrm>
+            <a:off x="7777826" y="399725"/>
+            <a:ext cx="1054474" cy="271899"/>
+          </a:xfrm>
+          <a:prstGeom prst="rect">
+            <a:avLst/>
+          </a:prstGeom>
+          <a:noFill/>
+          <a:ln>
+            <a:noFill/>
+          </a:ln>
+        </p:spPr>
+      </p:pic>
+    </p:spTree>
+    <p:extLst>
+      <p:ext uri="{BB962C8B-B14F-4D97-AF65-F5344CB8AC3E}">
+        <p14:creationId xmlns:p14="http://schemas.microsoft.com/office/powerpoint/2010/main" val="825021816"/>
+      </p:ext>
+    </p:extLst>
+  </p:cSld>
+  <p:clrMapOvr>
+    <a:masterClrMapping/>
+  </p:clrMapOvr>
+</p:sld>
+</file>
+
+<file path=ppt/slides/slide17.xml><?xml version="1.0" encoding="utf-8"?>
+<p:sld xmlns:a="http://schemas.openxmlformats.org/drawingml/2006/main" xmlns:r="http://schemas.openxmlformats.org/officeDocument/2006/relationships" xmlns:p="http://schemas.openxmlformats.org/presentationml/2006/main">
+  <p:cSld>
+    <p:spTree>
+      <p:nvGrpSpPr>
+        <p:cNvPr id="1" name="Shape 68"/>
+        <p:cNvGrpSpPr/>
+        <p:nvPr/>
+      </p:nvGrpSpPr>
+      <p:grpSpPr>
+        <a:xfrm>
+          <a:off x="0" y="0"/>
+          <a:ext cx="0" cy="0"/>
+          <a:chOff x="0" y="0"/>
+          <a:chExt cx="0" cy="0"/>
+        </a:xfrm>
+      </p:grpSpPr>
+      <p:sp>
+        <p:nvSpPr>
+          <p:cNvPr id="70" name="Google Shape;70;p15"/>
+          <p:cNvSpPr txBox="1">
+            <a:spLocks noGrp="1"/>
+          </p:cNvSpPr>
+          <p:nvPr>
+            <p:ph type="body" idx="1"/>
+          </p:nvPr>
+        </p:nvSpPr>
+        <p:spPr>
+          <a:xfrm>
+            <a:off x="311700" y="1354483"/>
+            <a:ext cx="3999900" cy="3634376"/>
+          </a:xfrm>
+          <a:prstGeom prst="rect">
+            <a:avLst/>
+          </a:prstGeom>
+        </p:spPr>
+        <p:txBody>
+          <a:bodyPr spcFirstLastPara="1" wrap="square" lIns="91425" tIns="91425" rIns="91425" bIns="91425" anchor="t" anchorCtr="0">
+            <a:normAutofit fontScale="77500" lnSpcReduction="20000"/>
+          </a:bodyPr>
+          <a:lstStyle/>
+          <a:p>
+            <a:pPr marL="0" indent="0">
+              <a:spcAft>
+                <a:spcPts val="1200"/>
+              </a:spcAft>
+              <a:buNone/>
+            </a:pPr>
+            <a:r>
+              <a:rPr lang="es-ES" i="1" dirty="0" err="1"/>
+              <a:t>var</a:t>
+            </a:r>
+            <a:r>
+              <a:rPr lang="es-ES" i="1" dirty="0"/>
+              <a:t> </a:t>
+            </a:r>
+            <a:r>
+              <a:rPr lang="es-ES" i="1" dirty="0" err="1"/>
+              <a:t>express</a:t>
+            </a:r>
+            <a:r>
+              <a:rPr lang="es-ES" i="1" dirty="0"/>
+              <a:t> = </a:t>
+            </a:r>
+            <a:r>
+              <a:rPr lang="es-ES" i="1" dirty="0" err="1"/>
+              <a:t>require</a:t>
+            </a:r>
+            <a:r>
+              <a:rPr lang="es-ES" i="1" dirty="0"/>
+              <a:t>('</a:t>
+            </a:r>
+            <a:r>
+              <a:rPr lang="es-ES" i="1" dirty="0" err="1"/>
+              <a:t>express</a:t>
+            </a:r>
+            <a:r>
+              <a:rPr lang="es-ES" i="1" dirty="0"/>
+              <a:t>');</a:t>
+            </a:r>
+          </a:p>
+          <a:p>
+            <a:pPr marL="0" indent="0">
+              <a:spcAft>
+                <a:spcPts val="1200"/>
+              </a:spcAft>
+              <a:buNone/>
+            </a:pPr>
+            <a:r>
+              <a:rPr lang="es-ES" i="1" dirty="0" err="1"/>
+              <a:t>var</a:t>
+            </a:r>
+            <a:r>
+              <a:rPr lang="es-ES" i="1" dirty="0"/>
+              <a:t> app = </a:t>
+            </a:r>
+            <a:r>
+              <a:rPr lang="es-ES" i="1" dirty="0" err="1"/>
+              <a:t>express</a:t>
+            </a:r>
+            <a:r>
+              <a:rPr lang="es-ES" i="1" dirty="0"/>
+              <a:t>();</a:t>
+            </a:r>
+          </a:p>
+          <a:p>
+            <a:pPr marL="0" indent="0">
+              <a:spcAft>
+                <a:spcPts val="1200"/>
+              </a:spcAft>
+              <a:buNone/>
+            </a:pPr>
+            <a:endParaRPr lang="es-ES" i="1" dirty="0"/>
+          </a:p>
+          <a:p>
+            <a:pPr marL="0" indent="0">
+              <a:spcAft>
+                <a:spcPts val="1200"/>
+              </a:spcAft>
+              <a:buNone/>
+            </a:pPr>
+            <a:r>
+              <a:rPr lang="es-ES" i="1" dirty="0" err="1"/>
+              <a:t>app.get</a:t>
+            </a:r>
+            <a:r>
+              <a:rPr lang="es-ES" i="1" dirty="0"/>
+              <a:t>('/', </a:t>
+            </a:r>
+            <a:r>
+              <a:rPr lang="es-ES" i="1" dirty="0" err="1"/>
+              <a:t>function</a:t>
+            </a:r>
+            <a:r>
+              <a:rPr lang="es-ES" i="1" dirty="0"/>
+              <a:t> (</a:t>
+            </a:r>
+            <a:r>
+              <a:rPr lang="es-ES" i="1" dirty="0" err="1"/>
+              <a:t>req</a:t>
+            </a:r>
+            <a:r>
+              <a:rPr lang="es-ES" i="1" dirty="0"/>
+              <a:t>, res) {</a:t>
+            </a:r>
+          </a:p>
+          <a:p>
+            <a:pPr marL="0" indent="0">
+              <a:spcAft>
+                <a:spcPts val="1200"/>
+              </a:spcAft>
+              <a:buNone/>
+            </a:pPr>
+            <a:r>
+              <a:rPr lang="es-ES" i="1" dirty="0"/>
+              <a:t>   </a:t>
+            </a:r>
+            <a:r>
+              <a:rPr lang="es-ES" i="1" dirty="0" err="1"/>
+              <a:t>res.send</a:t>
+            </a:r>
+            <a:r>
+              <a:rPr lang="es-ES" i="1" dirty="0"/>
+              <a:t>('</a:t>
+            </a:r>
+            <a:r>
+              <a:rPr lang="es-ES" i="1" dirty="0" err="1"/>
+              <a:t>Hello</a:t>
+            </a:r>
+            <a:r>
+              <a:rPr lang="es-ES" i="1" dirty="0"/>
+              <a:t> </a:t>
+            </a:r>
+            <a:r>
+              <a:rPr lang="es-ES" i="1" dirty="0" err="1"/>
+              <a:t>World</a:t>
+            </a:r>
+            <a:r>
+              <a:rPr lang="es-ES" i="1" dirty="0"/>
+              <a:t>');</a:t>
+            </a:r>
+          </a:p>
+          <a:p>
+            <a:pPr marL="0" indent="0">
+              <a:spcAft>
+                <a:spcPts val="1200"/>
+              </a:spcAft>
+              <a:buNone/>
+            </a:pPr>
+            <a:r>
+              <a:rPr lang="es-ES" i="1" dirty="0"/>
+              <a:t>});</a:t>
+            </a:r>
+          </a:p>
+          <a:p>
+            <a:pPr marL="0" indent="0">
+              <a:spcAft>
+                <a:spcPts val="1200"/>
+              </a:spcAft>
+              <a:buNone/>
+            </a:pPr>
+            <a:endParaRPr lang="es-ES" i="1" dirty="0"/>
+          </a:p>
+          <a:p>
+            <a:pPr marL="0" indent="0">
+              <a:buNone/>
+            </a:pPr>
+            <a:r>
+              <a:rPr lang="es-ES" i="1" dirty="0" err="1"/>
+              <a:t>var</a:t>
+            </a:r>
+            <a:r>
+              <a:rPr lang="es-ES" i="1" dirty="0"/>
+              <a:t> server = </a:t>
+            </a:r>
+            <a:r>
+              <a:rPr lang="es-ES" i="1" dirty="0" err="1"/>
+              <a:t>app.listen</a:t>
+            </a:r>
+            <a:r>
+              <a:rPr lang="es-ES" i="1" dirty="0"/>
+              <a:t>(8081, </a:t>
+            </a:r>
+            <a:r>
+              <a:rPr lang="es-ES" i="1" dirty="0" err="1"/>
+              <a:t>function</a:t>
+            </a:r>
+            <a:r>
+              <a:rPr lang="es-ES" i="1" dirty="0"/>
+              <a:t> () {</a:t>
+            </a:r>
+          </a:p>
+          <a:p>
+            <a:pPr marL="0" indent="0">
+              <a:buNone/>
+            </a:pPr>
+            <a:r>
+              <a:rPr lang="es-ES" i="1" dirty="0"/>
+              <a:t>   </a:t>
+            </a:r>
+            <a:r>
+              <a:rPr lang="es-ES" i="1" dirty="0" err="1"/>
+              <a:t>var</a:t>
+            </a:r>
+            <a:r>
+              <a:rPr lang="es-ES" i="1" dirty="0"/>
+              <a:t> host = </a:t>
+            </a:r>
+            <a:r>
+              <a:rPr lang="es-ES" i="1" dirty="0" err="1"/>
+              <a:t>server.address</a:t>
+            </a:r>
+            <a:r>
+              <a:rPr lang="es-ES" i="1" dirty="0"/>
+              <a:t>().</a:t>
+            </a:r>
+            <a:r>
+              <a:rPr lang="es-ES" i="1" dirty="0" err="1"/>
+              <a:t>address</a:t>
+            </a:r>
+            <a:r>
+              <a:rPr lang="es-ES" i="1" dirty="0"/>
+              <a:t>;</a:t>
+            </a:r>
+          </a:p>
+          <a:p>
+            <a:pPr marL="0" indent="0">
+              <a:buNone/>
+            </a:pPr>
+            <a:r>
+              <a:rPr lang="es-ES" i="1" dirty="0"/>
+              <a:t>   </a:t>
+            </a:r>
+            <a:r>
+              <a:rPr lang="es-ES" i="1" dirty="0" err="1"/>
+              <a:t>var</a:t>
+            </a:r>
+            <a:r>
+              <a:rPr lang="es-ES" i="1" dirty="0"/>
+              <a:t> </a:t>
+            </a:r>
+            <a:r>
+              <a:rPr lang="es-ES" i="1" dirty="0" err="1"/>
+              <a:t>port</a:t>
+            </a:r>
+            <a:r>
+              <a:rPr lang="es-ES" i="1" dirty="0"/>
+              <a:t> = </a:t>
+            </a:r>
+            <a:r>
+              <a:rPr lang="es-ES" i="1" dirty="0" err="1"/>
+              <a:t>server.address</a:t>
+            </a:r>
+            <a:r>
+              <a:rPr lang="es-ES" i="1" dirty="0"/>
+              <a:t>().</a:t>
+            </a:r>
+            <a:r>
+              <a:rPr lang="es-ES" i="1" dirty="0" err="1"/>
+              <a:t>port</a:t>
+            </a:r>
+            <a:r>
+              <a:rPr lang="es-ES" i="1" dirty="0"/>
+              <a:t>;</a:t>
+            </a:r>
+          </a:p>
+          <a:p>
+            <a:pPr marL="0" indent="0">
+              <a:buNone/>
+            </a:pPr>
+            <a:r>
+              <a:rPr lang="es-ES" i="1" dirty="0"/>
+              <a:t>   </a:t>
+            </a:r>
+          </a:p>
+          <a:p>
+            <a:pPr marL="0" indent="0">
+              <a:buNone/>
+            </a:pPr>
+            <a:r>
+              <a:rPr lang="es-ES" i="1" dirty="0"/>
+              <a:t>   console.log("</a:t>
+            </a:r>
+            <a:r>
+              <a:rPr lang="es-ES" i="1" dirty="0" err="1"/>
+              <a:t>Example</a:t>
+            </a:r>
+            <a:r>
+              <a:rPr lang="es-ES" i="1" dirty="0"/>
+              <a:t> app </a:t>
+            </a:r>
+            <a:r>
+              <a:rPr lang="es-ES" i="1" dirty="0" err="1"/>
+              <a:t>listening</a:t>
+            </a:r>
+            <a:r>
+              <a:rPr lang="es-ES" i="1" dirty="0"/>
+              <a:t> at http://%s:%s", host, </a:t>
+            </a:r>
+            <a:r>
+              <a:rPr lang="es-ES" i="1" dirty="0" err="1"/>
+              <a:t>port</a:t>
+            </a:r>
+            <a:r>
+              <a:rPr lang="es-ES" i="1" dirty="0"/>
+              <a:t>);</a:t>
+            </a:r>
+          </a:p>
+          <a:p>
+            <a:pPr marL="0" indent="0">
+              <a:buNone/>
+            </a:pPr>
+            <a:r>
+              <a:rPr lang="es-ES" i="1" dirty="0"/>
+              <a:t>});</a:t>
+            </a:r>
+          </a:p>
+          <a:p>
+            <a:pPr marL="0" indent="0">
+              <a:spcAft>
+                <a:spcPts val="1200"/>
+              </a:spcAft>
+              <a:buNone/>
+            </a:pPr>
+            <a:endParaRPr lang="es-ES" i="1" dirty="0"/>
+          </a:p>
+        </p:txBody>
+      </p:sp>
+      <p:sp>
+        <p:nvSpPr>
+          <p:cNvPr id="71" name="Google Shape;71;p15"/>
+          <p:cNvSpPr txBox="1">
+            <a:spLocks noGrp="1"/>
+          </p:cNvSpPr>
+          <p:nvPr>
+            <p:ph type="body" idx="2"/>
+          </p:nvPr>
+        </p:nvSpPr>
+        <p:spPr>
+          <a:xfrm>
+            <a:off x="4832400" y="1806175"/>
+            <a:ext cx="3999900" cy="2762700"/>
+          </a:xfrm>
+          <a:prstGeom prst="rect">
+            <a:avLst/>
+          </a:prstGeom>
+        </p:spPr>
+        <p:txBody>
+          <a:bodyPr spcFirstLastPara="1" wrap="square" lIns="91425" tIns="91425" rIns="91425" bIns="91425" anchor="t" anchorCtr="0">
+            <a:normAutofit fontScale="92500" lnSpcReduction="10000"/>
+          </a:bodyPr>
+          <a:lstStyle/>
+          <a:p>
+            <a:pPr marL="0" indent="0">
+              <a:buNone/>
+            </a:pPr>
+            <a:r>
+              <a:rPr lang="es-ES" i="1" dirty="0"/>
+              <a:t>// ejemplo </a:t>
+            </a:r>
+            <a:r>
+              <a:rPr lang="es-ES" i="1" dirty="0" err="1"/>
+              <a:t>get</a:t>
+            </a:r>
+            <a:r>
+              <a:rPr lang="es-ES" i="1" dirty="0"/>
+              <a:t> con </a:t>
+            </a:r>
+            <a:r>
+              <a:rPr lang="es-ES" i="1" dirty="0" err="1"/>
+              <a:t>query</a:t>
+            </a:r>
+            <a:r>
+              <a:rPr lang="es-ES" i="1" dirty="0"/>
+              <a:t> </a:t>
+            </a:r>
+            <a:r>
+              <a:rPr lang="es-ES" i="1" dirty="0" err="1"/>
+              <a:t>string</a:t>
+            </a:r>
+            <a:endParaRPr lang="es-ES" i="1" dirty="0"/>
+          </a:p>
+          <a:p>
+            <a:pPr marL="0" indent="0">
+              <a:buNone/>
+            </a:pPr>
+            <a:r>
+              <a:rPr lang="es-ES" i="1" dirty="0" err="1"/>
+              <a:t>app.get</a:t>
+            </a:r>
+            <a:r>
+              <a:rPr lang="es-ES" i="1" dirty="0"/>
+              <a:t>(“/usuario/:id”, </a:t>
+            </a:r>
+            <a:r>
+              <a:rPr lang="es-ES" i="1" dirty="0" err="1"/>
+              <a:t>function</a:t>
+            </a:r>
+            <a:r>
+              <a:rPr lang="es-ES" i="1" dirty="0"/>
+              <a:t> (</a:t>
+            </a:r>
+            <a:r>
+              <a:rPr lang="es-ES" i="1" dirty="0" err="1"/>
+              <a:t>req</a:t>
+            </a:r>
+            <a:r>
+              <a:rPr lang="es-ES" i="1" dirty="0"/>
+              <a:t>, res) {</a:t>
+            </a:r>
+          </a:p>
+          <a:p>
+            <a:pPr marL="0" indent="0">
+              <a:buNone/>
+            </a:pPr>
+            <a:r>
+              <a:rPr lang="es-ES" i="1" dirty="0"/>
+              <a:t>    </a:t>
+            </a:r>
+            <a:r>
+              <a:rPr lang="es-ES" i="1" dirty="0" err="1"/>
+              <a:t>res.send</a:t>
+            </a:r>
+            <a:r>
+              <a:rPr lang="es-ES" i="1" dirty="0"/>
+              <a:t>(`se ha pedido usuario con id ${</a:t>
+            </a:r>
+            <a:r>
+              <a:rPr lang="es-ES" i="1" dirty="0" err="1"/>
+              <a:t>req.params.id</a:t>
+            </a:r>
+            <a:r>
+              <a:rPr lang="es-ES" i="1" dirty="0"/>
+              <a:t>}`);</a:t>
+            </a:r>
+          </a:p>
+          <a:p>
+            <a:pPr marL="0" indent="0">
+              <a:buNone/>
+            </a:pPr>
+            <a:r>
+              <a:rPr lang="es-ES" i="1" dirty="0"/>
+              <a:t>});</a:t>
+            </a:r>
+          </a:p>
+          <a:p>
+            <a:pPr marL="0" indent="0">
+              <a:buNone/>
+            </a:pPr>
+            <a:endParaRPr lang="es-ES" i="1" dirty="0"/>
+          </a:p>
+          <a:p>
+            <a:pPr marL="0" indent="0">
+              <a:buNone/>
+            </a:pPr>
+            <a:r>
+              <a:rPr lang="es-ES" i="1" dirty="0"/>
+              <a:t>// ejemplo post con </a:t>
+            </a:r>
+            <a:r>
+              <a:rPr lang="es-ES" i="1" dirty="0" err="1"/>
+              <a:t>body</a:t>
+            </a:r>
+            <a:endParaRPr lang="es-ES" i="1" dirty="0"/>
+          </a:p>
+          <a:p>
+            <a:pPr marL="0" indent="0">
+              <a:buNone/>
+            </a:pPr>
+            <a:r>
+              <a:rPr lang="es-ES" i="1" dirty="0" err="1"/>
+              <a:t>app.post</a:t>
+            </a:r>
+            <a:r>
+              <a:rPr lang="es-ES" i="1" dirty="0"/>
+              <a:t>(“/</a:t>
+            </a:r>
+            <a:r>
+              <a:rPr lang="es-ES" i="1" dirty="0" err="1"/>
+              <a:t>login</a:t>
+            </a:r>
+            <a:r>
+              <a:rPr lang="es-ES" i="1" dirty="0"/>
+              <a:t>”, </a:t>
+            </a:r>
+            <a:r>
+              <a:rPr lang="es-ES" i="1" dirty="0" err="1"/>
+              <a:t>function</a:t>
+            </a:r>
+            <a:r>
+              <a:rPr lang="es-ES" i="1" dirty="0"/>
+              <a:t>(</a:t>
+            </a:r>
+            <a:r>
+              <a:rPr lang="es-ES" i="1" dirty="0" err="1"/>
+              <a:t>req</a:t>
+            </a:r>
+            <a:r>
+              <a:rPr lang="es-ES" i="1" dirty="0"/>
+              <a:t>, res) {</a:t>
+            </a:r>
+          </a:p>
+          <a:p>
+            <a:pPr marL="0" indent="0">
+              <a:buNone/>
+            </a:pPr>
+            <a:r>
+              <a:rPr lang="es-ES" i="1" dirty="0"/>
+              <a:t>    </a:t>
+            </a:r>
+            <a:r>
+              <a:rPr lang="es-ES" i="1" dirty="0" err="1"/>
+              <a:t>res.send</a:t>
+            </a:r>
+            <a:r>
+              <a:rPr lang="es-ES" i="1" dirty="0"/>
+              <a:t>(`se ha pedido </a:t>
+            </a:r>
+            <a:r>
+              <a:rPr lang="es-ES" i="1" dirty="0" err="1"/>
+              <a:t>login</a:t>
+            </a:r>
+            <a:r>
+              <a:rPr lang="es-ES" i="1" dirty="0"/>
+              <a:t> con email ${</a:t>
+            </a:r>
+            <a:r>
+              <a:rPr lang="es-ES" i="1" dirty="0" err="1"/>
+              <a:t>req.body.email</a:t>
+            </a:r>
+            <a:r>
+              <a:rPr lang="es-ES" i="1" dirty="0"/>
+              <a:t>} y </a:t>
+            </a:r>
+            <a:r>
+              <a:rPr lang="es-ES" i="1" dirty="0" err="1"/>
+              <a:t>password</a:t>
+            </a:r>
+            <a:r>
+              <a:rPr lang="es-ES" i="1" dirty="0"/>
+              <a:t> ${</a:t>
+            </a:r>
+            <a:r>
+              <a:rPr lang="es-ES" i="1" dirty="0" err="1"/>
+              <a:t>req.body.password</a:t>
+            </a:r>
+            <a:r>
+              <a:rPr lang="es-ES" i="1" dirty="0"/>
+              <a:t>}`</a:t>
+            </a:r>
+          </a:p>
+          <a:p>
+            <a:pPr marL="0" indent="0">
+              <a:buNone/>
+            </a:pPr>
+            <a:r>
+              <a:rPr lang="es-ES" i="1" dirty="0"/>
+              <a:t>});</a:t>
+            </a:r>
+          </a:p>
+          <a:p>
+            <a:pPr marL="0" indent="0">
+              <a:buNone/>
+            </a:pPr>
+            <a:endParaRPr lang="es-ES" i="1" dirty="0"/>
+          </a:p>
+        </p:txBody>
+      </p:sp>
+      <p:sp>
+        <p:nvSpPr>
+          <p:cNvPr id="5" name="Google Shape;82;p17">
+            <a:extLst>
+              <a:ext uri="{FF2B5EF4-FFF2-40B4-BE49-F238E27FC236}">
+                <a16:creationId xmlns:a16="http://schemas.microsoft.com/office/drawing/2014/main" id="{77626D82-BD96-9F95-8B8E-2CF303EE0FE9}"/>
+              </a:ext>
+            </a:extLst>
+          </p:cNvPr>
+          <p:cNvSpPr txBox="1">
+            <a:spLocks/>
+          </p:cNvSpPr>
+          <p:nvPr/>
+        </p:nvSpPr>
+        <p:spPr>
+          <a:xfrm>
+            <a:off x="410312" y="634483"/>
+            <a:ext cx="5944800" cy="720000"/>
+          </a:xfrm>
+          <a:prstGeom prst="rect">
+            <a:avLst/>
+          </a:prstGeom>
+          <a:noFill/>
+          <a:ln>
+            <a:noFill/>
+          </a:ln>
+        </p:spPr>
+        <p:txBody>
+          <a:bodyPr spcFirstLastPara="1" wrap="square" lIns="91425" tIns="91425" rIns="91425" bIns="91425" anchor="t" anchorCtr="0">
+            <a:normAutofit fontScale="97500"/>
+          </a:bodyPr>
+          <a:lstStyle>
+            <a:defPPr marR="0" lvl="0" algn="l" rtl="0">
+              <a:lnSpc>
+                <a:spcPct val="100000"/>
+              </a:lnSpc>
+              <a:spcBef>
+                <a:spcPts val="0"/>
+              </a:spcBef>
+              <a:spcAft>
+                <a:spcPts val="0"/>
+              </a:spcAft>
+            </a:defPPr>
+            <a:lvl1pPr marR="0" lvl="0" algn="l" rtl="0">
+              <a:lnSpc>
+                <a:spcPct val="100000"/>
+              </a:lnSpc>
+              <a:spcBef>
+                <a:spcPts val="0"/>
+              </a:spcBef>
+              <a:spcAft>
+                <a:spcPts val="0"/>
+              </a:spcAft>
+              <a:buClr>
+                <a:srgbClr val="2A60A9"/>
+              </a:buClr>
+              <a:buSzPts val="2800"/>
+              <a:buFont typeface="Readex Pro SemiBold"/>
+              <a:buNone/>
+              <a:defRPr sz="2800" b="0" i="0" u="none" strike="noStrike" cap="none">
+                <a:solidFill>
+                  <a:srgbClr val="2A60A9"/>
+                </a:solidFill>
+                <a:latin typeface="Readex Pro SemiBold"/>
+                <a:ea typeface="Readex Pro SemiBold"/>
+                <a:cs typeface="Readex Pro SemiBold"/>
+                <a:sym typeface="Readex Pro SemiBold"/>
+              </a:defRPr>
+            </a:lvl1pPr>
+            <a:lvl2pPr marR="0" lvl="1" algn="l" rtl="0">
+              <a:lnSpc>
+                <a:spcPct val="100000"/>
+              </a:lnSpc>
+              <a:spcBef>
+                <a:spcPts val="0"/>
+              </a:spcBef>
+              <a:spcAft>
+                <a:spcPts val="0"/>
+              </a:spcAft>
+              <a:buClr>
+                <a:schemeClr val="dk1"/>
+              </a:buClr>
+              <a:buSzPts val="2800"/>
+              <a:buFont typeface="Arial"/>
+              <a:buNone/>
+              <a:defRPr sz="2800" b="0" i="0" u="none" strike="noStrike" cap="none">
+                <a:solidFill>
+                  <a:schemeClr val="dk1"/>
+                </a:solidFill>
+                <a:latin typeface="Arial"/>
+                <a:ea typeface="Arial"/>
+                <a:cs typeface="Arial"/>
+                <a:sym typeface="Arial"/>
+              </a:defRPr>
+            </a:lvl2pPr>
+            <a:lvl3pPr marR="0" lvl="2" algn="l" rtl="0">
+              <a:lnSpc>
+                <a:spcPct val="100000"/>
+              </a:lnSpc>
+              <a:spcBef>
+                <a:spcPts val="0"/>
+              </a:spcBef>
+              <a:spcAft>
+                <a:spcPts val="0"/>
+              </a:spcAft>
+              <a:buClr>
+                <a:schemeClr val="dk1"/>
+              </a:buClr>
+              <a:buSzPts val="2800"/>
+              <a:buFont typeface="Arial"/>
+              <a:buNone/>
+              <a:defRPr sz="2800" b="0" i="0" u="none" strike="noStrike" cap="none">
+                <a:solidFill>
+                  <a:schemeClr val="dk1"/>
+                </a:solidFill>
+                <a:latin typeface="Arial"/>
+                <a:ea typeface="Arial"/>
+                <a:cs typeface="Arial"/>
+                <a:sym typeface="Arial"/>
+              </a:defRPr>
+            </a:lvl3pPr>
+            <a:lvl4pPr marR="0" lvl="3" algn="l" rtl="0">
+              <a:lnSpc>
+                <a:spcPct val="100000"/>
+              </a:lnSpc>
+              <a:spcBef>
+                <a:spcPts val="0"/>
+              </a:spcBef>
+              <a:spcAft>
+                <a:spcPts val="0"/>
+              </a:spcAft>
+              <a:buClr>
+                <a:schemeClr val="dk1"/>
+              </a:buClr>
+              <a:buSzPts val="2800"/>
+              <a:buFont typeface="Arial"/>
+              <a:buNone/>
+              <a:defRPr sz="2800" b="0" i="0" u="none" strike="noStrike" cap="none">
+                <a:solidFill>
+                  <a:schemeClr val="dk1"/>
+                </a:solidFill>
+                <a:latin typeface="Arial"/>
+                <a:ea typeface="Arial"/>
+                <a:cs typeface="Arial"/>
+                <a:sym typeface="Arial"/>
+              </a:defRPr>
+            </a:lvl4pPr>
+            <a:lvl5pPr marR="0" lvl="4" algn="l" rtl="0">
+              <a:lnSpc>
+                <a:spcPct val="100000"/>
+              </a:lnSpc>
+              <a:spcBef>
+                <a:spcPts val="0"/>
+              </a:spcBef>
+              <a:spcAft>
+                <a:spcPts val="0"/>
+              </a:spcAft>
+              <a:buClr>
+                <a:schemeClr val="dk1"/>
+              </a:buClr>
+              <a:buSzPts val="2800"/>
+              <a:buFont typeface="Arial"/>
+              <a:buNone/>
+              <a:defRPr sz="2800" b="0" i="0" u="none" strike="noStrike" cap="none">
+                <a:solidFill>
+                  <a:schemeClr val="dk1"/>
+                </a:solidFill>
+                <a:latin typeface="Arial"/>
+                <a:ea typeface="Arial"/>
+                <a:cs typeface="Arial"/>
+                <a:sym typeface="Arial"/>
+              </a:defRPr>
+            </a:lvl5pPr>
+            <a:lvl6pPr marR="0" lvl="5" algn="l" rtl="0">
+              <a:lnSpc>
+                <a:spcPct val="100000"/>
+              </a:lnSpc>
+              <a:spcBef>
+                <a:spcPts val="0"/>
+              </a:spcBef>
+              <a:spcAft>
+                <a:spcPts val="0"/>
+              </a:spcAft>
+              <a:buClr>
+                <a:schemeClr val="dk1"/>
+              </a:buClr>
+              <a:buSzPts val="2800"/>
+              <a:buFont typeface="Arial"/>
+              <a:buNone/>
+              <a:defRPr sz="2800" b="0" i="0" u="none" strike="noStrike" cap="none">
+                <a:solidFill>
+                  <a:schemeClr val="dk1"/>
+                </a:solidFill>
+                <a:latin typeface="Arial"/>
+                <a:ea typeface="Arial"/>
+                <a:cs typeface="Arial"/>
+                <a:sym typeface="Arial"/>
+              </a:defRPr>
+            </a:lvl6pPr>
+            <a:lvl7pPr marR="0" lvl="6" algn="l" rtl="0">
+              <a:lnSpc>
+                <a:spcPct val="100000"/>
+              </a:lnSpc>
+              <a:spcBef>
+                <a:spcPts val="0"/>
+              </a:spcBef>
+              <a:spcAft>
+                <a:spcPts val="0"/>
+              </a:spcAft>
+              <a:buClr>
+                <a:schemeClr val="dk1"/>
+              </a:buClr>
+              <a:buSzPts val="2800"/>
+              <a:buFont typeface="Arial"/>
+              <a:buNone/>
+              <a:defRPr sz="2800" b="0" i="0" u="none" strike="noStrike" cap="none">
+                <a:solidFill>
+                  <a:schemeClr val="dk1"/>
+                </a:solidFill>
+                <a:latin typeface="Arial"/>
+                <a:ea typeface="Arial"/>
+                <a:cs typeface="Arial"/>
+                <a:sym typeface="Arial"/>
+              </a:defRPr>
+            </a:lvl7pPr>
+            <a:lvl8pPr marR="0" lvl="7" algn="l" rtl="0">
+              <a:lnSpc>
+                <a:spcPct val="100000"/>
+              </a:lnSpc>
+              <a:spcBef>
+                <a:spcPts val="0"/>
+              </a:spcBef>
+              <a:spcAft>
+                <a:spcPts val="0"/>
+              </a:spcAft>
+              <a:buClr>
+                <a:schemeClr val="dk1"/>
+              </a:buClr>
+              <a:buSzPts val="2800"/>
+              <a:buFont typeface="Arial"/>
+              <a:buNone/>
+              <a:defRPr sz="2800" b="0" i="0" u="none" strike="noStrike" cap="none">
+                <a:solidFill>
+                  <a:schemeClr val="dk1"/>
+                </a:solidFill>
+                <a:latin typeface="Arial"/>
+                <a:ea typeface="Arial"/>
+                <a:cs typeface="Arial"/>
+                <a:sym typeface="Arial"/>
+              </a:defRPr>
+            </a:lvl8pPr>
+            <a:lvl9pPr marR="0" lvl="8" algn="l" rtl="0">
+              <a:lnSpc>
+                <a:spcPct val="100000"/>
+              </a:lnSpc>
+              <a:spcBef>
+                <a:spcPts val="0"/>
+              </a:spcBef>
+              <a:spcAft>
+                <a:spcPts val="0"/>
+              </a:spcAft>
+              <a:buClr>
+                <a:schemeClr val="dk1"/>
+              </a:buClr>
+              <a:buSzPts val="2800"/>
+              <a:buFont typeface="Arial"/>
+              <a:buNone/>
+              <a:defRPr sz="2800" b="0" i="0" u="none" strike="noStrike" cap="none">
+                <a:solidFill>
+                  <a:schemeClr val="dk1"/>
+                </a:solidFill>
+                <a:latin typeface="Arial"/>
+                <a:ea typeface="Arial"/>
+                <a:cs typeface="Arial"/>
+                <a:sym typeface="Arial"/>
+              </a:defRPr>
+            </a:lvl9pPr>
+          </a:lstStyle>
+          <a:p>
+            <a:pPr>
+              <a:buClr>
+                <a:schemeClr val="dk1"/>
+              </a:buClr>
+              <a:buSzPct val="39285"/>
+              <a:buFont typeface="Arial"/>
+              <a:buNone/>
+            </a:pPr>
+            <a:r>
+              <a:rPr lang="en-GB" dirty="0"/>
+              <a:t>NodeJS – </a:t>
+            </a:r>
+            <a:r>
+              <a:rPr lang="en-GB" dirty="0" err="1"/>
+              <a:t>Primeros</a:t>
+            </a:r>
+            <a:r>
+              <a:rPr lang="en-GB" dirty="0"/>
+              <a:t> pasos</a:t>
+            </a:r>
+          </a:p>
+          <a:p>
+            <a:pPr>
+              <a:buClr>
+                <a:schemeClr val="dk1"/>
+              </a:buClr>
+              <a:buSzPct val="39285"/>
+              <a:buFont typeface="Arial"/>
+              <a:buNone/>
+            </a:pPr>
+            <a:endParaRPr lang="en-GB" dirty="0"/>
+          </a:p>
+          <a:p>
+            <a:endParaRPr lang="en-GB" dirty="0"/>
+          </a:p>
+        </p:txBody>
+      </p:sp>
+    </p:spTree>
+    <p:extLst>
+      <p:ext uri="{BB962C8B-B14F-4D97-AF65-F5344CB8AC3E}">
+        <p14:creationId xmlns:p14="http://schemas.microsoft.com/office/powerpoint/2010/main" val="1480358932"/>
+      </p:ext>
+    </p:extLst>
+  </p:cSld>
+  <p:clrMapOvr>
+    <a:masterClrMapping/>
+  </p:clrMapOvr>
+</p:sld>
+</file>
+
+<file path=ppt/slides/slide18.xml><?xml version="1.0" encoding="utf-8"?>
+<p:sld xmlns:a="http://schemas.openxmlformats.org/drawingml/2006/main" xmlns:r="http://schemas.openxmlformats.org/officeDocument/2006/relationships" xmlns:p="http://schemas.openxmlformats.org/presentationml/2006/main">
+  <p:cSld>
+    <p:spTree>
+      <p:nvGrpSpPr>
+        <p:cNvPr id="1" name="Shape 106"/>
+        <p:cNvGrpSpPr/>
+        <p:nvPr/>
+      </p:nvGrpSpPr>
+      <p:grpSpPr>
+        <a:xfrm>
+          <a:off x="0" y="0"/>
+          <a:ext cx="0" cy="0"/>
+          <a:chOff x="0" y="0"/>
+          <a:chExt cx="0" cy="0"/>
+        </a:xfrm>
+      </p:grpSpPr>
+      <p:sp>
+        <p:nvSpPr>
+          <p:cNvPr id="107" name="Google Shape;107;p21"/>
+          <p:cNvSpPr txBox="1">
+            <a:spLocks noGrp="1"/>
+          </p:cNvSpPr>
+          <p:nvPr>
+            <p:ph type="title"/>
+          </p:nvPr>
+        </p:nvSpPr>
+        <p:spPr>
+          <a:xfrm>
+            <a:off x="311700" y="630000"/>
+            <a:ext cx="3204706" cy="720000"/>
+          </a:xfrm>
+          <a:prstGeom prst="rect">
+            <a:avLst/>
+          </a:prstGeom>
+        </p:spPr>
+        <p:txBody>
+          <a:bodyPr spcFirstLastPara="1" wrap="square" lIns="91425" tIns="91425" rIns="91425" bIns="91425" anchor="b" anchorCtr="0">
+            <a:normAutofit/>
+          </a:bodyPr>
+          <a:lstStyle/>
+          <a:p>
+            <a:pPr marL="0" lvl="0" indent="0" algn="l" rtl="0">
+              <a:spcBef>
+                <a:spcPts val="0"/>
+              </a:spcBef>
+              <a:spcAft>
+                <a:spcPts val="0"/>
+              </a:spcAft>
+              <a:buNone/>
+            </a:pPr>
+            <a:r>
+              <a:rPr lang="en-GB" dirty="0"/>
+              <a:t>NodeJS - </a:t>
+            </a:r>
+            <a:r>
+              <a:rPr lang="en-GB" dirty="0" err="1"/>
+              <a:t>Ejercicios</a:t>
+            </a:r>
+            <a:endParaRPr dirty="0"/>
+          </a:p>
+        </p:txBody>
+      </p:sp>
+      <p:sp>
+        <p:nvSpPr>
+          <p:cNvPr id="108" name="Google Shape;108;p21"/>
+          <p:cNvSpPr txBox="1">
+            <a:spLocks noGrp="1"/>
+          </p:cNvSpPr>
+          <p:nvPr>
+            <p:ph type="body" idx="1"/>
+          </p:nvPr>
+        </p:nvSpPr>
+        <p:spPr>
+          <a:xfrm>
+            <a:off x="311700" y="1350000"/>
+            <a:ext cx="3682076" cy="3219000"/>
+          </a:xfrm>
+          <a:prstGeom prst="rect">
+            <a:avLst/>
+          </a:prstGeom>
+        </p:spPr>
+        <p:txBody>
+          <a:bodyPr spcFirstLastPara="1" wrap="square" lIns="91425" tIns="91425" rIns="91425" bIns="91425" anchor="t" anchorCtr="0">
+            <a:normAutofit/>
+          </a:bodyPr>
+          <a:lstStyle/>
+          <a:p>
+            <a:pPr marL="171450" indent="-171450">
+              <a:spcAft>
+                <a:spcPts val="1200"/>
+              </a:spcAft>
+            </a:pPr>
+            <a:r>
+              <a:rPr lang="es-ES" dirty="0"/>
+              <a:t>Obtener listado completo de productos.</a:t>
+            </a:r>
+          </a:p>
+          <a:p>
+            <a:pPr marL="171450" indent="-171450">
+              <a:spcAft>
+                <a:spcPts val="1200"/>
+              </a:spcAft>
+            </a:pPr>
+            <a:r>
+              <a:rPr lang="es-ES" dirty="0"/>
+              <a:t>Obtener un producto a partir de su ID</a:t>
+            </a:r>
+          </a:p>
+          <a:p>
+            <a:pPr marL="171450" indent="-171450">
+              <a:spcAft>
+                <a:spcPts val="1200"/>
+              </a:spcAft>
+            </a:pPr>
+            <a:r>
+              <a:rPr lang="es-ES" dirty="0"/>
+              <a:t>Registro de usuario</a:t>
+            </a:r>
+          </a:p>
+          <a:p>
+            <a:pPr marL="171450" indent="-171450">
+              <a:spcAft>
+                <a:spcPts val="1200"/>
+              </a:spcAft>
+            </a:pPr>
+            <a:r>
+              <a:rPr lang="es-ES" dirty="0" err="1"/>
+              <a:t>Login</a:t>
+            </a:r>
+            <a:r>
+              <a:rPr lang="es-ES" dirty="0"/>
+              <a:t> de usuario con email y </a:t>
+            </a:r>
+            <a:r>
+              <a:rPr lang="es-ES" dirty="0" err="1"/>
+              <a:t>password</a:t>
+            </a:r>
+            <a:endParaRPr lang="es-ES" dirty="0"/>
+          </a:p>
+          <a:p>
+            <a:pPr marL="171450" indent="-171450">
+              <a:spcAft>
+                <a:spcPts val="1200"/>
+              </a:spcAft>
+            </a:pPr>
+            <a:r>
+              <a:rPr lang="es-ES" dirty="0"/>
+              <a:t>Realizar una compra</a:t>
+            </a:r>
+          </a:p>
+        </p:txBody>
+      </p:sp>
+      <p:pic>
+        <p:nvPicPr>
+          <p:cNvPr id="109" name="Google Shape;109;p21"/>
+          <p:cNvPicPr preferRelativeResize="0">
+            <a:picLocks noGrp="1"/>
+          </p:cNvPicPr>
+          <p:nvPr>
+            <p:ph type="pic" idx="3"/>
+          </p:nvPr>
+        </p:nvPicPr>
+        <p:blipFill rotWithShape="1">
+          <a:blip r:embed="rId3">
+            <a:alphaModFix/>
+          </a:blip>
+          <a:srcRect l="26854" r="26859"/>
+          <a:stretch/>
+        </p:blipFill>
+        <p:spPr>
+          <a:xfrm>
+            <a:off x="6737750" y="-75550"/>
+            <a:ext cx="2450700" cy="5294700"/>
+          </a:xfrm>
+          <a:prstGeom prst="rect">
+            <a:avLst/>
+          </a:prstGeom>
+        </p:spPr>
+      </p:pic>
+      <p:pic>
+        <p:nvPicPr>
+          <p:cNvPr id="110" name="Google Shape;110;p21"/>
+          <p:cNvPicPr preferRelativeResize="0">
+            <a:picLocks noGrp="1"/>
+          </p:cNvPicPr>
+          <p:nvPr>
+            <p:ph type="pic" idx="4"/>
+          </p:nvPr>
+        </p:nvPicPr>
+        <p:blipFill rotWithShape="1">
+          <a:blip r:embed="rId4">
+            <a:alphaModFix/>
+          </a:blip>
+          <a:srcRect l="36980" r="36983"/>
+          <a:stretch/>
+        </p:blipFill>
+        <p:spPr>
+          <a:xfrm>
+            <a:off x="4287050" y="-75550"/>
+            <a:ext cx="2450701" cy="5294699"/>
+          </a:xfrm>
+          <a:prstGeom prst="rect">
+            <a:avLst/>
+          </a:prstGeom>
+        </p:spPr>
+      </p:pic>
+      <p:pic>
+        <p:nvPicPr>
+          <p:cNvPr id="111" name="Google Shape;111;p21"/>
+          <p:cNvPicPr preferRelativeResize="0"/>
+          <p:nvPr/>
+        </p:nvPicPr>
+        <p:blipFill>
+          <a:blip r:embed="rId5">
+            <a:alphaModFix/>
+          </a:blip>
+          <a:stretch>
+            <a:fillRect/>
+          </a:stretch>
+        </p:blipFill>
+        <p:spPr>
+          <a:xfrm>
+            <a:off x="7777826" y="399725"/>
+            <a:ext cx="1054474" cy="271899"/>
+          </a:xfrm>
+          <a:prstGeom prst="rect">
+            <a:avLst/>
+          </a:prstGeom>
+          <a:noFill/>
+          <a:ln>
+            <a:noFill/>
+          </a:ln>
+        </p:spPr>
+      </p:pic>
+    </p:spTree>
+    <p:extLst>
+      <p:ext uri="{BB962C8B-B14F-4D97-AF65-F5344CB8AC3E}">
+        <p14:creationId xmlns:p14="http://schemas.microsoft.com/office/powerpoint/2010/main" val="2702222491"/>
+      </p:ext>
+    </p:extLst>
+  </p:cSld>
+  <p:clrMapOvr>
+    <a:masterClrMapping/>
+  </p:clrMapOvr>
+</p:sld>
+</file>
+
+<file path=ppt/slides/slide19.xml><?xml version="1.0" encoding="utf-8"?>
+<p:sld xmlns:a="http://schemas.openxmlformats.org/drawingml/2006/main" xmlns:r="http://schemas.openxmlformats.org/officeDocument/2006/relationships" xmlns:p="http://schemas.openxmlformats.org/presentationml/2006/main">
+  <p:cSld>
+    <p:spTree>
+      <p:nvGrpSpPr>
+        <p:cNvPr id="1" name="Shape 80"/>
+        <p:cNvGrpSpPr/>
+        <p:nvPr/>
+      </p:nvGrpSpPr>
+      <p:grpSpPr>
+        <a:xfrm>
+          <a:off x="0" y="0"/>
+          <a:ext cx="0" cy="0"/>
+          <a:chOff x="0" y="0"/>
+          <a:chExt cx="0" cy="0"/>
+        </a:xfrm>
+      </p:grpSpPr>
+      <p:pic>
+        <p:nvPicPr>
+          <p:cNvPr id="81" name="Google Shape;81;p17"/>
+          <p:cNvPicPr preferRelativeResize="0">
+            <a:picLocks noGrp="1"/>
+          </p:cNvPicPr>
+          <p:nvPr>
+            <p:ph type="pic" idx="2"/>
+          </p:nvPr>
+        </p:nvPicPr>
+        <p:blipFill rotWithShape="1">
+          <a:blip r:embed="rId3">
+            <a:alphaModFix/>
+          </a:blip>
+          <a:srcRect l="34572" r="34569"/>
+          <a:stretch/>
+        </p:blipFill>
+        <p:spPr>
+          <a:xfrm>
+            <a:off x="6737750" y="-75550"/>
+            <a:ext cx="2450700" cy="5294699"/>
+          </a:xfrm>
+          <a:prstGeom prst="rect">
+            <a:avLst/>
+          </a:prstGeom>
+        </p:spPr>
+      </p:pic>
+      <p:sp>
+        <p:nvSpPr>
+          <p:cNvPr id="82" name="Google Shape;82;p17"/>
+          <p:cNvSpPr txBox="1">
+            <a:spLocks noGrp="1"/>
+          </p:cNvSpPr>
+          <p:nvPr>
+            <p:ph type="title"/>
+          </p:nvPr>
+        </p:nvSpPr>
+        <p:spPr>
+          <a:xfrm>
+            <a:off x="484095" y="208429"/>
+            <a:ext cx="5997388" cy="720000"/>
+          </a:xfrm>
+          <a:prstGeom prst="rect">
+            <a:avLst/>
+          </a:prstGeom>
+        </p:spPr>
+        <p:txBody>
+          <a:bodyPr spcFirstLastPara="1" wrap="square" lIns="91425" tIns="91425" rIns="91425" bIns="91425" anchor="t" anchorCtr="0">
+            <a:normAutofit/>
+          </a:bodyPr>
+          <a:lstStyle/>
+          <a:p>
+            <a:pPr marL="0" lvl="0" indent="0" algn="l" rtl="0">
+              <a:spcBef>
+                <a:spcPts val="0"/>
+              </a:spcBef>
+              <a:spcAft>
+                <a:spcPts val="0"/>
+              </a:spcAft>
+              <a:buClr>
+                <a:schemeClr val="dk1"/>
+              </a:buClr>
+              <a:buSzPct val="39285"/>
+              <a:buFont typeface="Arial"/>
+              <a:buNone/>
+            </a:pPr>
+            <a:r>
+              <a:rPr lang="en-GB" dirty="0"/>
+              <a:t>JavaScript – </a:t>
+            </a:r>
+            <a:r>
+              <a:rPr lang="en-GB" dirty="0" err="1"/>
+              <a:t>Callbacks</a:t>
+            </a:r>
+            <a:endParaRPr dirty="0"/>
+          </a:p>
+          <a:p>
+            <a:pPr marL="0" lvl="0" indent="0" algn="l" rtl="0">
+              <a:spcBef>
+                <a:spcPts val="0"/>
+              </a:spcBef>
+              <a:spcAft>
+                <a:spcPts val="0"/>
+              </a:spcAft>
+              <a:buClr>
+                <a:schemeClr val="dk1"/>
+              </a:buClr>
+              <a:buSzPct val="39285"/>
+              <a:buFont typeface="Arial"/>
+              <a:buNone/>
+            </a:pPr>
+            <a:endParaRPr dirty="0"/>
+          </a:p>
+          <a:p>
+            <a:pPr marL="0" lvl="0" indent="0" algn="l" rtl="0">
+              <a:spcBef>
+                <a:spcPts val="0"/>
+              </a:spcBef>
+              <a:spcAft>
+                <a:spcPts val="0"/>
+              </a:spcAft>
+              <a:buNone/>
+            </a:pPr>
+            <a:endParaRPr dirty="0"/>
+          </a:p>
+        </p:txBody>
+      </p:sp>
+      <p:sp>
+        <p:nvSpPr>
+          <p:cNvPr id="83" name="Google Shape;83;p17"/>
+          <p:cNvSpPr txBox="1">
+            <a:spLocks noGrp="1"/>
+          </p:cNvSpPr>
+          <p:nvPr>
+            <p:ph type="body" idx="1"/>
+          </p:nvPr>
+        </p:nvSpPr>
+        <p:spPr>
+          <a:xfrm>
+            <a:off x="345317" y="928429"/>
+            <a:ext cx="5497429" cy="4006642"/>
+          </a:xfrm>
+          <a:prstGeom prst="rect">
+            <a:avLst/>
+          </a:prstGeom>
+        </p:spPr>
+        <p:txBody>
+          <a:bodyPr spcFirstLastPara="1" wrap="square" lIns="91425" tIns="91425" rIns="91425" bIns="91425" anchor="t" anchorCtr="0">
+            <a:normAutofit/>
+          </a:bodyPr>
+          <a:lstStyle/>
+          <a:p>
+            <a:pPr marL="0" indent="0">
+              <a:buNone/>
+            </a:pPr>
+            <a:r>
+              <a:rPr lang="es-ES" sz="1600" i="1" dirty="0" err="1"/>
+              <a:t>function</a:t>
+            </a:r>
+            <a:r>
+              <a:rPr lang="es-ES" sz="1600" i="1" dirty="0"/>
+              <a:t> </a:t>
+            </a:r>
+            <a:r>
+              <a:rPr lang="es-ES" sz="1600" i="1" dirty="0" err="1"/>
+              <a:t>myDisplayer</a:t>
+            </a:r>
+            <a:r>
+              <a:rPr lang="es-ES" sz="1600" i="1" dirty="0"/>
+              <a:t>(</a:t>
+            </a:r>
+            <a:r>
+              <a:rPr lang="es-ES" sz="1600" i="1" dirty="0" err="1"/>
+              <a:t>some</a:t>
+            </a:r>
+            <a:r>
+              <a:rPr lang="es-ES" sz="1600" i="1" dirty="0"/>
+              <a:t>) {</a:t>
+            </a:r>
+          </a:p>
+          <a:p>
+            <a:pPr marL="0" indent="0">
+              <a:buNone/>
+            </a:pPr>
+            <a:r>
+              <a:rPr lang="es-ES" sz="1600" i="1" dirty="0" err="1"/>
+              <a:t>document.getElementById</a:t>
+            </a:r>
+            <a:r>
+              <a:rPr lang="es-ES" sz="1600" i="1" dirty="0"/>
+              <a:t>("demo").</a:t>
+            </a:r>
+            <a:r>
+              <a:rPr lang="es-ES" sz="1600" i="1" dirty="0" err="1"/>
+              <a:t>innerHTML</a:t>
+            </a:r>
+            <a:r>
+              <a:rPr lang="es-ES" sz="1600" i="1" dirty="0"/>
+              <a:t> = </a:t>
+            </a:r>
+            <a:r>
+              <a:rPr lang="es-ES" sz="1600" i="1" dirty="0" err="1"/>
+              <a:t>some</a:t>
+            </a:r>
+            <a:r>
+              <a:rPr lang="es-ES" sz="1600" i="1" dirty="0"/>
+              <a:t>;</a:t>
+            </a:r>
+          </a:p>
+          <a:p>
+            <a:pPr marL="0" indent="0">
+              <a:buNone/>
+            </a:pPr>
+            <a:r>
+              <a:rPr lang="es-ES" sz="1600" i="1" dirty="0"/>
+              <a:t>}</a:t>
+            </a:r>
+          </a:p>
+          <a:p>
+            <a:pPr marL="0" indent="0">
+              <a:buNone/>
+            </a:pPr>
+            <a:endParaRPr lang="es-ES" sz="1600" i="1" dirty="0"/>
+          </a:p>
+          <a:p>
+            <a:pPr marL="0" indent="0">
+              <a:buNone/>
+            </a:pPr>
+            <a:r>
+              <a:rPr lang="es-ES" sz="1600" i="1" dirty="0" err="1"/>
+              <a:t>function</a:t>
+            </a:r>
+            <a:r>
+              <a:rPr lang="es-ES" sz="1600" i="1" dirty="0"/>
+              <a:t> </a:t>
+            </a:r>
+            <a:r>
+              <a:rPr lang="es-ES" sz="1600" i="1" dirty="0" err="1"/>
+              <a:t>myCalculator</a:t>
+            </a:r>
+            <a:r>
+              <a:rPr lang="es-ES" sz="1600" i="1" dirty="0"/>
+              <a:t>(num1, num2, </a:t>
+            </a:r>
+            <a:r>
+              <a:rPr lang="es-ES" sz="1600" i="1" dirty="0" err="1"/>
+              <a:t>myCallback</a:t>
+            </a:r>
+            <a:r>
+              <a:rPr lang="es-ES" sz="1600" i="1" dirty="0"/>
+              <a:t>) {</a:t>
+            </a:r>
+          </a:p>
+          <a:p>
+            <a:pPr marL="0" indent="0">
+              <a:buNone/>
+            </a:pPr>
+            <a:r>
+              <a:rPr lang="es-ES" sz="1600" i="1" dirty="0"/>
+              <a:t>  </a:t>
+            </a:r>
+            <a:r>
+              <a:rPr lang="es-ES" sz="1600" i="1" dirty="0" err="1"/>
+              <a:t>let</a:t>
+            </a:r>
+            <a:r>
+              <a:rPr lang="es-ES" sz="1600" i="1" dirty="0"/>
+              <a:t> sum = num1 + num2;</a:t>
+            </a:r>
+          </a:p>
+          <a:p>
+            <a:pPr marL="0" indent="0">
+              <a:buNone/>
+            </a:pPr>
+            <a:r>
+              <a:rPr lang="es-ES" sz="1600" i="1" dirty="0"/>
+              <a:t>  </a:t>
+            </a:r>
+            <a:r>
+              <a:rPr lang="es-ES" sz="1600" i="1" dirty="0" err="1"/>
+              <a:t>myCallback</a:t>
+            </a:r>
+            <a:r>
+              <a:rPr lang="es-ES" sz="1600" i="1" dirty="0"/>
+              <a:t>(sum);</a:t>
+            </a:r>
+          </a:p>
+          <a:p>
+            <a:pPr marL="0" indent="0">
+              <a:buNone/>
+            </a:pPr>
+            <a:r>
+              <a:rPr lang="es-ES" sz="1600" i="1" dirty="0"/>
+              <a:t>}</a:t>
+            </a:r>
+          </a:p>
+          <a:p>
+            <a:pPr marL="0" indent="0">
+              <a:buNone/>
+            </a:pPr>
+            <a:endParaRPr lang="es-ES" sz="1600" i="1" dirty="0"/>
+          </a:p>
+          <a:p>
+            <a:pPr marL="0" indent="0">
+              <a:buNone/>
+            </a:pPr>
+            <a:r>
+              <a:rPr lang="es-ES" sz="1600" i="1" dirty="0" err="1"/>
+              <a:t>myCalculator</a:t>
+            </a:r>
+            <a:r>
+              <a:rPr lang="es-ES" sz="1600" i="1" dirty="0"/>
+              <a:t>(5, 5, </a:t>
+            </a:r>
+            <a:r>
+              <a:rPr lang="es-ES" sz="1600" i="1" dirty="0" err="1"/>
+              <a:t>myDisplayer</a:t>
+            </a:r>
+            <a:r>
+              <a:rPr lang="es-ES" sz="1600" i="1" dirty="0"/>
+              <a:t>);</a:t>
+            </a:r>
+          </a:p>
+          <a:p>
+            <a:pPr marL="0" indent="0">
+              <a:buNone/>
+            </a:pPr>
+            <a:endParaRPr lang="es-ES" dirty="0"/>
+          </a:p>
+          <a:p>
+            <a:pPr marL="0" indent="0">
+              <a:buNone/>
+            </a:pPr>
+            <a:r>
+              <a:rPr lang="es-ES" dirty="0"/>
+              <a:t>- Modificar la parte de MySQL usando </a:t>
+            </a:r>
+            <a:r>
+              <a:rPr lang="es-ES" dirty="0" err="1"/>
+              <a:t>callbacks</a:t>
+            </a:r>
+            <a:endParaRPr lang="es-ES" dirty="0"/>
+          </a:p>
+        </p:txBody>
+      </p:sp>
+      <p:pic>
+        <p:nvPicPr>
+          <p:cNvPr id="84" name="Google Shape;84;p17"/>
+          <p:cNvPicPr preferRelativeResize="0"/>
+          <p:nvPr/>
+        </p:nvPicPr>
+        <p:blipFill>
+          <a:blip r:embed="rId4">
+            <a:alphaModFix/>
+          </a:blip>
+          <a:stretch>
+            <a:fillRect/>
+          </a:stretch>
+        </p:blipFill>
+        <p:spPr>
+          <a:xfrm>
+            <a:off x="7777826" y="399725"/>
+            <a:ext cx="1054474" cy="271899"/>
+          </a:xfrm>
+          <a:prstGeom prst="rect">
+            <a:avLst/>
+          </a:prstGeom>
+          <a:noFill/>
+          <a:ln>
+            <a:noFill/>
+          </a:ln>
+        </p:spPr>
+      </p:pic>
+    </p:spTree>
+    <p:extLst>
+      <p:ext uri="{BB962C8B-B14F-4D97-AF65-F5344CB8AC3E}">
+        <p14:creationId xmlns:p14="http://schemas.microsoft.com/office/powerpoint/2010/main" val="1019633060"/>
+      </p:ext>
+    </p:extLst>
+  </p:cSld>
+  <p:clrMapOvr>
+    <a:masterClrMapping/>
+  </p:clrMapOvr>
+</p:sld>
+</file>
+
 <file path=ppt/slides/slide2.xml><?xml version="1.0" encoding="utf-8"?>
 <p:sld xmlns:a="http://schemas.openxmlformats.org/drawingml/2006/main" xmlns:r="http://schemas.openxmlformats.org/officeDocument/2006/relationships" xmlns:p="http://schemas.openxmlformats.org/presentationml/2006/main">
   <p:cSld>
@@ -7037,6 +12690,2485 @@
         </p:txBody>
       </p:sp>
     </p:spTree>
+  </p:cSld>
+  <p:clrMapOvr>
+    <a:masterClrMapping/>
+  </p:clrMapOvr>
+</p:sld>
+</file>
+
+<file path=ppt/slides/slide20.xml><?xml version="1.0" encoding="utf-8"?>
+<p:sld xmlns:a="http://schemas.openxmlformats.org/drawingml/2006/main" xmlns:r="http://schemas.openxmlformats.org/officeDocument/2006/relationships" xmlns:p="http://schemas.openxmlformats.org/presentationml/2006/main">
+  <p:cSld>
+    <p:spTree>
+      <p:nvGrpSpPr>
+        <p:cNvPr id="1" name="Shape 80"/>
+        <p:cNvGrpSpPr/>
+        <p:nvPr/>
+      </p:nvGrpSpPr>
+      <p:grpSpPr>
+        <a:xfrm>
+          <a:off x="0" y="0"/>
+          <a:ext cx="0" cy="0"/>
+          <a:chOff x="0" y="0"/>
+          <a:chExt cx="0" cy="0"/>
+        </a:xfrm>
+      </p:grpSpPr>
+      <p:pic>
+        <p:nvPicPr>
+          <p:cNvPr id="81" name="Google Shape;81;p17"/>
+          <p:cNvPicPr preferRelativeResize="0">
+            <a:picLocks noGrp="1"/>
+          </p:cNvPicPr>
+          <p:nvPr>
+            <p:ph type="pic" idx="2"/>
+          </p:nvPr>
+        </p:nvPicPr>
+        <p:blipFill rotWithShape="1">
+          <a:blip r:embed="rId3">
+            <a:alphaModFix/>
+          </a:blip>
+          <a:srcRect l="34572" r="34569"/>
+          <a:stretch/>
+        </p:blipFill>
+        <p:spPr>
+          <a:xfrm>
+            <a:off x="6737750" y="-75550"/>
+            <a:ext cx="2450700" cy="5294699"/>
+          </a:xfrm>
+          <a:prstGeom prst="rect">
+            <a:avLst/>
+          </a:prstGeom>
+        </p:spPr>
+      </p:pic>
+      <p:sp>
+        <p:nvSpPr>
+          <p:cNvPr id="82" name="Google Shape;82;p17"/>
+          <p:cNvSpPr txBox="1">
+            <a:spLocks noGrp="1"/>
+          </p:cNvSpPr>
+          <p:nvPr>
+            <p:ph type="title"/>
+          </p:nvPr>
+        </p:nvSpPr>
+        <p:spPr>
+          <a:xfrm>
+            <a:off x="484095" y="208429"/>
+            <a:ext cx="5997388" cy="720000"/>
+          </a:xfrm>
+          <a:prstGeom prst="rect">
+            <a:avLst/>
+          </a:prstGeom>
+        </p:spPr>
+        <p:txBody>
+          <a:bodyPr spcFirstLastPara="1" wrap="square" lIns="91425" tIns="91425" rIns="91425" bIns="91425" anchor="t" anchorCtr="0">
+            <a:normAutofit/>
+          </a:bodyPr>
+          <a:lstStyle/>
+          <a:p>
+            <a:pPr marL="0" lvl="0" indent="0" algn="l" rtl="0">
+              <a:spcBef>
+                <a:spcPts val="0"/>
+              </a:spcBef>
+              <a:spcAft>
+                <a:spcPts val="0"/>
+              </a:spcAft>
+              <a:buClr>
+                <a:schemeClr val="dk1"/>
+              </a:buClr>
+              <a:buSzPct val="39285"/>
+              <a:buFont typeface="Arial"/>
+              <a:buNone/>
+            </a:pPr>
+            <a:r>
+              <a:rPr lang="en-GB" dirty="0"/>
+              <a:t>JavaScript – </a:t>
+            </a:r>
+            <a:r>
+              <a:rPr lang="en-GB" dirty="0" err="1"/>
+              <a:t>Promesas</a:t>
+            </a:r>
+            <a:endParaRPr dirty="0"/>
+          </a:p>
+          <a:p>
+            <a:pPr marL="0" lvl="0" indent="0" algn="l" rtl="0">
+              <a:spcBef>
+                <a:spcPts val="0"/>
+              </a:spcBef>
+              <a:spcAft>
+                <a:spcPts val="0"/>
+              </a:spcAft>
+              <a:buClr>
+                <a:schemeClr val="dk1"/>
+              </a:buClr>
+              <a:buSzPct val="39285"/>
+              <a:buFont typeface="Arial"/>
+              <a:buNone/>
+            </a:pPr>
+            <a:endParaRPr dirty="0"/>
+          </a:p>
+          <a:p>
+            <a:pPr marL="0" lvl="0" indent="0" algn="l" rtl="0">
+              <a:spcBef>
+                <a:spcPts val="0"/>
+              </a:spcBef>
+              <a:spcAft>
+                <a:spcPts val="0"/>
+              </a:spcAft>
+              <a:buNone/>
+            </a:pPr>
+            <a:endParaRPr dirty="0"/>
+          </a:p>
+        </p:txBody>
+      </p:sp>
+      <p:sp>
+        <p:nvSpPr>
+          <p:cNvPr id="83" name="Google Shape;83;p17"/>
+          <p:cNvSpPr txBox="1">
+            <a:spLocks noGrp="1"/>
+          </p:cNvSpPr>
+          <p:nvPr>
+            <p:ph type="body" idx="1"/>
+          </p:nvPr>
+        </p:nvSpPr>
+        <p:spPr>
+          <a:xfrm>
+            <a:off x="345317" y="928429"/>
+            <a:ext cx="5497429" cy="4006642"/>
+          </a:xfrm>
+          <a:prstGeom prst="rect">
+            <a:avLst/>
+          </a:prstGeom>
+        </p:spPr>
+        <p:txBody>
+          <a:bodyPr spcFirstLastPara="1" wrap="square" lIns="91425" tIns="91425" rIns="91425" bIns="91425" anchor="t" anchorCtr="0">
+            <a:normAutofit fontScale="92500" lnSpcReduction="10000"/>
+          </a:bodyPr>
+          <a:lstStyle/>
+          <a:p>
+            <a:pPr marL="285750" indent="-285750"/>
+            <a:r>
+              <a:rPr lang="es-ES" dirty="0"/>
+              <a:t>Nos da control sobre operaciones asíncronas</a:t>
+            </a:r>
+          </a:p>
+          <a:p>
+            <a:pPr marL="285750" indent="-285750"/>
+            <a:r>
+              <a:rPr lang="es-ES" dirty="0"/>
+              <a:t>Llamadas a API suelen ser asíncronas</a:t>
+            </a:r>
+          </a:p>
+          <a:p>
+            <a:pPr marL="285750" indent="-285750"/>
+            <a:r>
+              <a:rPr lang="es-ES" dirty="0"/>
+              <a:t>Tratamiento de </a:t>
+            </a:r>
+            <a:r>
+              <a:rPr lang="es-ES" dirty="0" err="1"/>
+              <a:t>arrays</a:t>
+            </a:r>
+            <a:r>
+              <a:rPr lang="es-ES" dirty="0"/>
+              <a:t> o listas largas mejor </a:t>
+            </a:r>
+            <a:r>
+              <a:rPr lang="es-ES" dirty="0" err="1"/>
+              <a:t>asincronas</a:t>
+            </a:r>
+            <a:r>
+              <a:rPr lang="es-ES" dirty="0"/>
+              <a:t> </a:t>
+            </a:r>
+          </a:p>
+          <a:p>
+            <a:pPr marL="0" indent="0">
+              <a:buNone/>
+            </a:pPr>
+            <a:endParaRPr lang="es-ES" dirty="0"/>
+          </a:p>
+          <a:p>
+            <a:pPr marL="0" indent="0">
+              <a:buNone/>
+            </a:pPr>
+            <a:r>
+              <a:rPr lang="es-ES" dirty="0" err="1"/>
+              <a:t>let</a:t>
+            </a:r>
+            <a:r>
+              <a:rPr lang="es-ES" dirty="0"/>
+              <a:t> p = new </a:t>
+            </a:r>
+            <a:r>
+              <a:rPr lang="es-ES" dirty="0" err="1"/>
+              <a:t>Promise</a:t>
+            </a:r>
+            <a:r>
+              <a:rPr lang="es-ES" dirty="0"/>
+              <a:t>(</a:t>
+            </a:r>
+            <a:r>
+              <a:rPr lang="es-ES" dirty="0" err="1"/>
+              <a:t>function</a:t>
+            </a:r>
+            <a:r>
+              <a:rPr lang="es-ES" dirty="0"/>
+              <a:t>(</a:t>
+            </a:r>
+            <a:r>
+              <a:rPr lang="es-ES" dirty="0" err="1"/>
+              <a:t>resolve</a:t>
+            </a:r>
+            <a:r>
+              <a:rPr lang="es-ES" dirty="0"/>
+              <a:t>, </a:t>
+            </a:r>
+            <a:r>
+              <a:rPr lang="es-ES" dirty="0" err="1"/>
+              <a:t>reject</a:t>
+            </a:r>
+            <a:r>
+              <a:rPr lang="es-ES" dirty="0"/>
+              <a:t>){</a:t>
+            </a:r>
+          </a:p>
+          <a:p>
+            <a:pPr marL="0" indent="0">
+              <a:buNone/>
+            </a:pPr>
+            <a:r>
+              <a:rPr lang="es-ES" dirty="0"/>
+              <a:t>    // hacer un trabajo largo</a:t>
+            </a:r>
+          </a:p>
+          <a:p>
+            <a:pPr marL="0" indent="0">
+              <a:buNone/>
+            </a:pPr>
+            <a:r>
+              <a:rPr lang="es-ES" dirty="0"/>
+              <a:t>    </a:t>
+            </a:r>
+            <a:r>
+              <a:rPr lang="es-ES" dirty="0" err="1"/>
+              <a:t>if</a:t>
+            </a:r>
+            <a:r>
+              <a:rPr lang="es-ES" dirty="0"/>
+              <a:t> (ok) { </a:t>
+            </a:r>
+          </a:p>
+          <a:p>
+            <a:pPr marL="0" indent="0">
+              <a:buNone/>
+            </a:pPr>
+            <a:r>
+              <a:rPr lang="es-ES" dirty="0"/>
+              <a:t>        </a:t>
+            </a:r>
+            <a:r>
+              <a:rPr lang="es-ES" dirty="0" err="1"/>
+              <a:t>resolve</a:t>
+            </a:r>
+            <a:r>
+              <a:rPr lang="es-ES" dirty="0"/>
+              <a:t>(‘Trabajo completado’);</a:t>
+            </a:r>
+          </a:p>
+          <a:p>
+            <a:pPr marL="0" indent="0">
+              <a:buNone/>
+            </a:pPr>
+            <a:r>
+              <a:rPr lang="es-ES" dirty="0"/>
+              <a:t>    } </a:t>
+            </a:r>
+            <a:r>
+              <a:rPr lang="es-ES" dirty="0" err="1"/>
+              <a:t>else</a:t>
+            </a:r>
+            <a:r>
+              <a:rPr lang="es-ES" dirty="0"/>
+              <a:t> {</a:t>
+            </a:r>
+          </a:p>
+          <a:p>
+            <a:pPr marL="0" indent="0">
+              <a:buNone/>
+            </a:pPr>
+            <a:r>
+              <a:rPr lang="es-ES" dirty="0"/>
+              <a:t>        </a:t>
+            </a:r>
+            <a:r>
+              <a:rPr lang="es-ES" dirty="0" err="1"/>
+              <a:t>reject</a:t>
+            </a:r>
+            <a:r>
+              <a:rPr lang="es-ES" dirty="0"/>
+              <a:t>('ERROR , no se pudo realizar la tarea’);</a:t>
+            </a:r>
+          </a:p>
+          <a:p>
+            <a:pPr marL="0" indent="0">
+              <a:buNone/>
+            </a:pPr>
+            <a:r>
+              <a:rPr lang="es-ES" dirty="0"/>
+              <a:t>    }</a:t>
+            </a:r>
+          </a:p>
+          <a:p>
+            <a:pPr marL="0" indent="0">
+              <a:buNone/>
+            </a:pPr>
+            <a:r>
+              <a:rPr lang="es-ES" dirty="0"/>
+              <a:t>});</a:t>
+            </a:r>
+          </a:p>
+          <a:p>
+            <a:pPr marL="0" indent="0">
+              <a:buNone/>
+            </a:pPr>
+            <a:endParaRPr lang="es-ES" dirty="0"/>
+          </a:p>
+        </p:txBody>
+      </p:sp>
+      <p:pic>
+        <p:nvPicPr>
+          <p:cNvPr id="84" name="Google Shape;84;p17"/>
+          <p:cNvPicPr preferRelativeResize="0"/>
+          <p:nvPr/>
+        </p:nvPicPr>
+        <p:blipFill>
+          <a:blip r:embed="rId4">
+            <a:alphaModFix/>
+          </a:blip>
+          <a:stretch>
+            <a:fillRect/>
+          </a:stretch>
+        </p:blipFill>
+        <p:spPr>
+          <a:xfrm>
+            <a:off x="7777826" y="399725"/>
+            <a:ext cx="1054474" cy="271899"/>
+          </a:xfrm>
+          <a:prstGeom prst="rect">
+            <a:avLst/>
+          </a:prstGeom>
+          <a:noFill/>
+          <a:ln>
+            <a:noFill/>
+          </a:ln>
+        </p:spPr>
+      </p:pic>
+    </p:spTree>
+    <p:extLst>
+      <p:ext uri="{BB962C8B-B14F-4D97-AF65-F5344CB8AC3E}">
+        <p14:creationId xmlns:p14="http://schemas.microsoft.com/office/powerpoint/2010/main" val="1375761317"/>
+      </p:ext>
+    </p:extLst>
+  </p:cSld>
+  <p:clrMapOvr>
+    <a:masterClrMapping/>
+  </p:clrMapOvr>
+</p:sld>
+</file>
+
+<file path=ppt/slides/slide21.xml><?xml version="1.0" encoding="utf-8"?>
+<p:sld xmlns:a="http://schemas.openxmlformats.org/drawingml/2006/main" xmlns:r="http://schemas.openxmlformats.org/officeDocument/2006/relationships" xmlns:p="http://schemas.openxmlformats.org/presentationml/2006/main">
+  <p:cSld>
+    <p:spTree>
+      <p:nvGrpSpPr>
+        <p:cNvPr id="1" name="Shape 68"/>
+        <p:cNvGrpSpPr/>
+        <p:nvPr/>
+      </p:nvGrpSpPr>
+      <p:grpSpPr>
+        <a:xfrm>
+          <a:off x="0" y="0"/>
+          <a:ext cx="0" cy="0"/>
+          <a:chOff x="0" y="0"/>
+          <a:chExt cx="0" cy="0"/>
+        </a:xfrm>
+      </p:grpSpPr>
+      <p:sp>
+        <p:nvSpPr>
+          <p:cNvPr id="70" name="Google Shape;70;p15"/>
+          <p:cNvSpPr txBox="1">
+            <a:spLocks noGrp="1"/>
+          </p:cNvSpPr>
+          <p:nvPr>
+            <p:ph type="body" idx="1"/>
+          </p:nvPr>
+        </p:nvSpPr>
+        <p:spPr>
+          <a:xfrm>
+            <a:off x="311700" y="981635"/>
+            <a:ext cx="3999900" cy="4007224"/>
+          </a:xfrm>
+          <a:prstGeom prst="rect">
+            <a:avLst/>
+          </a:prstGeom>
+        </p:spPr>
+        <p:txBody>
+          <a:bodyPr spcFirstLastPara="1" wrap="square" lIns="91425" tIns="91425" rIns="91425" bIns="91425" anchor="t" anchorCtr="0">
+            <a:normAutofit fontScale="77500" lnSpcReduction="20000"/>
+          </a:bodyPr>
+          <a:lstStyle/>
+          <a:p>
+            <a:pPr marL="0" indent="0">
+              <a:spcAft>
+                <a:spcPts val="1200"/>
+              </a:spcAft>
+              <a:buNone/>
+            </a:pPr>
+            <a:r>
+              <a:rPr lang="es-ES" i="1" dirty="0" err="1"/>
+              <a:t>function</a:t>
+            </a:r>
+            <a:r>
+              <a:rPr lang="es-ES" i="1" dirty="0"/>
+              <a:t> </a:t>
+            </a:r>
+            <a:r>
+              <a:rPr lang="es-ES" i="1" dirty="0" err="1"/>
+              <a:t>sumaPositivosAsync</a:t>
+            </a:r>
+            <a:r>
+              <a:rPr lang="es-ES" i="1" dirty="0"/>
+              <a:t>(a, b) {</a:t>
+            </a:r>
+          </a:p>
+          <a:p>
+            <a:pPr marL="0" indent="0">
+              <a:spcAft>
+                <a:spcPts val="1200"/>
+              </a:spcAft>
+              <a:buNone/>
+            </a:pPr>
+            <a:r>
+              <a:rPr lang="es-ES" i="1" dirty="0"/>
+              <a:t>    </a:t>
+            </a:r>
+            <a:r>
+              <a:rPr lang="es-ES" i="1" dirty="0" err="1"/>
+              <a:t>let</a:t>
+            </a:r>
+            <a:r>
+              <a:rPr lang="es-ES" i="1" dirty="0"/>
+              <a:t> p = new </a:t>
+            </a:r>
+            <a:r>
+              <a:rPr lang="es-ES" i="1" dirty="0" err="1"/>
+              <a:t>Promise</a:t>
+            </a:r>
+            <a:r>
+              <a:rPr lang="es-ES" i="1" dirty="0"/>
+              <a:t>(</a:t>
+            </a:r>
+            <a:r>
+              <a:rPr lang="es-ES" i="1" dirty="0" err="1"/>
+              <a:t>function</a:t>
+            </a:r>
+            <a:r>
+              <a:rPr lang="es-ES" i="1" dirty="0"/>
+              <a:t> (</a:t>
+            </a:r>
+            <a:r>
+              <a:rPr lang="es-ES" i="1" dirty="0" err="1"/>
+              <a:t>resolve</a:t>
+            </a:r>
+            <a:r>
+              <a:rPr lang="es-ES" i="1" dirty="0"/>
+              <a:t>, </a:t>
+            </a:r>
+            <a:r>
+              <a:rPr lang="es-ES" i="1" dirty="0" err="1"/>
+              <a:t>reject</a:t>
+            </a:r>
+            <a:r>
+              <a:rPr lang="es-ES" i="1" dirty="0"/>
+              <a:t>) {</a:t>
+            </a:r>
+          </a:p>
+          <a:p>
+            <a:pPr marL="0" indent="0">
+              <a:spcAft>
+                <a:spcPts val="1200"/>
+              </a:spcAft>
+              <a:buNone/>
+            </a:pPr>
+            <a:r>
+              <a:rPr lang="es-ES" i="1" dirty="0"/>
+              <a:t>         </a:t>
+            </a:r>
+            <a:r>
+              <a:rPr lang="es-ES" i="1" dirty="0" err="1"/>
+              <a:t>if</a:t>
+            </a:r>
+            <a:r>
+              <a:rPr lang="es-ES" i="1" dirty="0"/>
+              <a:t> (a &gt;= 0 &amp;&amp; b &gt;= 0) {</a:t>
+            </a:r>
+          </a:p>
+          <a:p>
+            <a:pPr marL="0" indent="0">
+              <a:spcAft>
+                <a:spcPts val="1200"/>
+              </a:spcAft>
+              <a:buNone/>
+            </a:pPr>
+            <a:r>
+              <a:rPr lang="es-ES" i="1" dirty="0"/>
+              <a:t>        </a:t>
+            </a:r>
+            <a:r>
+              <a:rPr lang="es-ES" i="1" dirty="0" err="1"/>
+              <a:t>resolve</a:t>
+            </a:r>
+            <a:r>
+              <a:rPr lang="es-ES" i="1" dirty="0"/>
+              <a:t>(a + b);</a:t>
+            </a:r>
+          </a:p>
+          <a:p>
+            <a:pPr marL="0" indent="0">
+              <a:spcAft>
+                <a:spcPts val="1200"/>
+              </a:spcAft>
+              <a:buNone/>
+            </a:pPr>
+            <a:r>
+              <a:rPr lang="es-ES" i="1" dirty="0"/>
+              <a:t>         } </a:t>
+            </a:r>
+            <a:r>
+              <a:rPr lang="es-ES" i="1" dirty="0" err="1"/>
+              <a:t>else</a:t>
+            </a:r>
+            <a:r>
+              <a:rPr lang="es-ES" i="1" dirty="0"/>
+              <a:t> {</a:t>
+            </a:r>
+          </a:p>
+          <a:p>
+            <a:pPr marL="0" indent="0">
+              <a:spcAft>
+                <a:spcPts val="1200"/>
+              </a:spcAft>
+              <a:buNone/>
+            </a:pPr>
+            <a:r>
+              <a:rPr lang="es-ES" i="1" dirty="0"/>
+              <a:t>            </a:t>
+            </a:r>
+            <a:r>
+              <a:rPr lang="es-ES" i="1" dirty="0" err="1"/>
+              <a:t>reject</a:t>
+            </a:r>
+            <a:r>
+              <a:rPr lang="es-ES" i="1" dirty="0"/>
+              <a:t>(‘Los </a:t>
+            </a:r>
+            <a:r>
+              <a:rPr lang="es-ES" i="1" dirty="0" err="1"/>
+              <a:t>numeros</a:t>
+            </a:r>
+            <a:r>
+              <a:rPr lang="es-ES" i="1" dirty="0"/>
+              <a:t> indicados no son positivos’) ;</a:t>
+            </a:r>
+          </a:p>
+          <a:p>
+            <a:pPr marL="0" indent="0">
+              <a:spcAft>
+                <a:spcPts val="1200"/>
+              </a:spcAft>
+              <a:buNone/>
+            </a:pPr>
+            <a:r>
+              <a:rPr lang="es-ES" i="1" dirty="0"/>
+              <a:t>         }</a:t>
+            </a:r>
+          </a:p>
+          <a:p>
+            <a:pPr marL="0" indent="0">
+              <a:spcAft>
+                <a:spcPts val="1200"/>
+              </a:spcAft>
+              <a:buNone/>
+            </a:pPr>
+            <a:r>
+              <a:rPr lang="es-ES" i="1" dirty="0"/>
+              <a:t>         </a:t>
+            </a:r>
+            <a:r>
+              <a:rPr lang="es-ES" i="1" dirty="0" err="1"/>
+              <a:t>return</a:t>
+            </a:r>
+            <a:r>
+              <a:rPr lang="es-ES" i="1" dirty="0"/>
+              <a:t> p;</a:t>
+            </a:r>
+          </a:p>
+          <a:p>
+            <a:pPr marL="0" indent="0">
+              <a:spcAft>
+                <a:spcPts val="1200"/>
+              </a:spcAft>
+              <a:buNone/>
+            </a:pPr>
+            <a:r>
+              <a:rPr lang="es-ES" i="1" dirty="0"/>
+              <a:t>   })</a:t>
+            </a:r>
+          </a:p>
+          <a:p>
+            <a:pPr marL="0" indent="0">
+              <a:spcAft>
+                <a:spcPts val="1200"/>
+              </a:spcAft>
+              <a:buNone/>
+            </a:pPr>
+            <a:r>
+              <a:rPr lang="es-ES" i="1" dirty="0"/>
+              <a:t>   </a:t>
+            </a:r>
+            <a:r>
+              <a:rPr lang="es-ES" i="1" dirty="0" err="1"/>
+              <a:t>sumaPositivosAsync</a:t>
+            </a:r>
+            <a:r>
+              <a:rPr lang="es-ES" i="1" dirty="0"/>
+              <a:t>(10, 20)</a:t>
+            </a:r>
+          </a:p>
+          <a:p>
+            <a:pPr marL="0" indent="0">
+              <a:spcAft>
+                <a:spcPts val="1200"/>
+              </a:spcAft>
+              <a:buNone/>
+            </a:pPr>
+            <a:r>
+              <a:rPr lang="es-ES" i="1" dirty="0"/>
+              <a:t>      .</a:t>
+            </a:r>
+            <a:r>
+              <a:rPr lang="es-ES" i="1" dirty="0" err="1"/>
+              <a:t>then</a:t>
+            </a:r>
+            <a:r>
+              <a:rPr lang="es-ES" i="1" dirty="0"/>
+              <a:t>(ok)</a:t>
+            </a:r>
+          </a:p>
+          <a:p>
+            <a:pPr marL="0" indent="0">
+              <a:spcAft>
+                <a:spcPts val="1200"/>
+              </a:spcAft>
+              <a:buNone/>
+            </a:pPr>
+            <a:r>
+              <a:rPr lang="es-ES" i="1" dirty="0"/>
+              <a:t>      .catch(error);</a:t>
+            </a:r>
+          </a:p>
+        </p:txBody>
+      </p:sp>
+      <p:sp>
+        <p:nvSpPr>
+          <p:cNvPr id="71" name="Google Shape;71;p15"/>
+          <p:cNvSpPr txBox="1">
+            <a:spLocks noGrp="1"/>
+          </p:cNvSpPr>
+          <p:nvPr>
+            <p:ph type="body" idx="2"/>
+          </p:nvPr>
+        </p:nvSpPr>
+        <p:spPr>
+          <a:xfrm>
+            <a:off x="4832400" y="1806175"/>
+            <a:ext cx="3999900" cy="2762700"/>
+          </a:xfrm>
+          <a:prstGeom prst="rect">
+            <a:avLst/>
+          </a:prstGeom>
+        </p:spPr>
+        <p:txBody>
+          <a:bodyPr spcFirstLastPara="1" wrap="square" lIns="91425" tIns="91425" rIns="91425" bIns="91425" anchor="t" anchorCtr="0">
+            <a:normAutofit fontScale="92500" lnSpcReduction="10000"/>
+          </a:bodyPr>
+          <a:lstStyle/>
+          <a:p>
+            <a:pPr marL="0" indent="0">
+              <a:buNone/>
+            </a:pPr>
+            <a:r>
+              <a:rPr lang="es-ES" i="1" dirty="0" err="1"/>
+              <a:t>sumaPositivosAsync</a:t>
+            </a:r>
+            <a:r>
+              <a:rPr lang="es-ES" i="1" dirty="0"/>
+              <a:t>(-10, -20)</a:t>
+            </a:r>
+          </a:p>
+          <a:p>
+            <a:pPr marL="0" indent="0">
+              <a:buNone/>
+            </a:pPr>
+            <a:r>
+              <a:rPr lang="es-ES" i="1" dirty="0"/>
+              <a:t>      .</a:t>
+            </a:r>
+            <a:r>
+              <a:rPr lang="es-ES" i="1" dirty="0" err="1"/>
+              <a:t>then</a:t>
+            </a:r>
+            <a:r>
+              <a:rPr lang="es-ES" i="1" dirty="0"/>
+              <a:t>(ok) </a:t>
+            </a:r>
+          </a:p>
+          <a:p>
+            <a:pPr marL="0" indent="0">
+              <a:buNone/>
+            </a:pPr>
+            <a:r>
+              <a:rPr lang="es-ES" i="1" dirty="0"/>
+              <a:t>      .catch(error);</a:t>
+            </a:r>
+          </a:p>
+          <a:p>
+            <a:pPr marL="0" indent="0">
+              <a:buNone/>
+            </a:pPr>
+            <a:endParaRPr lang="es-ES" i="1" dirty="0"/>
+          </a:p>
+          <a:p>
+            <a:pPr marL="0" indent="0">
+              <a:buNone/>
+            </a:pPr>
+            <a:r>
+              <a:rPr lang="es-ES" i="1" dirty="0"/>
+              <a:t>   </a:t>
+            </a:r>
+            <a:r>
+              <a:rPr lang="es-ES" i="1" dirty="0" err="1"/>
+              <a:t>function</a:t>
+            </a:r>
+            <a:r>
+              <a:rPr lang="es-ES" i="1" dirty="0"/>
+              <a:t> error(</a:t>
+            </a:r>
+            <a:r>
+              <a:rPr lang="es-ES" i="1" dirty="0" err="1"/>
+              <a:t>err</a:t>
+            </a:r>
+            <a:r>
+              <a:rPr lang="es-ES" i="1" dirty="0"/>
+              <a:t>) {</a:t>
+            </a:r>
+          </a:p>
+          <a:p>
+            <a:pPr marL="0" indent="0">
+              <a:buNone/>
+            </a:pPr>
+            <a:r>
+              <a:rPr lang="es-ES" i="1" dirty="0"/>
+              <a:t>      console.log(‘Error: ', </a:t>
+            </a:r>
+            <a:r>
+              <a:rPr lang="es-ES" i="1" dirty="0" err="1"/>
+              <a:t>err</a:t>
+            </a:r>
+            <a:r>
+              <a:rPr lang="es-ES" i="1" dirty="0"/>
+              <a:t>);</a:t>
+            </a:r>
+          </a:p>
+          <a:p>
+            <a:pPr marL="0" indent="0">
+              <a:buNone/>
+            </a:pPr>
+            <a:r>
+              <a:rPr lang="es-ES" i="1" dirty="0"/>
+              <a:t>   }</a:t>
+            </a:r>
+          </a:p>
+          <a:p>
+            <a:pPr marL="0" indent="0">
+              <a:buNone/>
+            </a:pPr>
+            <a:r>
+              <a:rPr lang="es-ES" i="1" dirty="0"/>
+              <a:t>   </a:t>
+            </a:r>
+            <a:r>
+              <a:rPr lang="es-ES" i="1" dirty="0" err="1"/>
+              <a:t>function</a:t>
+            </a:r>
+            <a:r>
+              <a:rPr lang="es-ES" i="1" dirty="0"/>
+              <a:t> ok(</a:t>
+            </a:r>
+            <a:r>
+              <a:rPr lang="es-ES" i="1" dirty="0" err="1"/>
+              <a:t>result</a:t>
+            </a:r>
+            <a:r>
+              <a:rPr lang="es-ES" i="1" dirty="0"/>
+              <a:t>) {</a:t>
+            </a:r>
+          </a:p>
+          <a:p>
+            <a:pPr marL="0" indent="0">
+              <a:buNone/>
+            </a:pPr>
+            <a:r>
+              <a:rPr lang="es-ES" i="1" dirty="0"/>
+              <a:t>      console.log(‘OK: ’, </a:t>
+            </a:r>
+            <a:r>
+              <a:rPr lang="es-ES" i="1" dirty="0" err="1"/>
+              <a:t>result</a:t>
+            </a:r>
+            <a:r>
+              <a:rPr lang="es-ES" i="1" dirty="0"/>
+              <a:t>);</a:t>
+            </a:r>
+          </a:p>
+          <a:p>
+            <a:pPr marL="0" indent="0">
+              <a:buNone/>
+            </a:pPr>
+            <a:r>
+              <a:rPr lang="es-ES" i="1" dirty="0"/>
+              <a:t>   }</a:t>
+            </a:r>
+          </a:p>
+          <a:p>
+            <a:pPr marL="0" indent="0">
+              <a:buNone/>
+            </a:pPr>
+            <a:endParaRPr lang="es-ES" i="1" dirty="0"/>
+          </a:p>
+          <a:p>
+            <a:pPr marL="0" indent="0">
+              <a:buNone/>
+            </a:pPr>
+            <a:r>
+              <a:rPr lang="es-ES" i="1" dirty="0"/>
+              <a:t>   console.log('</a:t>
+            </a:r>
+            <a:r>
+              <a:rPr lang="es-ES" i="1" dirty="0" err="1"/>
+              <a:t>end</a:t>
+            </a:r>
+            <a:r>
+              <a:rPr lang="es-ES" i="1" dirty="0"/>
+              <a:t>’);</a:t>
+            </a:r>
+          </a:p>
+          <a:p>
+            <a:pPr marL="0" indent="0">
+              <a:buNone/>
+            </a:pPr>
+            <a:endParaRPr lang="es-ES" i="1" dirty="0"/>
+          </a:p>
+        </p:txBody>
+      </p:sp>
+      <p:sp>
+        <p:nvSpPr>
+          <p:cNvPr id="5" name="Google Shape;82;p17">
+            <a:extLst>
+              <a:ext uri="{FF2B5EF4-FFF2-40B4-BE49-F238E27FC236}">
+                <a16:creationId xmlns:a16="http://schemas.microsoft.com/office/drawing/2014/main" id="{77626D82-BD96-9F95-8B8E-2CF303EE0FE9}"/>
+              </a:ext>
+            </a:extLst>
+          </p:cNvPr>
+          <p:cNvSpPr txBox="1">
+            <a:spLocks/>
+          </p:cNvSpPr>
+          <p:nvPr/>
+        </p:nvSpPr>
+        <p:spPr>
+          <a:xfrm>
+            <a:off x="390142" y="311754"/>
+            <a:ext cx="5944800" cy="720000"/>
+          </a:xfrm>
+          <a:prstGeom prst="rect">
+            <a:avLst/>
+          </a:prstGeom>
+          <a:noFill/>
+          <a:ln>
+            <a:noFill/>
+          </a:ln>
+        </p:spPr>
+        <p:txBody>
+          <a:bodyPr spcFirstLastPara="1" wrap="square" lIns="91425" tIns="91425" rIns="91425" bIns="91425" anchor="t" anchorCtr="0">
+            <a:normAutofit fontScale="97500"/>
+          </a:bodyPr>
+          <a:lstStyle>
+            <a:defPPr marR="0" lvl="0" algn="l" rtl="0">
+              <a:lnSpc>
+                <a:spcPct val="100000"/>
+              </a:lnSpc>
+              <a:spcBef>
+                <a:spcPts val="0"/>
+              </a:spcBef>
+              <a:spcAft>
+                <a:spcPts val="0"/>
+              </a:spcAft>
+            </a:defPPr>
+            <a:lvl1pPr marR="0" lvl="0" algn="l" rtl="0">
+              <a:lnSpc>
+                <a:spcPct val="100000"/>
+              </a:lnSpc>
+              <a:spcBef>
+                <a:spcPts val="0"/>
+              </a:spcBef>
+              <a:spcAft>
+                <a:spcPts val="0"/>
+              </a:spcAft>
+              <a:buClr>
+                <a:srgbClr val="2A60A9"/>
+              </a:buClr>
+              <a:buSzPts val="2800"/>
+              <a:buFont typeface="Readex Pro SemiBold"/>
+              <a:buNone/>
+              <a:defRPr sz="2800" b="0" i="0" u="none" strike="noStrike" cap="none">
+                <a:solidFill>
+                  <a:srgbClr val="2A60A9"/>
+                </a:solidFill>
+                <a:latin typeface="Readex Pro SemiBold"/>
+                <a:ea typeface="Readex Pro SemiBold"/>
+                <a:cs typeface="Readex Pro SemiBold"/>
+                <a:sym typeface="Readex Pro SemiBold"/>
+              </a:defRPr>
+            </a:lvl1pPr>
+            <a:lvl2pPr marR="0" lvl="1" algn="l" rtl="0">
+              <a:lnSpc>
+                <a:spcPct val="100000"/>
+              </a:lnSpc>
+              <a:spcBef>
+                <a:spcPts val="0"/>
+              </a:spcBef>
+              <a:spcAft>
+                <a:spcPts val="0"/>
+              </a:spcAft>
+              <a:buClr>
+                <a:schemeClr val="dk1"/>
+              </a:buClr>
+              <a:buSzPts val="2800"/>
+              <a:buFont typeface="Arial"/>
+              <a:buNone/>
+              <a:defRPr sz="2800" b="0" i="0" u="none" strike="noStrike" cap="none">
+                <a:solidFill>
+                  <a:schemeClr val="dk1"/>
+                </a:solidFill>
+                <a:latin typeface="Arial"/>
+                <a:ea typeface="Arial"/>
+                <a:cs typeface="Arial"/>
+                <a:sym typeface="Arial"/>
+              </a:defRPr>
+            </a:lvl2pPr>
+            <a:lvl3pPr marR="0" lvl="2" algn="l" rtl="0">
+              <a:lnSpc>
+                <a:spcPct val="100000"/>
+              </a:lnSpc>
+              <a:spcBef>
+                <a:spcPts val="0"/>
+              </a:spcBef>
+              <a:spcAft>
+                <a:spcPts val="0"/>
+              </a:spcAft>
+              <a:buClr>
+                <a:schemeClr val="dk1"/>
+              </a:buClr>
+              <a:buSzPts val="2800"/>
+              <a:buFont typeface="Arial"/>
+              <a:buNone/>
+              <a:defRPr sz="2800" b="0" i="0" u="none" strike="noStrike" cap="none">
+                <a:solidFill>
+                  <a:schemeClr val="dk1"/>
+                </a:solidFill>
+                <a:latin typeface="Arial"/>
+                <a:ea typeface="Arial"/>
+                <a:cs typeface="Arial"/>
+                <a:sym typeface="Arial"/>
+              </a:defRPr>
+            </a:lvl3pPr>
+            <a:lvl4pPr marR="0" lvl="3" algn="l" rtl="0">
+              <a:lnSpc>
+                <a:spcPct val="100000"/>
+              </a:lnSpc>
+              <a:spcBef>
+                <a:spcPts val="0"/>
+              </a:spcBef>
+              <a:spcAft>
+                <a:spcPts val="0"/>
+              </a:spcAft>
+              <a:buClr>
+                <a:schemeClr val="dk1"/>
+              </a:buClr>
+              <a:buSzPts val="2800"/>
+              <a:buFont typeface="Arial"/>
+              <a:buNone/>
+              <a:defRPr sz="2800" b="0" i="0" u="none" strike="noStrike" cap="none">
+                <a:solidFill>
+                  <a:schemeClr val="dk1"/>
+                </a:solidFill>
+                <a:latin typeface="Arial"/>
+                <a:ea typeface="Arial"/>
+                <a:cs typeface="Arial"/>
+                <a:sym typeface="Arial"/>
+              </a:defRPr>
+            </a:lvl4pPr>
+            <a:lvl5pPr marR="0" lvl="4" algn="l" rtl="0">
+              <a:lnSpc>
+                <a:spcPct val="100000"/>
+              </a:lnSpc>
+              <a:spcBef>
+                <a:spcPts val="0"/>
+              </a:spcBef>
+              <a:spcAft>
+                <a:spcPts val="0"/>
+              </a:spcAft>
+              <a:buClr>
+                <a:schemeClr val="dk1"/>
+              </a:buClr>
+              <a:buSzPts val="2800"/>
+              <a:buFont typeface="Arial"/>
+              <a:buNone/>
+              <a:defRPr sz="2800" b="0" i="0" u="none" strike="noStrike" cap="none">
+                <a:solidFill>
+                  <a:schemeClr val="dk1"/>
+                </a:solidFill>
+                <a:latin typeface="Arial"/>
+                <a:ea typeface="Arial"/>
+                <a:cs typeface="Arial"/>
+                <a:sym typeface="Arial"/>
+              </a:defRPr>
+            </a:lvl5pPr>
+            <a:lvl6pPr marR="0" lvl="5" algn="l" rtl="0">
+              <a:lnSpc>
+                <a:spcPct val="100000"/>
+              </a:lnSpc>
+              <a:spcBef>
+                <a:spcPts val="0"/>
+              </a:spcBef>
+              <a:spcAft>
+                <a:spcPts val="0"/>
+              </a:spcAft>
+              <a:buClr>
+                <a:schemeClr val="dk1"/>
+              </a:buClr>
+              <a:buSzPts val="2800"/>
+              <a:buFont typeface="Arial"/>
+              <a:buNone/>
+              <a:defRPr sz="2800" b="0" i="0" u="none" strike="noStrike" cap="none">
+                <a:solidFill>
+                  <a:schemeClr val="dk1"/>
+                </a:solidFill>
+                <a:latin typeface="Arial"/>
+                <a:ea typeface="Arial"/>
+                <a:cs typeface="Arial"/>
+                <a:sym typeface="Arial"/>
+              </a:defRPr>
+            </a:lvl6pPr>
+            <a:lvl7pPr marR="0" lvl="6" algn="l" rtl="0">
+              <a:lnSpc>
+                <a:spcPct val="100000"/>
+              </a:lnSpc>
+              <a:spcBef>
+                <a:spcPts val="0"/>
+              </a:spcBef>
+              <a:spcAft>
+                <a:spcPts val="0"/>
+              </a:spcAft>
+              <a:buClr>
+                <a:schemeClr val="dk1"/>
+              </a:buClr>
+              <a:buSzPts val="2800"/>
+              <a:buFont typeface="Arial"/>
+              <a:buNone/>
+              <a:defRPr sz="2800" b="0" i="0" u="none" strike="noStrike" cap="none">
+                <a:solidFill>
+                  <a:schemeClr val="dk1"/>
+                </a:solidFill>
+                <a:latin typeface="Arial"/>
+                <a:ea typeface="Arial"/>
+                <a:cs typeface="Arial"/>
+                <a:sym typeface="Arial"/>
+              </a:defRPr>
+            </a:lvl7pPr>
+            <a:lvl8pPr marR="0" lvl="7" algn="l" rtl="0">
+              <a:lnSpc>
+                <a:spcPct val="100000"/>
+              </a:lnSpc>
+              <a:spcBef>
+                <a:spcPts val="0"/>
+              </a:spcBef>
+              <a:spcAft>
+                <a:spcPts val="0"/>
+              </a:spcAft>
+              <a:buClr>
+                <a:schemeClr val="dk1"/>
+              </a:buClr>
+              <a:buSzPts val="2800"/>
+              <a:buFont typeface="Arial"/>
+              <a:buNone/>
+              <a:defRPr sz="2800" b="0" i="0" u="none" strike="noStrike" cap="none">
+                <a:solidFill>
+                  <a:schemeClr val="dk1"/>
+                </a:solidFill>
+                <a:latin typeface="Arial"/>
+                <a:ea typeface="Arial"/>
+                <a:cs typeface="Arial"/>
+                <a:sym typeface="Arial"/>
+              </a:defRPr>
+            </a:lvl8pPr>
+            <a:lvl9pPr marR="0" lvl="8" algn="l" rtl="0">
+              <a:lnSpc>
+                <a:spcPct val="100000"/>
+              </a:lnSpc>
+              <a:spcBef>
+                <a:spcPts val="0"/>
+              </a:spcBef>
+              <a:spcAft>
+                <a:spcPts val="0"/>
+              </a:spcAft>
+              <a:buClr>
+                <a:schemeClr val="dk1"/>
+              </a:buClr>
+              <a:buSzPts val="2800"/>
+              <a:buFont typeface="Arial"/>
+              <a:buNone/>
+              <a:defRPr sz="2800" b="0" i="0" u="none" strike="noStrike" cap="none">
+                <a:solidFill>
+                  <a:schemeClr val="dk1"/>
+                </a:solidFill>
+                <a:latin typeface="Arial"/>
+                <a:ea typeface="Arial"/>
+                <a:cs typeface="Arial"/>
+                <a:sym typeface="Arial"/>
+              </a:defRPr>
+            </a:lvl9pPr>
+          </a:lstStyle>
+          <a:p>
+            <a:pPr>
+              <a:buClr>
+                <a:schemeClr val="dk1"/>
+              </a:buClr>
+              <a:buSzPct val="39285"/>
+              <a:buFont typeface="Arial"/>
+              <a:buNone/>
+            </a:pPr>
+            <a:r>
+              <a:rPr lang="en-GB" dirty="0"/>
+              <a:t>JavaScript – </a:t>
+            </a:r>
+            <a:r>
+              <a:rPr lang="en-GB" dirty="0" err="1"/>
+              <a:t>Promesas</a:t>
+            </a:r>
+            <a:r>
+              <a:rPr lang="en-GB" dirty="0"/>
+              <a:t> (II)</a:t>
+            </a:r>
+          </a:p>
+          <a:p>
+            <a:pPr>
+              <a:buClr>
+                <a:schemeClr val="dk1"/>
+              </a:buClr>
+              <a:buSzPct val="39285"/>
+              <a:buFont typeface="Arial"/>
+              <a:buNone/>
+            </a:pPr>
+            <a:endParaRPr lang="en-GB" dirty="0"/>
+          </a:p>
+          <a:p>
+            <a:endParaRPr lang="en-GB" dirty="0"/>
+          </a:p>
+        </p:txBody>
+      </p:sp>
+    </p:spTree>
+    <p:extLst>
+      <p:ext uri="{BB962C8B-B14F-4D97-AF65-F5344CB8AC3E}">
+        <p14:creationId xmlns:p14="http://schemas.microsoft.com/office/powerpoint/2010/main" val="2152591619"/>
+      </p:ext>
+    </p:extLst>
+  </p:cSld>
+  <p:clrMapOvr>
+    <a:masterClrMapping/>
+  </p:clrMapOvr>
+</p:sld>
+</file>
+
+<file path=ppt/slides/slide22.xml><?xml version="1.0" encoding="utf-8"?>
+<p:sld xmlns:a="http://schemas.openxmlformats.org/drawingml/2006/main" xmlns:r="http://schemas.openxmlformats.org/officeDocument/2006/relationships" xmlns:p="http://schemas.openxmlformats.org/presentationml/2006/main">
+  <p:cSld>
+    <p:spTree>
+      <p:nvGrpSpPr>
+        <p:cNvPr id="1" name="Shape 106"/>
+        <p:cNvGrpSpPr/>
+        <p:nvPr/>
+      </p:nvGrpSpPr>
+      <p:grpSpPr>
+        <a:xfrm>
+          <a:off x="0" y="0"/>
+          <a:ext cx="0" cy="0"/>
+          <a:chOff x="0" y="0"/>
+          <a:chExt cx="0" cy="0"/>
+        </a:xfrm>
+      </p:grpSpPr>
+      <p:sp>
+        <p:nvSpPr>
+          <p:cNvPr id="107" name="Google Shape;107;p21"/>
+          <p:cNvSpPr txBox="1">
+            <a:spLocks noGrp="1"/>
+          </p:cNvSpPr>
+          <p:nvPr>
+            <p:ph type="title"/>
+          </p:nvPr>
+        </p:nvSpPr>
+        <p:spPr>
+          <a:xfrm>
+            <a:off x="311700" y="630000"/>
+            <a:ext cx="3204706" cy="720000"/>
+          </a:xfrm>
+          <a:prstGeom prst="rect">
+            <a:avLst/>
+          </a:prstGeom>
+        </p:spPr>
+        <p:txBody>
+          <a:bodyPr spcFirstLastPara="1" wrap="square" lIns="91425" tIns="91425" rIns="91425" bIns="91425" anchor="b" anchorCtr="0">
+            <a:normAutofit/>
+          </a:bodyPr>
+          <a:lstStyle/>
+          <a:p>
+            <a:pPr marL="0" lvl="0" indent="0" algn="l" rtl="0">
+              <a:spcBef>
+                <a:spcPts val="0"/>
+              </a:spcBef>
+              <a:spcAft>
+                <a:spcPts val="0"/>
+              </a:spcAft>
+              <a:buNone/>
+            </a:pPr>
+            <a:r>
+              <a:rPr lang="en-GB" dirty="0"/>
+              <a:t>JavaScript - Fetch</a:t>
+            </a:r>
+            <a:endParaRPr dirty="0"/>
+          </a:p>
+        </p:txBody>
+      </p:sp>
+      <p:sp>
+        <p:nvSpPr>
+          <p:cNvPr id="108" name="Google Shape;108;p21"/>
+          <p:cNvSpPr txBox="1">
+            <a:spLocks noGrp="1"/>
+          </p:cNvSpPr>
+          <p:nvPr>
+            <p:ph type="body" idx="1"/>
+          </p:nvPr>
+        </p:nvSpPr>
+        <p:spPr>
+          <a:xfrm>
+            <a:off x="311700" y="1350000"/>
+            <a:ext cx="3682076" cy="3219000"/>
+          </a:xfrm>
+          <a:prstGeom prst="rect">
+            <a:avLst/>
+          </a:prstGeom>
+        </p:spPr>
+        <p:txBody>
+          <a:bodyPr spcFirstLastPara="1" wrap="square" lIns="91425" tIns="91425" rIns="91425" bIns="91425" anchor="t" anchorCtr="0">
+            <a:normAutofit fontScale="85000" lnSpcReduction="20000"/>
+          </a:bodyPr>
+          <a:lstStyle/>
+          <a:p>
+            <a:pPr marL="171450" indent="-171450">
+              <a:spcAft>
+                <a:spcPts val="1200"/>
+              </a:spcAft>
+            </a:pPr>
+            <a:r>
+              <a:rPr lang="es-ES" dirty="0"/>
+              <a:t>Sustituye al </a:t>
+            </a:r>
+            <a:r>
+              <a:rPr lang="es-ES" dirty="0" err="1"/>
+              <a:t>XMLHttpRequest</a:t>
+            </a:r>
+            <a:endParaRPr lang="es-ES" dirty="0"/>
+          </a:p>
+          <a:p>
+            <a:pPr marL="0" indent="0">
+              <a:spcAft>
+                <a:spcPts val="1200"/>
+              </a:spcAft>
+              <a:buNone/>
+            </a:pPr>
+            <a:r>
+              <a:rPr lang="en-GB" dirty="0"/>
+              <a:t>let promise = fetch(</a:t>
+            </a:r>
+            <a:r>
+              <a:rPr lang="en-GB" dirty="0" err="1"/>
+              <a:t>url</a:t>
+            </a:r>
+            <a:r>
+              <a:rPr lang="en-GB" dirty="0"/>
+              <a:t>, [options]);</a:t>
+            </a:r>
+          </a:p>
+          <a:p>
+            <a:pPr marL="171450" indent="-171450">
+              <a:spcAft>
+                <a:spcPts val="1200"/>
+              </a:spcAft>
+            </a:pPr>
+            <a:r>
+              <a:rPr lang="es-ES" dirty="0"/>
+              <a:t>Un ejemplo</a:t>
+            </a:r>
+          </a:p>
+          <a:p>
+            <a:pPr marL="0" indent="0">
+              <a:spcAft>
+                <a:spcPts val="1200"/>
+              </a:spcAft>
+              <a:buNone/>
+            </a:pPr>
+            <a:r>
+              <a:rPr lang="es-ES" dirty="0" err="1"/>
+              <a:t>let</a:t>
+            </a:r>
+            <a:r>
+              <a:rPr lang="es-ES" dirty="0"/>
+              <a:t> response = </a:t>
+            </a:r>
+            <a:r>
+              <a:rPr lang="es-ES" dirty="0" err="1"/>
+              <a:t>await</a:t>
+            </a:r>
+            <a:r>
+              <a:rPr lang="es-ES" dirty="0"/>
+              <a:t> </a:t>
+            </a:r>
+            <a:r>
+              <a:rPr lang="es-ES" dirty="0" err="1"/>
+              <a:t>fetch</a:t>
+            </a:r>
+            <a:r>
+              <a:rPr lang="es-ES" dirty="0"/>
+              <a:t>(</a:t>
+            </a:r>
+            <a:r>
+              <a:rPr lang="es-ES" dirty="0" err="1"/>
+              <a:t>url</a:t>
+            </a:r>
+            <a:r>
+              <a:rPr lang="es-ES" dirty="0"/>
+              <a:t>);</a:t>
+            </a:r>
+          </a:p>
+          <a:p>
+            <a:pPr marL="0" indent="0">
+              <a:spcAft>
+                <a:spcPts val="1200"/>
+              </a:spcAft>
+              <a:buNone/>
+            </a:pPr>
+            <a:r>
+              <a:rPr lang="es-ES" dirty="0" err="1"/>
+              <a:t>if</a:t>
+            </a:r>
+            <a:r>
+              <a:rPr lang="es-ES" dirty="0"/>
+              <a:t> (</a:t>
+            </a:r>
+            <a:r>
+              <a:rPr lang="es-ES" dirty="0" err="1"/>
+              <a:t>response.ok</a:t>
+            </a:r>
+            <a:r>
+              <a:rPr lang="es-ES" dirty="0"/>
+              <a:t>) { // </a:t>
+            </a:r>
+            <a:r>
+              <a:rPr lang="es-ES" dirty="0" err="1"/>
+              <a:t>if</a:t>
+            </a:r>
+            <a:r>
+              <a:rPr lang="es-ES" dirty="0"/>
+              <a:t> HTTP-status </a:t>
+            </a:r>
+            <a:r>
+              <a:rPr lang="es-ES" dirty="0" err="1"/>
+              <a:t>is</a:t>
+            </a:r>
+            <a:r>
+              <a:rPr lang="es-ES" dirty="0"/>
+              <a:t> 200-299</a:t>
+            </a:r>
+          </a:p>
+          <a:p>
+            <a:pPr marL="0" indent="0">
+              <a:spcAft>
+                <a:spcPts val="1200"/>
+              </a:spcAft>
+              <a:buNone/>
+            </a:pPr>
+            <a:r>
+              <a:rPr lang="es-ES" dirty="0"/>
+              <a:t>  // </a:t>
+            </a:r>
+            <a:r>
+              <a:rPr lang="es-ES" dirty="0" err="1"/>
+              <a:t>get</a:t>
+            </a:r>
+            <a:r>
+              <a:rPr lang="es-ES" dirty="0"/>
+              <a:t> </a:t>
+            </a:r>
+            <a:r>
+              <a:rPr lang="es-ES" dirty="0" err="1"/>
+              <a:t>the</a:t>
+            </a:r>
+            <a:r>
+              <a:rPr lang="es-ES" dirty="0"/>
+              <a:t> response </a:t>
+            </a:r>
+            <a:r>
+              <a:rPr lang="es-ES" dirty="0" err="1"/>
+              <a:t>body</a:t>
+            </a:r>
+            <a:r>
+              <a:rPr lang="es-ES" dirty="0"/>
+              <a:t> (</a:t>
+            </a:r>
+            <a:r>
+              <a:rPr lang="es-ES" dirty="0" err="1"/>
+              <a:t>the</a:t>
+            </a:r>
+            <a:r>
+              <a:rPr lang="es-ES" dirty="0"/>
+              <a:t> </a:t>
+            </a:r>
+            <a:r>
+              <a:rPr lang="es-ES" dirty="0" err="1"/>
+              <a:t>method</a:t>
+            </a:r>
+            <a:r>
+              <a:rPr lang="es-ES" dirty="0"/>
+              <a:t> </a:t>
+            </a:r>
+            <a:r>
+              <a:rPr lang="es-ES" dirty="0" err="1"/>
+              <a:t>explained</a:t>
+            </a:r>
+            <a:r>
+              <a:rPr lang="es-ES" dirty="0"/>
+              <a:t> </a:t>
+            </a:r>
+            <a:r>
+              <a:rPr lang="es-ES" dirty="0" err="1"/>
+              <a:t>below</a:t>
+            </a:r>
+            <a:r>
+              <a:rPr lang="es-ES" dirty="0"/>
+              <a:t>)</a:t>
+            </a:r>
+          </a:p>
+          <a:p>
+            <a:pPr marL="0" indent="0">
+              <a:spcAft>
+                <a:spcPts val="1200"/>
+              </a:spcAft>
+              <a:buNone/>
+            </a:pPr>
+            <a:r>
+              <a:rPr lang="es-ES" dirty="0"/>
+              <a:t>  </a:t>
+            </a:r>
+            <a:r>
+              <a:rPr lang="es-ES" dirty="0" err="1"/>
+              <a:t>let</a:t>
+            </a:r>
+            <a:r>
+              <a:rPr lang="es-ES" dirty="0"/>
+              <a:t> </a:t>
+            </a:r>
+            <a:r>
+              <a:rPr lang="es-ES" dirty="0" err="1"/>
+              <a:t>json</a:t>
+            </a:r>
+            <a:r>
+              <a:rPr lang="es-ES" dirty="0"/>
+              <a:t> = </a:t>
+            </a:r>
+            <a:r>
+              <a:rPr lang="es-ES" dirty="0" err="1"/>
+              <a:t>await</a:t>
+            </a:r>
+            <a:r>
+              <a:rPr lang="es-ES" dirty="0"/>
+              <a:t> </a:t>
+            </a:r>
+            <a:r>
+              <a:rPr lang="es-ES" dirty="0" err="1"/>
+              <a:t>response.json</a:t>
+            </a:r>
+            <a:r>
+              <a:rPr lang="es-ES" dirty="0"/>
+              <a:t>();</a:t>
+            </a:r>
+          </a:p>
+          <a:p>
+            <a:pPr marL="0" indent="0">
+              <a:spcAft>
+                <a:spcPts val="1200"/>
+              </a:spcAft>
+              <a:buNone/>
+            </a:pPr>
+            <a:r>
+              <a:rPr lang="es-ES" dirty="0"/>
+              <a:t>} </a:t>
+            </a:r>
+            <a:r>
+              <a:rPr lang="es-ES" dirty="0" err="1"/>
+              <a:t>else</a:t>
+            </a:r>
+            <a:r>
+              <a:rPr lang="es-ES" dirty="0"/>
+              <a:t> {</a:t>
+            </a:r>
+          </a:p>
+          <a:p>
+            <a:pPr marL="0" indent="0">
+              <a:spcAft>
+                <a:spcPts val="1200"/>
+              </a:spcAft>
+              <a:buNone/>
+            </a:pPr>
+            <a:r>
+              <a:rPr lang="es-ES" dirty="0"/>
+              <a:t>  </a:t>
+            </a:r>
+            <a:r>
+              <a:rPr lang="es-ES" dirty="0" err="1"/>
+              <a:t>alert</a:t>
+            </a:r>
+            <a:r>
+              <a:rPr lang="es-ES" dirty="0"/>
+              <a:t>("HTTP-Error: " + </a:t>
+            </a:r>
+            <a:r>
+              <a:rPr lang="es-ES" dirty="0" err="1"/>
+              <a:t>response.status</a:t>
+            </a:r>
+            <a:r>
+              <a:rPr lang="es-ES" dirty="0"/>
+              <a:t>);</a:t>
+            </a:r>
+          </a:p>
+          <a:p>
+            <a:pPr marL="0" indent="0">
+              <a:spcAft>
+                <a:spcPts val="1200"/>
+              </a:spcAft>
+              <a:buNone/>
+            </a:pPr>
+            <a:r>
+              <a:rPr lang="es-ES" dirty="0"/>
+              <a:t>}</a:t>
+            </a:r>
+          </a:p>
+          <a:p>
+            <a:pPr marL="0" indent="0">
+              <a:spcAft>
+                <a:spcPts val="1200"/>
+              </a:spcAft>
+              <a:buNone/>
+            </a:pPr>
+            <a:endParaRPr lang="en-GB" dirty="0"/>
+          </a:p>
+          <a:p>
+            <a:pPr marL="0" indent="0">
+              <a:spcAft>
+                <a:spcPts val="1200"/>
+              </a:spcAft>
+              <a:buNone/>
+            </a:pPr>
+            <a:endParaRPr lang="es-ES" dirty="0"/>
+          </a:p>
+        </p:txBody>
+      </p:sp>
+      <p:pic>
+        <p:nvPicPr>
+          <p:cNvPr id="109" name="Google Shape;109;p21"/>
+          <p:cNvPicPr preferRelativeResize="0">
+            <a:picLocks noGrp="1"/>
+          </p:cNvPicPr>
+          <p:nvPr>
+            <p:ph type="pic" idx="3"/>
+          </p:nvPr>
+        </p:nvPicPr>
+        <p:blipFill rotWithShape="1">
+          <a:blip r:embed="rId3">
+            <a:alphaModFix/>
+          </a:blip>
+          <a:srcRect l="26854" r="26859"/>
+          <a:stretch/>
+        </p:blipFill>
+        <p:spPr>
+          <a:xfrm>
+            <a:off x="6737750" y="-75550"/>
+            <a:ext cx="2450700" cy="5294700"/>
+          </a:xfrm>
+          <a:prstGeom prst="rect">
+            <a:avLst/>
+          </a:prstGeom>
+        </p:spPr>
+      </p:pic>
+      <p:pic>
+        <p:nvPicPr>
+          <p:cNvPr id="110" name="Google Shape;110;p21"/>
+          <p:cNvPicPr preferRelativeResize="0">
+            <a:picLocks noGrp="1"/>
+          </p:cNvPicPr>
+          <p:nvPr>
+            <p:ph type="pic" idx="4"/>
+          </p:nvPr>
+        </p:nvPicPr>
+        <p:blipFill rotWithShape="1">
+          <a:blip r:embed="rId4">
+            <a:alphaModFix/>
+          </a:blip>
+          <a:srcRect l="36980" r="36983"/>
+          <a:stretch/>
+        </p:blipFill>
+        <p:spPr>
+          <a:xfrm>
+            <a:off x="4287050" y="-75550"/>
+            <a:ext cx="2450701" cy="5294699"/>
+          </a:xfrm>
+          <a:prstGeom prst="rect">
+            <a:avLst/>
+          </a:prstGeom>
+        </p:spPr>
+      </p:pic>
+      <p:pic>
+        <p:nvPicPr>
+          <p:cNvPr id="111" name="Google Shape;111;p21"/>
+          <p:cNvPicPr preferRelativeResize="0"/>
+          <p:nvPr/>
+        </p:nvPicPr>
+        <p:blipFill>
+          <a:blip r:embed="rId5">
+            <a:alphaModFix/>
+          </a:blip>
+          <a:stretch>
+            <a:fillRect/>
+          </a:stretch>
+        </p:blipFill>
+        <p:spPr>
+          <a:xfrm>
+            <a:off x="7777826" y="399725"/>
+            <a:ext cx="1054474" cy="271899"/>
+          </a:xfrm>
+          <a:prstGeom prst="rect">
+            <a:avLst/>
+          </a:prstGeom>
+          <a:noFill/>
+          <a:ln>
+            <a:noFill/>
+          </a:ln>
+        </p:spPr>
+      </p:pic>
+    </p:spTree>
+    <p:extLst>
+      <p:ext uri="{BB962C8B-B14F-4D97-AF65-F5344CB8AC3E}">
+        <p14:creationId xmlns:p14="http://schemas.microsoft.com/office/powerpoint/2010/main" val="420780565"/>
+      </p:ext>
+    </p:extLst>
+  </p:cSld>
+  <p:clrMapOvr>
+    <a:masterClrMapping/>
+  </p:clrMapOvr>
+</p:sld>
+</file>
+
+<file path=ppt/slides/slide23.xml><?xml version="1.0" encoding="utf-8"?>
+<p:sld xmlns:a="http://schemas.openxmlformats.org/drawingml/2006/main" xmlns:r="http://schemas.openxmlformats.org/officeDocument/2006/relationships" xmlns:p="http://schemas.openxmlformats.org/presentationml/2006/main">
+  <p:cSld>
+    <p:spTree>
+      <p:nvGrpSpPr>
+        <p:cNvPr id="1" name="Shape 68"/>
+        <p:cNvGrpSpPr/>
+        <p:nvPr/>
+      </p:nvGrpSpPr>
+      <p:grpSpPr>
+        <a:xfrm>
+          <a:off x="0" y="0"/>
+          <a:ext cx="0" cy="0"/>
+          <a:chOff x="0" y="0"/>
+          <a:chExt cx="0" cy="0"/>
+        </a:xfrm>
+      </p:grpSpPr>
+      <p:sp>
+        <p:nvSpPr>
+          <p:cNvPr id="70" name="Google Shape;70;p15"/>
+          <p:cNvSpPr txBox="1">
+            <a:spLocks noGrp="1"/>
+          </p:cNvSpPr>
+          <p:nvPr>
+            <p:ph type="body" idx="1"/>
+          </p:nvPr>
+        </p:nvSpPr>
+        <p:spPr>
+          <a:xfrm>
+            <a:off x="311700" y="981635"/>
+            <a:ext cx="3999900" cy="4007224"/>
+          </a:xfrm>
+          <a:prstGeom prst="rect">
+            <a:avLst/>
+          </a:prstGeom>
+        </p:spPr>
+        <p:txBody>
+          <a:bodyPr spcFirstLastPara="1" wrap="square" lIns="91425" tIns="91425" rIns="91425" bIns="91425" anchor="t" anchorCtr="0">
+            <a:normAutofit/>
+          </a:bodyPr>
+          <a:lstStyle/>
+          <a:p>
+            <a:pPr marL="285750" indent="-285750">
+              <a:spcAft>
+                <a:spcPts val="1200"/>
+              </a:spcAft>
+            </a:pPr>
+            <a:r>
+              <a:rPr lang="es-ES" dirty="0" err="1"/>
+              <a:t>Request</a:t>
+            </a:r>
+            <a:r>
+              <a:rPr lang="es-ES" dirty="0"/>
+              <a:t> </a:t>
+            </a:r>
+            <a:r>
+              <a:rPr lang="es-ES" dirty="0" err="1"/>
+              <a:t>Headers</a:t>
+            </a:r>
+            <a:endParaRPr lang="es-ES" dirty="0"/>
+          </a:p>
+          <a:p>
+            <a:pPr marL="285750" indent="-285750">
+              <a:spcAft>
+                <a:spcPts val="1200"/>
+              </a:spcAft>
+            </a:pPr>
+            <a:endParaRPr lang="es-ES" dirty="0"/>
+          </a:p>
+          <a:p>
+            <a:pPr marL="0" indent="0">
+              <a:spcAft>
+                <a:spcPts val="1200"/>
+              </a:spcAft>
+              <a:buNone/>
+            </a:pPr>
+            <a:r>
+              <a:rPr lang="es-ES" i="1" dirty="0" err="1"/>
+              <a:t>let</a:t>
+            </a:r>
+            <a:r>
+              <a:rPr lang="es-ES" i="1" dirty="0"/>
+              <a:t> response = </a:t>
+            </a:r>
+            <a:r>
+              <a:rPr lang="es-ES" i="1" dirty="0" err="1"/>
+              <a:t>await</a:t>
+            </a:r>
+            <a:r>
+              <a:rPr lang="es-ES" i="1" dirty="0"/>
+              <a:t> </a:t>
+            </a:r>
+            <a:r>
+              <a:rPr lang="es-ES" i="1" dirty="0" err="1"/>
+              <a:t>fetch</a:t>
+            </a:r>
+            <a:r>
+              <a:rPr lang="es-ES" i="1" dirty="0"/>
+              <a:t>(</a:t>
+            </a:r>
+            <a:r>
+              <a:rPr lang="es-ES" i="1" dirty="0" err="1"/>
+              <a:t>url</a:t>
+            </a:r>
+            <a:r>
+              <a:rPr lang="es-ES" i="1" dirty="0"/>
+              <a:t>);</a:t>
+            </a:r>
+          </a:p>
+          <a:p>
+            <a:pPr marL="0" indent="0">
+              <a:spcAft>
+                <a:spcPts val="1200"/>
+              </a:spcAft>
+              <a:buNone/>
+            </a:pPr>
+            <a:r>
+              <a:rPr lang="es-ES" i="1" dirty="0" err="1"/>
+              <a:t>if</a:t>
+            </a:r>
+            <a:r>
+              <a:rPr lang="es-ES" i="1" dirty="0"/>
+              <a:t> (</a:t>
+            </a:r>
+            <a:r>
+              <a:rPr lang="es-ES" i="1" dirty="0" err="1"/>
+              <a:t>response.ok</a:t>
+            </a:r>
+            <a:r>
+              <a:rPr lang="es-ES" i="1" dirty="0"/>
+              <a:t>) { </a:t>
+            </a:r>
+          </a:p>
+          <a:p>
+            <a:pPr marL="0" indent="0">
+              <a:spcAft>
+                <a:spcPts val="1200"/>
+              </a:spcAft>
+              <a:buNone/>
+            </a:pPr>
+            <a:r>
+              <a:rPr lang="es-ES" i="1" dirty="0"/>
+              <a:t>  </a:t>
+            </a:r>
+            <a:r>
+              <a:rPr lang="es-ES" i="1" dirty="0" err="1"/>
+              <a:t>let</a:t>
+            </a:r>
+            <a:r>
+              <a:rPr lang="es-ES" i="1" dirty="0"/>
+              <a:t> </a:t>
+            </a:r>
+            <a:r>
+              <a:rPr lang="es-ES" i="1" dirty="0" err="1"/>
+              <a:t>json</a:t>
+            </a:r>
+            <a:r>
+              <a:rPr lang="es-ES" i="1" dirty="0"/>
+              <a:t> = </a:t>
+            </a:r>
+            <a:r>
+              <a:rPr lang="es-ES" i="1" dirty="0" err="1"/>
+              <a:t>await</a:t>
+            </a:r>
+            <a:r>
+              <a:rPr lang="es-ES" i="1" dirty="0"/>
+              <a:t> </a:t>
+            </a:r>
+            <a:r>
+              <a:rPr lang="es-ES" i="1" dirty="0" err="1"/>
+              <a:t>response.json</a:t>
+            </a:r>
+            <a:r>
+              <a:rPr lang="es-ES" i="1" dirty="0"/>
+              <a:t>();</a:t>
+            </a:r>
+          </a:p>
+          <a:p>
+            <a:pPr marL="0" indent="0">
+              <a:spcAft>
+                <a:spcPts val="1200"/>
+              </a:spcAft>
+              <a:buNone/>
+            </a:pPr>
+            <a:r>
+              <a:rPr lang="es-ES" i="1" dirty="0"/>
+              <a:t>} </a:t>
+            </a:r>
+            <a:r>
+              <a:rPr lang="es-ES" i="1" dirty="0" err="1"/>
+              <a:t>else</a:t>
+            </a:r>
+            <a:r>
+              <a:rPr lang="es-ES" i="1" dirty="0"/>
+              <a:t> {</a:t>
+            </a:r>
+          </a:p>
+          <a:p>
+            <a:pPr marL="0" indent="0">
+              <a:spcAft>
+                <a:spcPts val="1200"/>
+              </a:spcAft>
+              <a:buNone/>
+            </a:pPr>
+            <a:r>
+              <a:rPr lang="es-ES" i="1" dirty="0"/>
+              <a:t>  </a:t>
+            </a:r>
+            <a:r>
+              <a:rPr lang="es-ES" i="1" dirty="0" err="1"/>
+              <a:t>alert</a:t>
+            </a:r>
+            <a:r>
+              <a:rPr lang="es-ES" i="1" dirty="0"/>
+              <a:t>("HTTP-Error: " + </a:t>
+            </a:r>
+            <a:r>
+              <a:rPr lang="es-ES" i="1" dirty="0" err="1"/>
+              <a:t>response.status</a:t>
+            </a:r>
+            <a:r>
+              <a:rPr lang="es-ES" i="1" dirty="0"/>
+              <a:t>);</a:t>
+            </a:r>
+          </a:p>
+          <a:p>
+            <a:pPr marL="0" indent="0">
+              <a:spcAft>
+                <a:spcPts val="1200"/>
+              </a:spcAft>
+              <a:buNone/>
+            </a:pPr>
+            <a:r>
+              <a:rPr lang="es-ES" i="1" dirty="0"/>
+              <a:t>}</a:t>
+            </a:r>
+          </a:p>
+        </p:txBody>
+      </p:sp>
+      <p:sp>
+        <p:nvSpPr>
+          <p:cNvPr id="71" name="Google Shape;71;p15"/>
+          <p:cNvSpPr txBox="1">
+            <a:spLocks noGrp="1"/>
+          </p:cNvSpPr>
+          <p:nvPr>
+            <p:ph type="body" idx="2"/>
+          </p:nvPr>
+        </p:nvSpPr>
+        <p:spPr>
+          <a:xfrm>
+            <a:off x="4832400" y="1806175"/>
+            <a:ext cx="3999900" cy="2762700"/>
+          </a:xfrm>
+          <a:prstGeom prst="rect">
+            <a:avLst/>
+          </a:prstGeom>
+        </p:spPr>
+        <p:txBody>
+          <a:bodyPr spcFirstLastPara="1" wrap="square" lIns="91425" tIns="91425" rIns="91425" bIns="91425" anchor="t" anchorCtr="0">
+            <a:normAutofit lnSpcReduction="10000"/>
+          </a:bodyPr>
+          <a:lstStyle/>
+          <a:p>
+            <a:pPr marL="285750" indent="-285750"/>
+            <a:r>
+              <a:rPr lang="es-ES" dirty="0"/>
+              <a:t>Peticiones POST</a:t>
+            </a:r>
+          </a:p>
+          <a:p>
+            <a:pPr marL="285750" indent="-285750"/>
+            <a:endParaRPr lang="es-ES" dirty="0"/>
+          </a:p>
+          <a:p>
+            <a:pPr marL="0" indent="0">
+              <a:buNone/>
+            </a:pPr>
+            <a:r>
+              <a:rPr lang="es-ES" i="1" dirty="0" err="1"/>
+              <a:t>let</a:t>
+            </a:r>
+            <a:r>
+              <a:rPr lang="es-ES" i="1" dirty="0"/>
+              <a:t> response = </a:t>
+            </a:r>
+            <a:r>
+              <a:rPr lang="es-ES" i="1" dirty="0" err="1"/>
+              <a:t>await</a:t>
+            </a:r>
+            <a:r>
+              <a:rPr lang="es-ES" i="1" dirty="0"/>
+              <a:t> </a:t>
+            </a:r>
+            <a:r>
+              <a:rPr lang="es-ES" i="1" dirty="0" err="1"/>
+              <a:t>fetch</a:t>
+            </a:r>
+            <a:r>
+              <a:rPr lang="es-ES" i="1" dirty="0"/>
+              <a:t>('/</a:t>
+            </a:r>
+            <a:r>
+              <a:rPr lang="es-ES" i="1" dirty="0" err="1"/>
+              <a:t>article</a:t>
+            </a:r>
+            <a:r>
+              <a:rPr lang="es-ES" i="1" dirty="0"/>
+              <a:t>/</a:t>
+            </a:r>
+            <a:r>
+              <a:rPr lang="es-ES" i="1" dirty="0" err="1"/>
+              <a:t>fetch</a:t>
+            </a:r>
+            <a:r>
+              <a:rPr lang="es-ES" i="1" dirty="0"/>
+              <a:t>/post/</a:t>
+            </a:r>
+            <a:r>
+              <a:rPr lang="es-ES" i="1" dirty="0" err="1"/>
+              <a:t>user</a:t>
+            </a:r>
+            <a:r>
+              <a:rPr lang="es-ES" i="1" dirty="0"/>
+              <a:t>', {</a:t>
+            </a:r>
+          </a:p>
+          <a:p>
+            <a:pPr marL="0" indent="0">
+              <a:buNone/>
+            </a:pPr>
+            <a:r>
+              <a:rPr lang="es-ES" i="1" dirty="0"/>
+              <a:t>  </a:t>
+            </a:r>
+            <a:r>
+              <a:rPr lang="es-ES" i="1" dirty="0" err="1"/>
+              <a:t>method</a:t>
+            </a:r>
+            <a:r>
+              <a:rPr lang="es-ES" i="1" dirty="0"/>
+              <a:t>: 'POST',</a:t>
+            </a:r>
+          </a:p>
+          <a:p>
+            <a:pPr marL="0" indent="0">
+              <a:buNone/>
+            </a:pPr>
+            <a:r>
+              <a:rPr lang="es-ES" i="1" dirty="0"/>
+              <a:t>  </a:t>
+            </a:r>
+            <a:r>
+              <a:rPr lang="es-ES" i="1" dirty="0" err="1"/>
+              <a:t>headers</a:t>
+            </a:r>
+            <a:r>
+              <a:rPr lang="es-ES" i="1" dirty="0"/>
+              <a:t>: {</a:t>
+            </a:r>
+          </a:p>
+          <a:p>
+            <a:pPr marL="0" indent="0">
+              <a:buNone/>
+            </a:pPr>
+            <a:r>
+              <a:rPr lang="es-ES" i="1" dirty="0"/>
+              <a:t>    'Content-</a:t>
+            </a:r>
+            <a:r>
+              <a:rPr lang="es-ES" i="1" dirty="0" err="1"/>
+              <a:t>Type</a:t>
+            </a:r>
+            <a:r>
+              <a:rPr lang="es-ES" i="1" dirty="0"/>
+              <a:t>': '</a:t>
+            </a:r>
+            <a:r>
+              <a:rPr lang="es-ES" i="1" dirty="0" err="1"/>
+              <a:t>application</a:t>
+            </a:r>
+            <a:r>
+              <a:rPr lang="es-ES" i="1" dirty="0"/>
+              <a:t>/</a:t>
+            </a:r>
+            <a:r>
+              <a:rPr lang="es-ES" i="1" dirty="0" err="1"/>
+              <a:t>json;charset</a:t>
+            </a:r>
+            <a:r>
+              <a:rPr lang="es-ES" i="1" dirty="0"/>
+              <a:t>=utf-8'</a:t>
+            </a:r>
+          </a:p>
+          <a:p>
+            <a:pPr marL="0" indent="0">
+              <a:buNone/>
+            </a:pPr>
+            <a:r>
+              <a:rPr lang="es-ES" i="1" dirty="0"/>
+              <a:t>  },</a:t>
+            </a:r>
+          </a:p>
+          <a:p>
+            <a:pPr marL="0" indent="0">
+              <a:buNone/>
+            </a:pPr>
+            <a:r>
+              <a:rPr lang="es-ES" i="1" dirty="0"/>
+              <a:t>  </a:t>
+            </a:r>
+            <a:r>
+              <a:rPr lang="es-ES" i="1" dirty="0" err="1"/>
+              <a:t>body</a:t>
+            </a:r>
+            <a:r>
+              <a:rPr lang="es-ES" i="1" dirty="0"/>
+              <a:t>: </a:t>
+            </a:r>
+            <a:r>
+              <a:rPr lang="es-ES" i="1" dirty="0" err="1"/>
+              <a:t>JSON.stringify</a:t>
+            </a:r>
+            <a:r>
+              <a:rPr lang="es-ES" i="1" dirty="0"/>
+              <a:t>(</a:t>
+            </a:r>
+            <a:r>
+              <a:rPr lang="es-ES" i="1" dirty="0" err="1"/>
+              <a:t>user</a:t>
+            </a:r>
+            <a:r>
+              <a:rPr lang="es-ES" i="1" dirty="0"/>
+              <a:t>)</a:t>
+            </a:r>
+          </a:p>
+          <a:p>
+            <a:pPr marL="0" indent="0">
+              <a:buNone/>
+            </a:pPr>
+            <a:r>
+              <a:rPr lang="es-ES" i="1" dirty="0"/>
+              <a:t>});</a:t>
+            </a:r>
+          </a:p>
+        </p:txBody>
+      </p:sp>
+      <p:sp>
+        <p:nvSpPr>
+          <p:cNvPr id="5" name="Google Shape;82;p17">
+            <a:extLst>
+              <a:ext uri="{FF2B5EF4-FFF2-40B4-BE49-F238E27FC236}">
+                <a16:creationId xmlns:a16="http://schemas.microsoft.com/office/drawing/2014/main" id="{77626D82-BD96-9F95-8B8E-2CF303EE0FE9}"/>
+              </a:ext>
+            </a:extLst>
+          </p:cNvPr>
+          <p:cNvSpPr txBox="1">
+            <a:spLocks/>
+          </p:cNvSpPr>
+          <p:nvPr/>
+        </p:nvSpPr>
+        <p:spPr>
+          <a:xfrm>
+            <a:off x="390142" y="311754"/>
+            <a:ext cx="5944800" cy="720000"/>
+          </a:xfrm>
+          <a:prstGeom prst="rect">
+            <a:avLst/>
+          </a:prstGeom>
+          <a:noFill/>
+          <a:ln>
+            <a:noFill/>
+          </a:ln>
+        </p:spPr>
+        <p:txBody>
+          <a:bodyPr spcFirstLastPara="1" wrap="square" lIns="91425" tIns="91425" rIns="91425" bIns="91425" anchor="t" anchorCtr="0">
+            <a:normAutofit fontScale="97500"/>
+          </a:bodyPr>
+          <a:lstStyle>
+            <a:defPPr marR="0" lvl="0" algn="l" rtl="0">
+              <a:lnSpc>
+                <a:spcPct val="100000"/>
+              </a:lnSpc>
+              <a:spcBef>
+                <a:spcPts val="0"/>
+              </a:spcBef>
+              <a:spcAft>
+                <a:spcPts val="0"/>
+              </a:spcAft>
+            </a:defPPr>
+            <a:lvl1pPr marR="0" lvl="0" algn="l" rtl="0">
+              <a:lnSpc>
+                <a:spcPct val="100000"/>
+              </a:lnSpc>
+              <a:spcBef>
+                <a:spcPts val="0"/>
+              </a:spcBef>
+              <a:spcAft>
+                <a:spcPts val="0"/>
+              </a:spcAft>
+              <a:buClr>
+                <a:srgbClr val="2A60A9"/>
+              </a:buClr>
+              <a:buSzPts val="2800"/>
+              <a:buFont typeface="Readex Pro SemiBold"/>
+              <a:buNone/>
+              <a:defRPr sz="2800" b="0" i="0" u="none" strike="noStrike" cap="none">
+                <a:solidFill>
+                  <a:srgbClr val="2A60A9"/>
+                </a:solidFill>
+                <a:latin typeface="Readex Pro SemiBold"/>
+                <a:ea typeface="Readex Pro SemiBold"/>
+                <a:cs typeface="Readex Pro SemiBold"/>
+                <a:sym typeface="Readex Pro SemiBold"/>
+              </a:defRPr>
+            </a:lvl1pPr>
+            <a:lvl2pPr marR="0" lvl="1" algn="l" rtl="0">
+              <a:lnSpc>
+                <a:spcPct val="100000"/>
+              </a:lnSpc>
+              <a:spcBef>
+                <a:spcPts val="0"/>
+              </a:spcBef>
+              <a:spcAft>
+                <a:spcPts val="0"/>
+              </a:spcAft>
+              <a:buClr>
+                <a:schemeClr val="dk1"/>
+              </a:buClr>
+              <a:buSzPts val="2800"/>
+              <a:buFont typeface="Arial"/>
+              <a:buNone/>
+              <a:defRPr sz="2800" b="0" i="0" u="none" strike="noStrike" cap="none">
+                <a:solidFill>
+                  <a:schemeClr val="dk1"/>
+                </a:solidFill>
+                <a:latin typeface="Arial"/>
+                <a:ea typeface="Arial"/>
+                <a:cs typeface="Arial"/>
+                <a:sym typeface="Arial"/>
+              </a:defRPr>
+            </a:lvl2pPr>
+            <a:lvl3pPr marR="0" lvl="2" algn="l" rtl="0">
+              <a:lnSpc>
+                <a:spcPct val="100000"/>
+              </a:lnSpc>
+              <a:spcBef>
+                <a:spcPts val="0"/>
+              </a:spcBef>
+              <a:spcAft>
+                <a:spcPts val="0"/>
+              </a:spcAft>
+              <a:buClr>
+                <a:schemeClr val="dk1"/>
+              </a:buClr>
+              <a:buSzPts val="2800"/>
+              <a:buFont typeface="Arial"/>
+              <a:buNone/>
+              <a:defRPr sz="2800" b="0" i="0" u="none" strike="noStrike" cap="none">
+                <a:solidFill>
+                  <a:schemeClr val="dk1"/>
+                </a:solidFill>
+                <a:latin typeface="Arial"/>
+                <a:ea typeface="Arial"/>
+                <a:cs typeface="Arial"/>
+                <a:sym typeface="Arial"/>
+              </a:defRPr>
+            </a:lvl3pPr>
+            <a:lvl4pPr marR="0" lvl="3" algn="l" rtl="0">
+              <a:lnSpc>
+                <a:spcPct val="100000"/>
+              </a:lnSpc>
+              <a:spcBef>
+                <a:spcPts val="0"/>
+              </a:spcBef>
+              <a:spcAft>
+                <a:spcPts val="0"/>
+              </a:spcAft>
+              <a:buClr>
+                <a:schemeClr val="dk1"/>
+              </a:buClr>
+              <a:buSzPts val="2800"/>
+              <a:buFont typeface="Arial"/>
+              <a:buNone/>
+              <a:defRPr sz="2800" b="0" i="0" u="none" strike="noStrike" cap="none">
+                <a:solidFill>
+                  <a:schemeClr val="dk1"/>
+                </a:solidFill>
+                <a:latin typeface="Arial"/>
+                <a:ea typeface="Arial"/>
+                <a:cs typeface="Arial"/>
+                <a:sym typeface="Arial"/>
+              </a:defRPr>
+            </a:lvl4pPr>
+            <a:lvl5pPr marR="0" lvl="4" algn="l" rtl="0">
+              <a:lnSpc>
+                <a:spcPct val="100000"/>
+              </a:lnSpc>
+              <a:spcBef>
+                <a:spcPts val="0"/>
+              </a:spcBef>
+              <a:spcAft>
+                <a:spcPts val="0"/>
+              </a:spcAft>
+              <a:buClr>
+                <a:schemeClr val="dk1"/>
+              </a:buClr>
+              <a:buSzPts val="2800"/>
+              <a:buFont typeface="Arial"/>
+              <a:buNone/>
+              <a:defRPr sz="2800" b="0" i="0" u="none" strike="noStrike" cap="none">
+                <a:solidFill>
+                  <a:schemeClr val="dk1"/>
+                </a:solidFill>
+                <a:latin typeface="Arial"/>
+                <a:ea typeface="Arial"/>
+                <a:cs typeface="Arial"/>
+                <a:sym typeface="Arial"/>
+              </a:defRPr>
+            </a:lvl5pPr>
+            <a:lvl6pPr marR="0" lvl="5" algn="l" rtl="0">
+              <a:lnSpc>
+                <a:spcPct val="100000"/>
+              </a:lnSpc>
+              <a:spcBef>
+                <a:spcPts val="0"/>
+              </a:spcBef>
+              <a:spcAft>
+                <a:spcPts val="0"/>
+              </a:spcAft>
+              <a:buClr>
+                <a:schemeClr val="dk1"/>
+              </a:buClr>
+              <a:buSzPts val="2800"/>
+              <a:buFont typeface="Arial"/>
+              <a:buNone/>
+              <a:defRPr sz="2800" b="0" i="0" u="none" strike="noStrike" cap="none">
+                <a:solidFill>
+                  <a:schemeClr val="dk1"/>
+                </a:solidFill>
+                <a:latin typeface="Arial"/>
+                <a:ea typeface="Arial"/>
+                <a:cs typeface="Arial"/>
+                <a:sym typeface="Arial"/>
+              </a:defRPr>
+            </a:lvl6pPr>
+            <a:lvl7pPr marR="0" lvl="6" algn="l" rtl="0">
+              <a:lnSpc>
+                <a:spcPct val="100000"/>
+              </a:lnSpc>
+              <a:spcBef>
+                <a:spcPts val="0"/>
+              </a:spcBef>
+              <a:spcAft>
+                <a:spcPts val="0"/>
+              </a:spcAft>
+              <a:buClr>
+                <a:schemeClr val="dk1"/>
+              </a:buClr>
+              <a:buSzPts val="2800"/>
+              <a:buFont typeface="Arial"/>
+              <a:buNone/>
+              <a:defRPr sz="2800" b="0" i="0" u="none" strike="noStrike" cap="none">
+                <a:solidFill>
+                  <a:schemeClr val="dk1"/>
+                </a:solidFill>
+                <a:latin typeface="Arial"/>
+                <a:ea typeface="Arial"/>
+                <a:cs typeface="Arial"/>
+                <a:sym typeface="Arial"/>
+              </a:defRPr>
+            </a:lvl7pPr>
+            <a:lvl8pPr marR="0" lvl="7" algn="l" rtl="0">
+              <a:lnSpc>
+                <a:spcPct val="100000"/>
+              </a:lnSpc>
+              <a:spcBef>
+                <a:spcPts val="0"/>
+              </a:spcBef>
+              <a:spcAft>
+                <a:spcPts val="0"/>
+              </a:spcAft>
+              <a:buClr>
+                <a:schemeClr val="dk1"/>
+              </a:buClr>
+              <a:buSzPts val="2800"/>
+              <a:buFont typeface="Arial"/>
+              <a:buNone/>
+              <a:defRPr sz="2800" b="0" i="0" u="none" strike="noStrike" cap="none">
+                <a:solidFill>
+                  <a:schemeClr val="dk1"/>
+                </a:solidFill>
+                <a:latin typeface="Arial"/>
+                <a:ea typeface="Arial"/>
+                <a:cs typeface="Arial"/>
+                <a:sym typeface="Arial"/>
+              </a:defRPr>
+            </a:lvl8pPr>
+            <a:lvl9pPr marR="0" lvl="8" algn="l" rtl="0">
+              <a:lnSpc>
+                <a:spcPct val="100000"/>
+              </a:lnSpc>
+              <a:spcBef>
+                <a:spcPts val="0"/>
+              </a:spcBef>
+              <a:spcAft>
+                <a:spcPts val="0"/>
+              </a:spcAft>
+              <a:buClr>
+                <a:schemeClr val="dk1"/>
+              </a:buClr>
+              <a:buSzPts val="2800"/>
+              <a:buFont typeface="Arial"/>
+              <a:buNone/>
+              <a:defRPr sz="2800" b="0" i="0" u="none" strike="noStrike" cap="none">
+                <a:solidFill>
+                  <a:schemeClr val="dk1"/>
+                </a:solidFill>
+                <a:latin typeface="Arial"/>
+                <a:ea typeface="Arial"/>
+                <a:cs typeface="Arial"/>
+                <a:sym typeface="Arial"/>
+              </a:defRPr>
+            </a:lvl9pPr>
+          </a:lstStyle>
+          <a:p>
+            <a:pPr>
+              <a:buClr>
+                <a:schemeClr val="dk1"/>
+              </a:buClr>
+              <a:buSzPct val="39285"/>
+              <a:buFont typeface="Arial"/>
+              <a:buNone/>
+            </a:pPr>
+            <a:r>
+              <a:rPr lang="en-GB" dirty="0"/>
+              <a:t>JavaScript – Fetch (II)</a:t>
+            </a:r>
+          </a:p>
+          <a:p>
+            <a:pPr>
+              <a:buClr>
+                <a:schemeClr val="dk1"/>
+              </a:buClr>
+              <a:buSzPct val="39285"/>
+              <a:buFont typeface="Arial"/>
+              <a:buNone/>
+            </a:pPr>
+            <a:endParaRPr lang="en-GB" dirty="0"/>
+          </a:p>
+          <a:p>
+            <a:endParaRPr lang="en-GB" dirty="0"/>
+          </a:p>
+        </p:txBody>
+      </p:sp>
+    </p:spTree>
+    <p:extLst>
+      <p:ext uri="{BB962C8B-B14F-4D97-AF65-F5344CB8AC3E}">
+        <p14:creationId xmlns:p14="http://schemas.microsoft.com/office/powerpoint/2010/main" val="1059951615"/>
+      </p:ext>
+    </p:extLst>
   </p:cSld>
   <p:clrMapOvr>
     <a:masterClrMapping/>
